--- a/Endpräsentation_Leitfaden.pptx
+++ b/Endpräsentation_Leitfaden.pptx
@@ -5,15 +5,16 @@
     <p:sldMasterId id="2147483924" r:id="rId1"/>
   </p:sldMasterIdLst>
   <p:notesMasterIdLst>
-    <p:notesMasterId r:id="rId8"/>
+    <p:notesMasterId r:id="rId9"/>
   </p:notesMasterIdLst>
   <p:sldIdLst>
     <p:sldId id="256" r:id="rId2"/>
     <p:sldId id="257" r:id="rId3"/>
     <p:sldId id="258" r:id="rId4"/>
-    <p:sldId id="259" r:id="rId5"/>
-    <p:sldId id="260" r:id="rId6"/>
-    <p:sldId id="261" r:id="rId7"/>
+    <p:sldId id="262" r:id="rId5"/>
+    <p:sldId id="259" r:id="rId6"/>
+    <p:sldId id="260" r:id="rId7"/>
+    <p:sldId id="261" r:id="rId8"/>
   </p:sldIdLst>
   <p:sldSz cx="9144000" cy="6858000" type="screen4x3"/>
   <p:notesSz cx="6858000" cy="9144000"/>
@@ -112,6 +113,22 @@
       </a:defRPr>
     </a:lvl9pPr>
   </p:defaultTextStyle>
+  <p:extLst>
+    <p:ext uri="{EFAFB233-063F-42B5-8137-9DF3F51BA10A}">
+      <p15:sldGuideLst xmlns:p15="http://schemas.microsoft.com/office/powerpoint/2012/main">
+        <p15:guide id="1" orient="horz" pos="2160">
+          <p15:clr>
+            <a:srgbClr val="A4A3A4"/>
+          </p15:clr>
+        </p15:guide>
+        <p15:guide id="2" pos="2880">
+          <p15:clr>
+            <a:srgbClr val="A4A3A4"/>
+          </p15:clr>
+        </p15:guide>
+      </p15:sldGuideLst>
+    </p:ext>
+  </p:extLst>
 </p:presentation>
 </file>
 
@@ -197,7 +214,7 @@
           <a:p>
             <a:fld id="{0D880967-AD24-4EDE-80DF-76F63081443B}" type="datetimeFigureOut">
               <a:rPr lang="de-AT" smtClean="0"/>
-              <a:t>15.06.2016</a:t>
+              <a:t>21.06.2016</a:t>
             </a:fld>
             <a:endParaRPr lang="de-AT"/>
           </a:p>
@@ -714,7 +731,7 @@
           <a:p>
             <a:fld id="{7B4EDCE6-2906-4B3A-9C53-8658DC4C5DE1}" type="slidenum">
               <a:rPr lang="de-AT" smtClean="0"/>
-              <a:t>4</a:t>
+              <a:t>5</a:t>
             </a:fld>
             <a:endParaRPr lang="de-AT"/>
           </a:p>
@@ -806,7 +823,7 @@
           <a:p>
             <a:fld id="{7B4EDCE6-2906-4B3A-9C53-8658DC4C5DE1}" type="slidenum">
               <a:rPr lang="de-AT" smtClean="0"/>
-              <a:t>5</a:t>
+              <a:t>6</a:t>
             </a:fld>
             <a:endParaRPr lang="de-AT"/>
           </a:p>
@@ -915,7 +932,7 @@
           <a:p>
             <a:fld id="{7B4EDCE6-2906-4B3A-9C53-8658DC4C5DE1}" type="slidenum">
               <a:rPr lang="de-AT" smtClean="0"/>
-              <a:t>6</a:t>
+              <a:t>7</a:t>
             </a:fld>
             <a:endParaRPr lang="de-AT"/>
           </a:p>
@@ -1115,7 +1132,7 @@
           <a:p>
             <a:fld id="{5830B3CD-2892-43C1-B8B8-9EA8017CAC74}" type="datetimeFigureOut">
               <a:rPr lang="de-AT" smtClean="0"/>
-              <a:t>15.06.2016</a:t>
+              <a:t>21.06.2016</a:t>
             </a:fld>
             <a:endParaRPr lang="de-AT"/>
           </a:p>
@@ -1285,7 +1302,7 @@
           <a:p>
             <a:fld id="{5830B3CD-2892-43C1-B8B8-9EA8017CAC74}" type="datetimeFigureOut">
               <a:rPr lang="de-AT" smtClean="0"/>
-              <a:t>15.06.2016</a:t>
+              <a:t>21.06.2016</a:t>
             </a:fld>
             <a:endParaRPr lang="de-AT"/>
           </a:p>
@@ -1465,7 +1482,7 @@
           <a:p>
             <a:fld id="{5830B3CD-2892-43C1-B8B8-9EA8017CAC74}" type="datetimeFigureOut">
               <a:rPr lang="de-AT" smtClean="0"/>
-              <a:t>15.06.2016</a:t>
+              <a:t>21.06.2016</a:t>
             </a:fld>
             <a:endParaRPr lang="de-AT"/>
           </a:p>
@@ -1635,7 +1652,7 @@
           <a:p>
             <a:fld id="{5830B3CD-2892-43C1-B8B8-9EA8017CAC74}" type="datetimeFigureOut">
               <a:rPr lang="de-AT" smtClean="0"/>
-              <a:t>15.06.2016</a:t>
+              <a:t>21.06.2016</a:t>
             </a:fld>
             <a:endParaRPr lang="de-AT"/>
           </a:p>
@@ -1881,7 +1898,7 @@
           <a:p>
             <a:fld id="{5830B3CD-2892-43C1-B8B8-9EA8017CAC74}" type="datetimeFigureOut">
               <a:rPr lang="de-AT" smtClean="0"/>
-              <a:t>15.06.2016</a:t>
+              <a:t>21.06.2016</a:t>
             </a:fld>
             <a:endParaRPr lang="de-AT"/>
           </a:p>
@@ -2169,7 +2186,7 @@
           <a:p>
             <a:fld id="{5830B3CD-2892-43C1-B8B8-9EA8017CAC74}" type="datetimeFigureOut">
               <a:rPr lang="de-AT" smtClean="0"/>
-              <a:t>15.06.2016</a:t>
+              <a:t>21.06.2016</a:t>
             </a:fld>
             <a:endParaRPr lang="de-AT"/>
           </a:p>
@@ -2591,7 +2608,7 @@
           <a:p>
             <a:fld id="{5830B3CD-2892-43C1-B8B8-9EA8017CAC74}" type="datetimeFigureOut">
               <a:rPr lang="de-AT" smtClean="0"/>
-              <a:t>15.06.2016</a:t>
+              <a:t>21.06.2016</a:t>
             </a:fld>
             <a:endParaRPr lang="de-AT"/>
           </a:p>
@@ -2709,7 +2726,7 @@
           <a:p>
             <a:fld id="{5830B3CD-2892-43C1-B8B8-9EA8017CAC74}" type="datetimeFigureOut">
               <a:rPr lang="de-AT" smtClean="0"/>
-              <a:t>15.06.2016</a:t>
+              <a:t>21.06.2016</a:t>
             </a:fld>
             <a:endParaRPr lang="de-AT"/>
           </a:p>
@@ -2804,7 +2821,7 @@
           <a:p>
             <a:fld id="{5830B3CD-2892-43C1-B8B8-9EA8017CAC74}" type="datetimeFigureOut">
               <a:rPr lang="de-AT" smtClean="0"/>
-              <a:t>15.06.2016</a:t>
+              <a:t>21.06.2016</a:t>
             </a:fld>
             <a:endParaRPr lang="de-AT"/>
           </a:p>
@@ -3081,7 +3098,7 @@
           <a:p>
             <a:fld id="{5830B3CD-2892-43C1-B8B8-9EA8017CAC74}" type="datetimeFigureOut">
               <a:rPr lang="de-AT" smtClean="0"/>
-              <a:t>15.06.2016</a:t>
+              <a:t>21.06.2016</a:t>
             </a:fld>
             <a:endParaRPr lang="de-AT"/>
           </a:p>
@@ -3334,7 +3351,7 @@
           <a:p>
             <a:fld id="{5830B3CD-2892-43C1-B8B8-9EA8017CAC74}" type="datetimeFigureOut">
               <a:rPr lang="de-AT" smtClean="0"/>
-              <a:t>15.06.2016</a:t>
+              <a:t>21.06.2016</a:t>
             </a:fld>
             <a:endParaRPr lang="de-AT"/>
           </a:p>
@@ -3399,9 +3416,12 @@
 <p:sldMaster xmlns:a="http://schemas.openxmlformats.org/drawingml/2006/main" xmlns:r="http://schemas.openxmlformats.org/officeDocument/2006/relationships" xmlns:p="http://schemas.openxmlformats.org/presentationml/2006/main">
   <p:cSld>
     <p:bg>
-      <p:bgRef idx="1001">
-        <a:schemeClr val="bg1"/>
-      </p:bgRef>
+      <p:bgPr>
+        <a:solidFill>
+          <a:schemeClr val="bg1"/>
+        </a:solidFill>
+        <a:effectLst/>
+      </p:bgPr>
     </p:bg>
     <p:spTree>
       <p:nvGrpSpPr>
@@ -3547,7 +3567,7 @@
           <a:p>
             <a:fld id="{5830B3CD-2892-43C1-B8B8-9EA8017CAC74}" type="datetimeFigureOut">
               <a:rPr lang="de-AT" smtClean="0"/>
-              <a:t>15.06.2016</a:t>
+              <a:t>21.06.2016</a:t>
             </a:fld>
             <a:endParaRPr lang="de-AT"/>
           </a:p>
@@ -3922,44 +3942,16 @@
           <a:chExt cx="0" cy="0"/>
         </a:xfrm>
       </p:grpSpPr>
-      <p:sp>
-        <p:nvSpPr>
-          <p:cNvPr id="2" name="Titel 1"/>
-          <p:cNvSpPr>
-            <a:spLocks noGrp="1"/>
-          </p:cNvSpPr>
-          <p:nvPr>
-            <p:ph type="ctrTitle"/>
-          </p:nvPr>
-        </p:nvSpPr>
-        <p:spPr>
-          <a:xfrm>
-            <a:off x="795295" y="404664"/>
-            <a:ext cx="7772400" cy="1470025"/>
-          </a:xfrm>
-        </p:spPr>
-        <p:txBody>
-          <a:bodyPr/>
-          <a:lstStyle/>
-          <a:p>
-            <a:r>
-              <a:rPr lang="de-AT" sz="5400" dirty="0" err="1" smtClean="0"/>
-              <a:t>Malefiz</a:t>
-            </a:r>
-            <a:endParaRPr lang="de-AT" dirty="0"/>
-          </a:p>
-        </p:txBody>
-      </p:sp>
       <p:pic>
         <p:nvPicPr>
-          <p:cNvPr id="1026" name="Picture 2" descr="C:\Users\Pezi\Documents\GitHub\SE2_Project\SE2_Project\logo.bg.jpg"/>
+          <p:cNvPr id="1028" name="Picture 4" descr="https://i.ytimg.com/vi/mvX2ozirOm4/maxresdefault.jpg"/>
           <p:cNvPicPr>
             <a:picLocks noChangeAspect="1" noChangeArrowheads="1"/>
           </p:cNvPicPr>
           <p:nvPr/>
         </p:nvPicPr>
         <p:blipFill>
-          <a:blip r:embed="rId2" cstate="print">
+          <a:blip r:embed="rId2">
             <a:extLst>
               <a:ext uri="{28A0092B-C50C-407E-A947-70E740481C1C}">
                 <a14:useLocalDpi xmlns:a14="http://schemas.microsoft.com/office/drawing/2010/main" val="0"/>
@@ -3973,8 +3965,8 @@
         </p:blipFill>
         <p:spPr bwMode="auto">
           <a:xfrm>
-            <a:off x="795295" y="2750871"/>
-            <a:ext cx="2769368" cy="3458517"/>
+            <a:off x="-893577" y="1"/>
+            <a:ext cx="12197817" cy="6858000"/>
           </a:xfrm>
           <a:prstGeom prst="rect">
             <a:avLst/>
@@ -3991,6 +3983,91 @@
           </a:extLst>
         </p:spPr>
       </p:pic>
+      <p:sp>
+        <p:nvSpPr>
+          <p:cNvPr id="2" name="Titel 1"/>
+          <p:cNvSpPr>
+            <a:spLocks noGrp="1"/>
+          </p:cNvSpPr>
+          <p:nvPr>
+            <p:ph type="ctrTitle"/>
+          </p:nvPr>
+        </p:nvSpPr>
+        <p:spPr>
+          <a:xfrm>
+            <a:off x="795295" y="1679611"/>
+            <a:ext cx="7772400" cy="1470025"/>
+          </a:xfrm>
+        </p:spPr>
+        <p:txBody>
+          <a:bodyPr>
+            <a:noAutofit/>
+          </a:bodyPr>
+          <a:lstStyle/>
+          <a:p>
+            <a:r>
+              <a:rPr lang="de-AT" sz="13800" dirty="0" err="1" smtClean="0">
+                <a:ln w="38100">
+                  <a:solidFill>
+                    <a:schemeClr val="tx1"/>
+                  </a:solidFill>
+                </a:ln>
+                <a:solidFill>
+                  <a:schemeClr val="bg1"/>
+                </a:solidFill>
+                <a:latin typeface="Algerian" panose="04020705040A02060702" pitchFamily="82" charset="0"/>
+              </a:rPr>
+              <a:t>Malefiz</a:t>
+            </a:r>
+            <a:endParaRPr lang="de-AT" sz="6600" dirty="0">
+              <a:ln w="38100">
+                <a:solidFill>
+                  <a:schemeClr val="tx1"/>
+                </a:solidFill>
+              </a:ln>
+              <a:solidFill>
+                <a:schemeClr val="bg1"/>
+              </a:solidFill>
+              <a:latin typeface="Algerian" panose="04020705040A02060702" pitchFamily="82" charset="0"/>
+            </a:endParaRPr>
+          </a:p>
+        </p:txBody>
+      </p:sp>
+      <p:pic>
+        <p:nvPicPr>
+          <p:cNvPr id="16" name="Grafik 15"/>
+          <p:cNvPicPr>
+            <a:picLocks noChangeAspect="1"/>
+          </p:cNvPicPr>
+          <p:nvPr/>
+        </p:nvPicPr>
+        <p:blipFill>
+          <a:blip r:embed="rId3">
+            <a:clrChange>
+              <a:clrFrom>
+                <a:srgbClr val="FFFFFF"/>
+              </a:clrFrom>
+              <a:clrTo>
+                <a:srgbClr val="FFFFFF">
+                  <a:alpha val="0"/>
+                </a:srgbClr>
+              </a:clrTo>
+            </a:clrChange>
+          </a:blip>
+          <a:stretch>
+            <a:fillRect/>
+          </a:stretch>
+        </p:blipFill>
+        <p:spPr>
+          <a:xfrm>
+            <a:off x="467545" y="5805264"/>
+            <a:ext cx="2432321" cy="768101"/>
+          </a:xfrm>
+          <a:prstGeom prst="rect">
+            <a:avLst/>
+          </a:prstGeom>
+        </p:spPr>
+      </p:pic>
     </p:spTree>
     <p:extLst>
       <p:ext uri="{BB962C8B-B14F-4D97-AF65-F5344CB8AC3E}">
@@ -4001,6 +4078,13 @@
   <p:clrMapOvr>
     <a:masterClrMapping/>
   </p:clrMapOvr>
+  <p:timing>
+    <p:tnLst>
+      <p:par>
+        <p:cTn id="1" dur="indefinite" restart="never" nodeType="tmRoot"/>
+      </p:par>
+    </p:tnLst>
+  </p:timing>
 </p:sld>
 </file>
 
@@ -4031,73 +4115,228 @@
             <p:ph type="title"/>
           </p:nvPr>
         </p:nvSpPr>
+        <p:spPr>
+          <a:xfrm>
+            <a:off x="457200" y="274638"/>
+            <a:ext cx="7139136" cy="1143000"/>
+          </a:xfrm>
+        </p:spPr>
+        <p:txBody>
+          <a:bodyPr/>
+          <a:lstStyle/>
+          <a:p>
+            <a:r>
+              <a:rPr lang="de-AT" sz="6000" dirty="0" smtClean="0">
+                <a:latin typeface="Agency FB" panose="020B0503020202020204" pitchFamily="34" charset="0"/>
+              </a:rPr>
+              <a:t>Teammitglieder</a:t>
+            </a:r>
+            <a:endParaRPr lang="de-AT" dirty="0">
+              <a:latin typeface="Agency FB" panose="020B0503020202020204" pitchFamily="34" charset="0"/>
+            </a:endParaRPr>
+          </a:p>
+        </p:txBody>
+      </p:sp>
+      <p:sp>
+        <p:nvSpPr>
+          <p:cNvPr id="3" name="Inhaltsplatzhalter 2"/>
+          <p:cNvSpPr>
+            <a:spLocks noGrp="1"/>
+          </p:cNvSpPr>
+          <p:nvPr>
+            <p:ph idx="1"/>
+          </p:nvPr>
+        </p:nvSpPr>
         <p:spPr/>
         <p:txBody>
-          <a:bodyPr/>
-          <a:lstStyle/>
-          <a:p>
-            <a:r>
-              <a:rPr lang="de-AT" dirty="0" smtClean="0"/>
-              <a:t>Teammitglieder</a:t>
-            </a:r>
-            <a:endParaRPr lang="de-AT" dirty="0"/>
-          </a:p>
-        </p:txBody>
-      </p:sp>
-      <p:sp>
-        <p:nvSpPr>
-          <p:cNvPr id="3" name="Inhaltsplatzhalter 2"/>
-          <p:cNvSpPr>
-            <a:spLocks noGrp="1"/>
-          </p:cNvSpPr>
-          <p:nvPr>
-            <p:ph idx="1"/>
-          </p:nvPr>
-        </p:nvSpPr>
-        <p:spPr/>
-        <p:txBody>
-          <a:bodyPr/>
-          <a:lstStyle/>
-          <a:p>
-            <a:r>
-              <a:rPr lang="de-AT" dirty="0" smtClean="0"/>
-              <a:t>Daniel </a:t>
-            </a:r>
-            <a:r>
-              <a:rPr lang="de-AT" dirty="0" err="1" smtClean="0"/>
-              <a:t>Leustik</a:t>
-            </a:r>
-            <a:endParaRPr lang="de-AT" dirty="0" smtClean="0"/>
-          </a:p>
-          <a:p>
-            <a:r>
-              <a:rPr lang="de-AT" dirty="0" smtClean="0"/>
-              <a:t>Daniel Leitner</a:t>
-            </a:r>
-          </a:p>
-          <a:p>
-            <a:r>
-              <a:rPr lang="de-AT" dirty="0" smtClean="0"/>
-              <a:t>Mathias Jesse</a:t>
-            </a:r>
-          </a:p>
-          <a:p>
-            <a:r>
-              <a:rPr lang="de-AT" dirty="0" smtClean="0"/>
-              <a:t>Friedemann </a:t>
-            </a:r>
-            <a:r>
-              <a:rPr lang="de-AT" dirty="0" err="1" smtClean="0"/>
+          <a:bodyPr>
+            <a:normAutofit/>
+          </a:bodyPr>
+          <a:lstStyle/>
+          <a:p>
+            <a:r>
+              <a:rPr lang="de-AT" b="1" dirty="0" smtClean="0">
+                <a:latin typeface="Agency FB" panose="020B0503020202020204" pitchFamily="34" charset="0"/>
+              </a:rPr>
+              <a:t>Daniel Leitner, Friedemann </a:t>
+            </a:r>
+            <a:r>
+              <a:rPr lang="de-AT" b="1" dirty="0" err="1" smtClean="0">
+                <a:latin typeface="Agency FB" panose="020B0503020202020204" pitchFamily="34" charset="0"/>
+              </a:rPr>
               <a:t>Zindler</a:t>
             </a:r>
-            <a:endParaRPr lang="de-AT" dirty="0" smtClean="0"/>
-          </a:p>
-          <a:p>
-            <a:r>
-              <a:rPr lang="de-AT" dirty="0" smtClean="0"/>
-              <a:t>Petra Tschinderle</a:t>
-            </a:r>
-            <a:endParaRPr lang="de-AT" dirty="0"/>
+            <a:endParaRPr lang="de-AT" b="1" dirty="0" smtClean="0">
+              <a:latin typeface="Agency FB" panose="020B0503020202020204" pitchFamily="34" charset="0"/>
+            </a:endParaRPr>
+          </a:p>
+          <a:p>
+            <a:pPr lvl="1"/>
+            <a:r>
+              <a:rPr lang="de-AT" dirty="0" smtClean="0">
+                <a:latin typeface="Agency FB" panose="020B0503020202020204" pitchFamily="34" charset="0"/>
+              </a:rPr>
+              <a:t>Programmierung &amp; </a:t>
+            </a:r>
+            <a:r>
+              <a:rPr lang="de-AT" dirty="0" err="1" smtClean="0">
+                <a:latin typeface="Agency FB" panose="020B0503020202020204" pitchFamily="34" charset="0"/>
+              </a:rPr>
+              <a:t>Testing</a:t>
+            </a:r>
+            <a:endParaRPr lang="de-AT" dirty="0" smtClean="0">
+              <a:latin typeface="Agency FB" panose="020B0503020202020204" pitchFamily="34" charset="0"/>
+            </a:endParaRPr>
+          </a:p>
+          <a:p>
+            <a:r>
+              <a:rPr lang="de-AT" b="1" dirty="0" smtClean="0">
+                <a:latin typeface="Agency FB" panose="020B0503020202020204" pitchFamily="34" charset="0"/>
+              </a:rPr>
+              <a:t>Mathias </a:t>
+            </a:r>
+            <a:r>
+              <a:rPr lang="de-AT" b="1" dirty="0" smtClean="0">
+                <a:latin typeface="Agency FB" panose="020B0503020202020204" pitchFamily="34" charset="0"/>
+              </a:rPr>
+              <a:t>Jesse</a:t>
+            </a:r>
+          </a:p>
+          <a:p>
+            <a:pPr lvl="1"/>
+            <a:r>
+              <a:rPr lang="de-AT" dirty="0" smtClean="0">
+                <a:latin typeface="Agency FB" panose="020B0503020202020204" pitchFamily="34" charset="0"/>
+              </a:rPr>
+              <a:t>Grafiken &amp; GUI</a:t>
+            </a:r>
+            <a:endParaRPr lang="de-AT" dirty="0" smtClean="0">
+              <a:latin typeface="Agency FB" panose="020B0503020202020204" pitchFamily="34" charset="0"/>
+            </a:endParaRPr>
+          </a:p>
+          <a:p>
+            <a:r>
+              <a:rPr lang="de-AT" b="1" dirty="0" smtClean="0">
+                <a:latin typeface="Agency FB" panose="020B0503020202020204" pitchFamily="34" charset="0"/>
+              </a:rPr>
+              <a:t>Petra </a:t>
+            </a:r>
+            <a:r>
+              <a:rPr lang="de-AT" b="1" dirty="0" err="1" smtClean="0">
+                <a:latin typeface="Agency FB" panose="020B0503020202020204" pitchFamily="34" charset="0"/>
+              </a:rPr>
+              <a:t>Tschinderle</a:t>
+            </a:r>
+            <a:endParaRPr lang="de-AT" b="1" dirty="0" smtClean="0">
+              <a:latin typeface="Agency FB" panose="020B0503020202020204" pitchFamily="34" charset="0"/>
+            </a:endParaRPr>
+          </a:p>
+          <a:p>
+            <a:pPr lvl="1"/>
+            <a:r>
+              <a:rPr lang="de-AT" dirty="0" smtClean="0">
+                <a:latin typeface="Agency FB" panose="020B0503020202020204" pitchFamily="34" charset="0"/>
+              </a:rPr>
+              <a:t>D</a:t>
+            </a:r>
+            <a:r>
+              <a:rPr lang="de-AT" dirty="0">
+                <a:latin typeface="Agency FB" panose="020B0503020202020204" pitchFamily="34" charset="0"/>
+              </a:rPr>
+              <a:t>okumentation &amp; </a:t>
+            </a:r>
+            <a:r>
+              <a:rPr lang="de-AT" dirty="0" err="1" smtClean="0">
+                <a:latin typeface="Agency FB" panose="020B0503020202020204" pitchFamily="34" charset="0"/>
+              </a:rPr>
+              <a:t>Testing</a:t>
+            </a:r>
+            <a:endParaRPr lang="de-AT" dirty="0" smtClean="0">
+              <a:latin typeface="Agency FB" panose="020B0503020202020204" pitchFamily="34" charset="0"/>
+            </a:endParaRPr>
+          </a:p>
+          <a:p>
+            <a:r>
+              <a:rPr lang="de-AT" b="1" dirty="0">
+                <a:latin typeface="Agency FB" panose="020B0503020202020204" pitchFamily="34" charset="0"/>
+              </a:rPr>
+              <a:t>Daniel Leustik</a:t>
+            </a:r>
+          </a:p>
+          <a:p>
+            <a:pPr lvl="1"/>
+            <a:r>
+              <a:rPr lang="de-AT" dirty="0">
+                <a:latin typeface="Agency FB" panose="020B0503020202020204" pitchFamily="34" charset="0"/>
+              </a:rPr>
+              <a:t>GUI &amp; </a:t>
+            </a:r>
+            <a:r>
+              <a:rPr lang="de-AT" dirty="0" smtClean="0">
+                <a:latin typeface="Agency FB" panose="020B0503020202020204" pitchFamily="34" charset="0"/>
+              </a:rPr>
+              <a:t>Programmierung</a:t>
+            </a:r>
+            <a:endParaRPr lang="de-AT" dirty="0">
+              <a:latin typeface="Agency FB" panose="020B0503020202020204" pitchFamily="34" charset="0"/>
+            </a:endParaRPr>
+          </a:p>
+        </p:txBody>
+      </p:sp>
+      <p:sp>
+        <p:nvSpPr>
+          <p:cNvPr id="9" name="Rechteck 8"/>
+          <p:cNvSpPr/>
+          <p:nvPr/>
+        </p:nvSpPr>
+        <p:spPr>
+          <a:xfrm>
+            <a:off x="8244408" y="0"/>
+            <a:ext cx="899592" cy="6858000"/>
+          </a:xfrm>
+          <a:prstGeom prst="rect">
+            <a:avLst/>
+          </a:prstGeom>
+          <a:solidFill>
+            <a:srgbClr val="FFC000"/>
+          </a:solidFill>
+          <a:ln>
+            <a:solidFill>
+              <a:srgbClr val="FFC000"/>
+            </a:solidFill>
+          </a:ln>
+        </p:spPr>
+        <p:style>
+          <a:lnRef idx="2">
+            <a:schemeClr val="accent1">
+              <a:shade val="50000"/>
+            </a:schemeClr>
+          </a:lnRef>
+          <a:fillRef idx="1">
+            <a:schemeClr val="accent1"/>
+          </a:fillRef>
+          <a:effectRef idx="0">
+            <a:schemeClr val="accent1"/>
+          </a:effectRef>
+          <a:fontRef idx="minor">
+            <a:schemeClr val="lt1"/>
+          </a:fontRef>
+        </p:style>
+        <p:txBody>
+          <a:bodyPr rtlCol="0" anchor="ctr"/>
+          <a:lstStyle/>
+          <a:p>
+            <a:pPr algn="ctr"/>
+            <a:endParaRPr lang="de-AT">
+              <a:ln>
+                <a:solidFill>
+                  <a:srgbClr val="FFFF00"/>
+                </a:solidFill>
+              </a:ln>
+              <a:solidFill>
+                <a:srgbClr val="FFFF00"/>
+              </a:solidFill>
+            </a:endParaRPr>
           </a:p>
         </p:txBody>
       </p:sp>
@@ -4111,6 +4350,13 @@
   <p:clrMapOvr>
     <a:masterClrMapping/>
   </p:clrMapOvr>
+  <p:timing>
+    <p:tnLst>
+      <p:par>
+        <p:cTn id="1" dur="indefinite" restart="never" nodeType="tmRoot"/>
+      </p:par>
+    </p:tnLst>
+  </p:timing>
 </p:sld>
 </file>
 
@@ -4141,85 +4387,350 @@
             <p:ph type="title"/>
           </p:nvPr>
         </p:nvSpPr>
-        <p:spPr/>
-        <p:txBody>
-          <a:bodyPr/>
-          <a:lstStyle/>
-          <a:p>
-            <a:r>
-              <a:rPr lang="de-AT" dirty="0" smtClean="0"/>
-              <a:t>Features</a:t>
-            </a:r>
-            <a:endParaRPr lang="de-AT" dirty="0"/>
-          </a:p>
-        </p:txBody>
-      </p:sp>
-      <p:sp>
-        <p:nvSpPr>
-          <p:cNvPr id="3" name="Inhaltsplatzhalter 2"/>
-          <p:cNvSpPr>
-            <a:spLocks noGrp="1"/>
-          </p:cNvSpPr>
+        <p:spPr>
+          <a:xfrm>
+            <a:off x="1187624" y="274638"/>
+            <a:ext cx="7499176" cy="1143000"/>
+          </a:xfrm>
+        </p:spPr>
+        <p:txBody>
+          <a:bodyPr>
+            <a:normAutofit/>
+          </a:bodyPr>
+          <a:lstStyle/>
+          <a:p>
+            <a:r>
+              <a:rPr lang="de-AT" sz="6000" dirty="0" err="1" smtClean="0">
+                <a:latin typeface="Agency FB" panose="020B0503020202020204" pitchFamily="34" charset="0"/>
+              </a:rPr>
+              <a:t>Malefiz</a:t>
+            </a:r>
+            <a:r>
+              <a:rPr lang="de-AT" sz="6000" dirty="0" smtClean="0">
+                <a:latin typeface="Agency FB" panose="020B0503020202020204" pitchFamily="34" charset="0"/>
+              </a:rPr>
+              <a:t> – Das Spiel</a:t>
+            </a:r>
+            <a:endParaRPr lang="de-AT" sz="6000" dirty="0">
+              <a:latin typeface="Agency FB" panose="020B0503020202020204" pitchFamily="34" charset="0"/>
+            </a:endParaRPr>
+          </a:p>
+        </p:txBody>
+      </p:sp>
+      <p:pic>
+        <p:nvPicPr>
+          <p:cNvPr id="4" name="Grafik 3"/>
+          <p:cNvPicPr>
+            <a:picLocks noChangeAspect="1"/>
+          </p:cNvPicPr>
+          <p:nvPr/>
+        </p:nvPicPr>
+        <p:blipFill>
+          <a:blip r:embed="rId3"/>
+          <a:stretch>
+            <a:fillRect/>
+          </a:stretch>
+        </p:blipFill>
+        <p:spPr>
+          <a:xfrm>
+            <a:off x="5436096" y="1988840"/>
+            <a:ext cx="3371268" cy="3422247"/>
+          </a:xfrm>
+          <a:prstGeom prst="rect">
+            <a:avLst/>
+          </a:prstGeom>
+          <a:effectLst>
+            <a:outerShdw blurRad="114300" dist="88900" dir="2700000" sx="103000" sy="103000" algn="ctr" rotWithShape="0">
+              <a:srgbClr val="000000">
+                <a:alpha val="43137"/>
+              </a:srgbClr>
+            </a:outerShdw>
+          </a:effectLst>
+        </p:spPr>
+      </p:pic>
+      <p:graphicFrame>
+        <p:nvGraphicFramePr>
+          <p:cNvPr id="7" name="Inhaltsplatzhalter 6"/>
+          <p:cNvGraphicFramePr>
+            <a:graphicFrameLocks noGrp="1"/>
+          </p:cNvGraphicFramePr>
           <p:nvPr>
             <p:ph idx="1"/>
-          </p:nvPr>
-        </p:nvSpPr>
-        <p:spPr/>
-        <p:txBody>
-          <a:bodyPr/>
-          <a:lstStyle/>
-          <a:p>
-            <a:r>
-              <a:rPr lang="de-AT" dirty="0" smtClean="0"/>
-              <a:t>Abgestimmtes Design</a:t>
-            </a:r>
-          </a:p>
-          <a:p>
-            <a:r>
-              <a:rPr lang="de-AT" dirty="0" smtClean="0"/>
-              <a:t>Dynamisches Spielbrett mit </a:t>
-            </a:r>
-            <a:r>
-              <a:rPr lang="de-AT" dirty="0" err="1" smtClean="0"/>
-              <a:t>Zughilfe</a:t>
-            </a:r>
-            <a:endParaRPr lang="de-AT" dirty="0" smtClean="0"/>
-          </a:p>
-          <a:p>
-            <a:r>
-              <a:rPr lang="de-AT" dirty="0" smtClean="0"/>
-              <a:t>4 auswählbare Charaktere</a:t>
-            </a:r>
-          </a:p>
-          <a:p>
-            <a:pPr lvl="0"/>
-            <a:r>
-              <a:rPr lang="de-AT" dirty="0" err="1" smtClean="0"/>
-              <a:t>Schummelwürfel</a:t>
-            </a:r>
-            <a:endParaRPr lang="de-AT" dirty="0"/>
-          </a:p>
-          <a:p>
-            <a:pPr lvl="0"/>
-            <a:r>
-              <a:rPr lang="de-AT" dirty="0"/>
-              <a:t>Würfeln mit </a:t>
-            </a:r>
-            <a:r>
-              <a:rPr lang="de-AT" dirty="0" smtClean="0"/>
-              <a:t>Schüttelfunktion</a:t>
-            </a:r>
-          </a:p>
-          <a:p>
-            <a:pPr lvl="0"/>
-            <a:r>
-              <a:rPr lang="de-AT" dirty="0" smtClean="0"/>
-              <a:t>…</a:t>
-            </a:r>
-            <a:endParaRPr lang="de-AT" dirty="0"/>
-          </a:p>
-          <a:p>
-            <a:endParaRPr lang="de-AT" dirty="0"/>
+            <p:extLst>
+              <p:ext uri="{D42A27DB-BD31-4B8C-83A1-F6EECF244321}">
+                <p14:modId xmlns:p14="http://schemas.microsoft.com/office/powerpoint/2010/main" val="486450647"/>
+              </p:ext>
+            </p:extLst>
+          </p:nvPr>
+        </p:nvGraphicFramePr>
+        <p:xfrm>
+          <a:off x="1187624" y="2638243"/>
+          <a:ext cx="3898776" cy="2286000"/>
+        </p:xfrm>
+        <a:graphic>
+          <a:graphicData uri="http://schemas.openxmlformats.org/drawingml/2006/table">
+            <a:tbl>
+              <a:tblPr firstRow="1" bandRow="1">
+                <a:tableStyleId>{5940675A-B579-460E-94D1-54222C63F5DA}</a:tableStyleId>
+              </a:tblPr>
+              <a:tblGrid>
+                <a:gridCol w="1872208"/>
+                <a:gridCol w="2026568"/>
+              </a:tblGrid>
+              <a:tr h="370840">
+                <a:tc>
+                  <a:txBody>
+                    <a:bodyPr/>
+                    <a:lstStyle/>
+                    <a:p>
+                      <a:r>
+                        <a:rPr lang="de-AT" sz="2000" b="1" dirty="0" smtClean="0">
+                          <a:latin typeface="Agency FB" panose="020B0503020202020204" pitchFamily="34" charset="0"/>
+                        </a:rPr>
+                        <a:t>Erscheinungsjahr</a:t>
+                      </a:r>
+                      <a:endParaRPr lang="de-AT" sz="2000" b="1" dirty="0">
+                        <a:latin typeface="Agency FB" panose="020B0503020202020204" pitchFamily="34" charset="0"/>
+                      </a:endParaRPr>
+                    </a:p>
+                  </a:txBody>
+                  <a:tcPr/>
+                </a:tc>
+                <a:tc>
+                  <a:txBody>
+                    <a:bodyPr/>
+                    <a:lstStyle/>
+                    <a:p>
+                      <a:r>
+                        <a:rPr lang="de-AT" sz="2000" b="1" dirty="0" smtClean="0">
+                          <a:latin typeface="Agency FB" panose="020B0503020202020204" pitchFamily="34" charset="0"/>
+                        </a:rPr>
+                        <a:t>1960</a:t>
+                      </a:r>
+                      <a:endParaRPr lang="de-AT" sz="2000" b="1" dirty="0">
+                        <a:latin typeface="Agency FB" panose="020B0503020202020204" pitchFamily="34" charset="0"/>
+                      </a:endParaRPr>
+                    </a:p>
+                  </a:txBody>
+                  <a:tcPr/>
+                </a:tc>
+              </a:tr>
+              <a:tr h="370840">
+                <a:tc>
+                  <a:txBody>
+                    <a:bodyPr/>
+                    <a:lstStyle/>
+                    <a:p>
+                      <a:r>
+                        <a:rPr lang="de-AT" sz="2000" b="1" dirty="0" smtClean="0">
+                          <a:latin typeface="Agency FB" panose="020B0503020202020204" pitchFamily="34" charset="0"/>
+                        </a:rPr>
+                        <a:t>Art</a:t>
+                      </a:r>
+                      <a:endParaRPr lang="de-AT" sz="2000" b="1" dirty="0">
+                        <a:latin typeface="Agency FB" panose="020B0503020202020204" pitchFamily="34" charset="0"/>
+                      </a:endParaRPr>
+                    </a:p>
+                  </a:txBody>
+                  <a:tcPr/>
+                </a:tc>
+                <a:tc>
+                  <a:txBody>
+                    <a:bodyPr/>
+                    <a:lstStyle/>
+                    <a:p>
+                      <a:r>
+                        <a:rPr lang="de-AT" sz="2000" b="1" dirty="0" smtClean="0">
+                          <a:latin typeface="Agency FB" panose="020B0503020202020204" pitchFamily="34" charset="0"/>
+                        </a:rPr>
+                        <a:t>Würfelspiel mit Strategie</a:t>
+                      </a:r>
+                      <a:endParaRPr lang="de-AT" sz="2000" b="1" dirty="0">
+                        <a:latin typeface="Agency FB" panose="020B0503020202020204" pitchFamily="34" charset="0"/>
+                      </a:endParaRPr>
+                    </a:p>
+                  </a:txBody>
+                  <a:tcPr/>
+                </a:tc>
+              </a:tr>
+              <a:tr h="370840">
+                <a:tc>
+                  <a:txBody>
+                    <a:bodyPr/>
+                    <a:lstStyle/>
+                    <a:p>
+                      <a:r>
+                        <a:rPr lang="de-AT" sz="2000" b="1" dirty="0" smtClean="0">
+                          <a:latin typeface="Agency FB" panose="020B0503020202020204" pitchFamily="34" charset="0"/>
+                        </a:rPr>
+                        <a:t>Spielerzahl</a:t>
+                      </a:r>
+                      <a:endParaRPr lang="de-AT" sz="2000" b="1" dirty="0">
+                        <a:latin typeface="Agency FB" panose="020B0503020202020204" pitchFamily="34" charset="0"/>
+                      </a:endParaRPr>
+                    </a:p>
+                  </a:txBody>
+                  <a:tcPr/>
+                </a:tc>
+                <a:tc>
+                  <a:txBody>
+                    <a:bodyPr/>
+                    <a:lstStyle/>
+                    <a:p>
+                      <a:r>
+                        <a:rPr lang="de-AT" sz="2000" b="1" dirty="0" smtClean="0">
+                          <a:latin typeface="Agency FB" panose="020B0503020202020204" pitchFamily="34" charset="0"/>
+                        </a:rPr>
+                        <a:t>2 - 4</a:t>
+                      </a:r>
+                      <a:r>
+                        <a:rPr lang="de-AT" sz="2000" b="1" baseline="0" dirty="0" smtClean="0">
+                          <a:latin typeface="Agency FB" panose="020B0503020202020204" pitchFamily="34" charset="0"/>
+                        </a:rPr>
+                        <a:t> </a:t>
+                      </a:r>
+                      <a:endParaRPr lang="de-AT" sz="2000" b="1" dirty="0">
+                        <a:latin typeface="Agency FB" panose="020B0503020202020204" pitchFamily="34" charset="0"/>
+                      </a:endParaRPr>
+                    </a:p>
+                  </a:txBody>
+                  <a:tcPr/>
+                </a:tc>
+              </a:tr>
+              <a:tr h="370840">
+                <a:tc>
+                  <a:txBody>
+                    <a:bodyPr/>
+                    <a:lstStyle/>
+                    <a:p>
+                      <a:r>
+                        <a:rPr lang="de-AT" sz="2000" b="1" dirty="0" smtClean="0">
+                          <a:latin typeface="Agency FB" panose="020B0503020202020204" pitchFamily="34" charset="0"/>
+                        </a:rPr>
+                        <a:t>Dauer</a:t>
+                      </a:r>
+                      <a:endParaRPr lang="de-AT" sz="2000" b="1" dirty="0">
+                        <a:latin typeface="Agency FB" panose="020B0503020202020204" pitchFamily="34" charset="0"/>
+                      </a:endParaRPr>
+                    </a:p>
+                  </a:txBody>
+                  <a:tcPr/>
+                </a:tc>
+                <a:tc>
+                  <a:txBody>
+                    <a:bodyPr/>
+                    <a:lstStyle/>
+                    <a:p>
+                      <a:r>
+                        <a:rPr lang="de-AT" sz="2000" b="1" dirty="0" smtClean="0">
+                          <a:latin typeface="Agency FB" panose="020B0503020202020204" pitchFamily="34" charset="0"/>
+                        </a:rPr>
+                        <a:t>30 - 45 Minuten</a:t>
+                      </a:r>
+                      <a:endParaRPr lang="de-AT" sz="2000" b="1" dirty="0">
+                        <a:latin typeface="Agency FB" panose="020B0503020202020204" pitchFamily="34" charset="0"/>
+                      </a:endParaRPr>
+                    </a:p>
+                  </a:txBody>
+                  <a:tcPr/>
+                </a:tc>
+              </a:tr>
+              <a:tr h="370840">
+                <a:tc>
+                  <a:txBody>
+                    <a:bodyPr/>
+                    <a:lstStyle/>
+                    <a:p>
+                      <a:r>
+                        <a:rPr lang="de-AT" sz="2000" b="1" dirty="0" smtClean="0">
+                          <a:latin typeface="Agency FB" panose="020B0503020202020204" pitchFamily="34" charset="0"/>
+                        </a:rPr>
+                        <a:t>Alter</a:t>
+                      </a:r>
+                      <a:endParaRPr lang="de-AT" sz="2000" b="1" dirty="0">
+                        <a:latin typeface="Agency FB" panose="020B0503020202020204" pitchFamily="34" charset="0"/>
+                      </a:endParaRPr>
+                    </a:p>
+                  </a:txBody>
+                  <a:tcPr/>
+                </a:tc>
+                <a:tc>
+                  <a:txBody>
+                    <a:bodyPr/>
+                    <a:lstStyle/>
+                    <a:p>
+                      <a:r>
+                        <a:rPr lang="de-AT" sz="2000" b="1" dirty="0" smtClean="0">
+                          <a:latin typeface="Agency FB" panose="020B0503020202020204" pitchFamily="34" charset="0"/>
+                        </a:rPr>
+                        <a:t>Ab 6 Jahren</a:t>
+                      </a:r>
+                      <a:endParaRPr lang="de-AT" sz="2000" b="1" dirty="0">
+                        <a:latin typeface="Agency FB" panose="020B0503020202020204" pitchFamily="34" charset="0"/>
+                      </a:endParaRPr>
+                    </a:p>
+                  </a:txBody>
+                  <a:tcPr/>
+                </a:tc>
+              </a:tr>
+            </a:tbl>
+          </a:graphicData>
+        </a:graphic>
+      </p:graphicFrame>
+      <p:sp>
+        <p:nvSpPr>
+          <p:cNvPr id="8" name="Rechteck 7"/>
+          <p:cNvSpPr/>
+          <p:nvPr/>
+        </p:nvSpPr>
+        <p:spPr>
+          <a:xfrm>
+            <a:off x="7404" y="0"/>
+            <a:ext cx="899592" cy="6858000"/>
+          </a:xfrm>
+          <a:prstGeom prst="rect">
+            <a:avLst/>
+          </a:prstGeom>
+          <a:solidFill>
+            <a:srgbClr val="FFC000"/>
+          </a:solidFill>
+          <a:ln>
+            <a:solidFill>
+              <a:srgbClr val="FFC000"/>
+            </a:solidFill>
+          </a:ln>
+        </p:spPr>
+        <p:style>
+          <a:lnRef idx="2">
+            <a:schemeClr val="accent1">
+              <a:shade val="50000"/>
+            </a:schemeClr>
+          </a:lnRef>
+          <a:fillRef idx="1">
+            <a:schemeClr val="accent1"/>
+          </a:fillRef>
+          <a:effectRef idx="0">
+            <a:schemeClr val="accent1"/>
+          </a:effectRef>
+          <a:fontRef idx="minor">
+            <a:schemeClr val="lt1"/>
+          </a:fontRef>
+        </p:style>
+        <p:txBody>
+          <a:bodyPr rtlCol="0" anchor="ctr"/>
+          <a:lstStyle/>
+          <a:p>
+            <a:pPr algn="ctr"/>
+            <a:endParaRPr lang="de-AT">
+              <a:ln>
+                <a:solidFill>
+                  <a:srgbClr val="FFFF00"/>
+                </a:solidFill>
+              </a:ln>
+              <a:solidFill>
+                <a:srgbClr val="FFFF00"/>
+              </a:solidFill>
+            </a:endParaRPr>
           </a:p>
         </p:txBody>
       </p:sp>
@@ -4233,6 +4744,13 @@
   <p:clrMapOvr>
     <a:masterClrMapping/>
   </p:clrMapOvr>
+  <p:timing>
+    <p:tnLst>
+      <p:par>
+        <p:cTn id="1" dur="indefinite" restart="never" nodeType="tmRoot"/>
+      </p:par>
+    </p:tnLst>
+  </p:timing>
 </p:sld>
 </file>
 
@@ -4263,42 +4781,448 @@
             <p:ph type="title"/>
           </p:nvPr>
         </p:nvSpPr>
-        <p:spPr/>
-        <p:txBody>
-          <a:bodyPr/>
-          <a:lstStyle/>
-          <a:p>
-            <a:r>
-              <a:rPr lang="de-AT" dirty="0" smtClean="0"/>
-              <a:t>Demo</a:t>
-            </a:r>
-            <a:endParaRPr lang="de-AT" dirty="0"/>
-          </a:p>
-        </p:txBody>
-      </p:sp>
-      <p:sp>
-        <p:nvSpPr>
-          <p:cNvPr id="3" name="Inhaltsplatzhalter 2"/>
-          <p:cNvSpPr>
-            <a:spLocks noGrp="1"/>
-          </p:cNvSpPr>
+        <p:spPr>
+          <a:xfrm>
+            <a:off x="457200" y="274638"/>
+            <a:ext cx="7499176" cy="1143000"/>
+          </a:xfrm>
+        </p:spPr>
+        <p:txBody>
+          <a:bodyPr>
+            <a:normAutofit/>
+          </a:bodyPr>
+          <a:lstStyle/>
+          <a:p>
+            <a:r>
+              <a:rPr lang="de-AT" sz="6000" dirty="0" err="1" smtClean="0">
+                <a:latin typeface="Agency FB" panose="020B0503020202020204" pitchFamily="34" charset="0"/>
+              </a:rPr>
+              <a:t>Malefiz</a:t>
+            </a:r>
+            <a:r>
+              <a:rPr lang="de-AT" sz="6000" dirty="0" smtClean="0">
+                <a:latin typeface="Agency FB" panose="020B0503020202020204" pitchFamily="34" charset="0"/>
+              </a:rPr>
+              <a:t> – Die App</a:t>
+            </a:r>
+            <a:endParaRPr lang="de-AT" sz="6000" dirty="0">
+              <a:latin typeface="Agency FB" panose="020B0503020202020204" pitchFamily="34" charset="0"/>
+            </a:endParaRPr>
+          </a:p>
+        </p:txBody>
+      </p:sp>
+      <p:pic>
+        <p:nvPicPr>
+          <p:cNvPr id="4" name="Inhaltsplatzhalter 3"/>
+          <p:cNvPicPr>
+            <a:picLocks noGrp="1" noChangeAspect="1"/>
+          </p:cNvPicPr>
           <p:nvPr>
             <p:ph idx="1"/>
           </p:nvPr>
-        </p:nvSpPr>
-        <p:spPr/>
-        <p:txBody>
-          <a:bodyPr/>
-          <a:lstStyle/>
-          <a:p>
-            <a:endParaRPr lang="de-AT" dirty="0"/>
+        </p:nvPicPr>
+        <p:blipFill>
+          <a:blip r:embed="rId2" cstate="print">
+            <a:extLst>
+              <a:ext uri="{28A0092B-C50C-407E-A947-70E740481C1C}">
+                <a14:useLocalDpi xmlns:a14="http://schemas.microsoft.com/office/drawing/2010/main" val="0"/>
+              </a:ext>
+            </a:extLst>
+          </a:blip>
+          <a:stretch>
+            <a:fillRect/>
+          </a:stretch>
+        </p:blipFill>
+        <p:spPr>
+          <a:xfrm>
+            <a:off x="576818" y="1556792"/>
+            <a:ext cx="2730038" cy="4853401"/>
+          </a:xfrm>
+          <a:effectLst>
+            <a:outerShdw blurRad="114300" dist="88900" dir="2700000" sx="103000" sy="103000" algn="ctr" rotWithShape="0">
+              <a:srgbClr val="000000">
+                <a:alpha val="43000"/>
+              </a:srgbClr>
+            </a:outerShdw>
+          </a:effectLst>
+        </p:spPr>
+      </p:pic>
+      <p:sp>
+        <p:nvSpPr>
+          <p:cNvPr id="5" name="Textfeld 4"/>
+          <p:cNvSpPr txBox="1"/>
+          <p:nvPr/>
+        </p:nvSpPr>
+        <p:spPr>
+          <a:xfrm>
+            <a:off x="3491880" y="1566707"/>
+            <a:ext cx="5498537" cy="5847755"/>
+          </a:xfrm>
+          <a:prstGeom prst="rect">
+            <a:avLst/>
+          </a:prstGeom>
+          <a:noFill/>
+        </p:spPr>
+        <p:txBody>
+          <a:bodyPr wrap="square" rtlCol="0">
+            <a:spAutoFit/>
+          </a:bodyPr>
+          <a:lstStyle/>
+          <a:p>
+            <a:r>
+              <a:rPr lang="de-AT" sz="3200" dirty="0" err="1" smtClean="0">
+                <a:latin typeface="Agency FB" panose="020B0503020202020204" pitchFamily="34" charset="0"/>
+              </a:rPr>
+              <a:t>Requirements</a:t>
+            </a:r>
+            <a:r>
+              <a:rPr lang="de-AT" sz="3200" dirty="0" smtClean="0">
+                <a:latin typeface="Agency FB" panose="020B0503020202020204" pitchFamily="34" charset="0"/>
+              </a:rPr>
+              <a:t> &amp; Features</a:t>
+            </a:r>
+          </a:p>
+          <a:p>
+            <a:endParaRPr lang="de-AT" sz="2000" dirty="0" smtClean="0">
+              <a:latin typeface="Agency FB" panose="020B0503020202020204" pitchFamily="34" charset="0"/>
+            </a:endParaRPr>
+          </a:p>
+          <a:p>
+            <a:pPr marL="342900" indent="-342900">
+              <a:buFont typeface="Arial" panose="020B0604020202020204" pitchFamily="34" charset="0"/>
+              <a:buChar char="•"/>
+            </a:pPr>
+            <a:r>
+              <a:rPr lang="de-AT" sz="2400" dirty="0" smtClean="0">
+                <a:latin typeface="Agency FB" panose="020B0503020202020204" pitchFamily="34" charset="0"/>
+              </a:rPr>
+              <a:t>Brettspiel mit min. zwei Spielern </a:t>
+            </a:r>
+            <a:r>
+              <a:rPr lang="de-AT" sz="2400" dirty="0">
+                <a:solidFill>
+                  <a:srgbClr val="00FF00"/>
+                </a:solidFill>
+                <a:latin typeface="Agency FB" panose="020B0503020202020204" pitchFamily="34" charset="0"/>
+              </a:rPr>
+              <a:t>✔</a:t>
+            </a:r>
+            <a:endParaRPr lang="de-AT" sz="2400" dirty="0" smtClean="0">
+              <a:solidFill>
+                <a:srgbClr val="00FF00"/>
+              </a:solidFill>
+              <a:latin typeface="Agency FB" panose="020B0503020202020204" pitchFamily="34" charset="0"/>
+            </a:endParaRPr>
+          </a:p>
+          <a:p>
+            <a:pPr marL="342900" indent="-342900">
+              <a:buFont typeface="Arial" panose="020B0604020202020204" pitchFamily="34" charset="0"/>
+              <a:buChar char="•"/>
+            </a:pPr>
+            <a:r>
+              <a:rPr lang="de-AT" sz="2400" dirty="0" smtClean="0">
+                <a:latin typeface="Agency FB" panose="020B0503020202020204" pitchFamily="34" charset="0"/>
+              </a:rPr>
+              <a:t>API-Level ≥ 19</a:t>
+            </a:r>
+            <a:r>
+              <a:rPr lang="de-AT" sz="2400" dirty="0">
+                <a:latin typeface="Agency FB" panose="020B0503020202020204" pitchFamily="34" charset="0"/>
+              </a:rPr>
+              <a:t> </a:t>
+            </a:r>
+            <a:r>
+              <a:rPr lang="de-AT" sz="2400" dirty="0">
+                <a:solidFill>
+                  <a:srgbClr val="00FF00"/>
+                </a:solidFill>
+                <a:latin typeface="Agency FB" panose="020B0503020202020204" pitchFamily="34" charset="0"/>
+              </a:rPr>
+              <a:t>✔</a:t>
+            </a:r>
+            <a:endParaRPr lang="de-AT" sz="2400" dirty="0" smtClean="0">
+              <a:solidFill>
+                <a:srgbClr val="00FF00"/>
+              </a:solidFill>
+              <a:latin typeface="Agency FB" panose="020B0503020202020204" pitchFamily="34" charset="0"/>
+            </a:endParaRPr>
+          </a:p>
+          <a:p>
+            <a:pPr marL="342900" indent="-342900">
+              <a:buFont typeface="Arial" panose="020B0604020202020204" pitchFamily="34" charset="0"/>
+              <a:buChar char="•"/>
+            </a:pPr>
+            <a:r>
+              <a:rPr lang="de-AT" sz="2400" dirty="0" smtClean="0">
+                <a:latin typeface="Agency FB" panose="020B0503020202020204" pitchFamily="34" charset="0"/>
+              </a:rPr>
+              <a:t>Gestensteuerung </a:t>
+            </a:r>
+            <a:r>
+              <a:rPr lang="de-AT" sz="2400" dirty="0">
+                <a:solidFill>
+                  <a:srgbClr val="00FF00"/>
+                </a:solidFill>
+                <a:latin typeface="Agency FB" panose="020B0503020202020204" pitchFamily="34" charset="0"/>
+              </a:rPr>
+              <a:t>✔</a:t>
+            </a:r>
+            <a:endParaRPr lang="de-AT" sz="2400" dirty="0" smtClean="0">
+              <a:solidFill>
+                <a:srgbClr val="00FF00"/>
+              </a:solidFill>
+              <a:latin typeface="Agency FB" panose="020B0503020202020204" pitchFamily="34" charset="0"/>
+            </a:endParaRPr>
+          </a:p>
+          <a:p>
+            <a:pPr marL="342900" indent="-342900">
+              <a:buFont typeface="Arial" panose="020B0604020202020204" pitchFamily="34" charset="0"/>
+              <a:buChar char="•"/>
+            </a:pPr>
+            <a:r>
+              <a:rPr lang="de-AT" sz="2400" dirty="0" err="1" smtClean="0">
+                <a:latin typeface="Agency FB" panose="020B0503020202020204" pitchFamily="34" charset="0"/>
+              </a:rPr>
+              <a:t>Schummelfunktion</a:t>
+            </a:r>
+            <a:r>
+              <a:rPr lang="de-AT" sz="2400" dirty="0" smtClean="0">
+                <a:latin typeface="Agency FB" panose="020B0503020202020204" pitchFamily="34" charset="0"/>
+              </a:rPr>
+              <a:t> </a:t>
+            </a:r>
+            <a:r>
+              <a:rPr lang="de-AT" sz="2400" dirty="0">
+                <a:solidFill>
+                  <a:srgbClr val="00FF00"/>
+                </a:solidFill>
+                <a:latin typeface="Agency FB" panose="020B0503020202020204" pitchFamily="34" charset="0"/>
+              </a:rPr>
+              <a:t>✔</a:t>
+            </a:r>
+            <a:endParaRPr lang="de-AT" sz="2400" dirty="0" smtClean="0">
+              <a:solidFill>
+                <a:srgbClr val="00FF00"/>
+              </a:solidFill>
+              <a:latin typeface="Agency FB" panose="020B0503020202020204" pitchFamily="34" charset="0"/>
+            </a:endParaRPr>
+          </a:p>
+          <a:p>
+            <a:pPr marL="342900" indent="-342900">
+              <a:buFont typeface="Arial" panose="020B0604020202020204" pitchFamily="34" charset="0"/>
+              <a:buChar char="•"/>
+            </a:pPr>
+            <a:r>
+              <a:rPr lang="de-AT" sz="2400" dirty="0" smtClean="0">
+                <a:latin typeface="Agency FB" panose="020B0503020202020204" pitchFamily="34" charset="0"/>
+              </a:rPr>
+              <a:t>Multiplayer via Netzwerk </a:t>
+            </a:r>
+            <a:r>
+              <a:rPr lang="de-AT" sz="2400" dirty="0" smtClean="0">
+                <a:solidFill>
+                  <a:srgbClr val="00FF00"/>
+                </a:solidFill>
+                <a:latin typeface="Agency FB" panose="020B0503020202020204" pitchFamily="34" charset="0"/>
+              </a:rPr>
+              <a:t>✔</a:t>
+            </a:r>
+          </a:p>
+          <a:p>
+            <a:pPr marL="342900" indent="-342900">
+              <a:buFont typeface="Arial" panose="020B0604020202020204" pitchFamily="34" charset="0"/>
+              <a:buChar char="•"/>
+            </a:pPr>
+            <a:endParaRPr lang="de-AT" sz="2400" dirty="0">
+              <a:latin typeface="Agency FB" panose="020B0503020202020204" pitchFamily="34" charset="0"/>
+            </a:endParaRPr>
+          </a:p>
+          <a:p>
+            <a:pPr marL="342900" indent="-342900">
+              <a:buFont typeface="Arial" panose="020B0604020202020204" pitchFamily="34" charset="0"/>
+              <a:buChar char="•"/>
+            </a:pPr>
+            <a:r>
+              <a:rPr lang="de-AT" sz="2400" dirty="0" smtClean="0">
+                <a:latin typeface="Agency FB" panose="020B0503020202020204" pitchFamily="34" charset="0"/>
+              </a:rPr>
+              <a:t>Lokaler Multiplayer </a:t>
+            </a:r>
+            <a:r>
+              <a:rPr lang="de-AT" sz="2400" b="1" dirty="0" smtClean="0">
+                <a:solidFill>
+                  <a:srgbClr val="00FF00"/>
+                </a:solidFill>
+                <a:latin typeface="Agency FB" panose="020B0503020202020204" pitchFamily="34" charset="0"/>
+              </a:rPr>
+              <a:t>+</a:t>
+            </a:r>
+          </a:p>
+          <a:p>
+            <a:pPr marL="342900" indent="-342900">
+              <a:buFont typeface="Arial" panose="020B0604020202020204" pitchFamily="34" charset="0"/>
+              <a:buChar char="•"/>
+            </a:pPr>
+            <a:r>
+              <a:rPr lang="de-AT" sz="2400" dirty="0" smtClean="0">
+                <a:latin typeface="Agency FB" panose="020B0503020202020204" pitchFamily="34" charset="0"/>
+              </a:rPr>
+              <a:t>Lauffähig auf 99,9% aller Android-Geräte </a:t>
+            </a:r>
+            <a:r>
+              <a:rPr lang="de-AT" sz="2400" b="1" dirty="0" smtClean="0">
+                <a:solidFill>
+                  <a:srgbClr val="00FF00"/>
+                </a:solidFill>
+                <a:latin typeface="Agency FB" panose="020B0503020202020204" pitchFamily="34" charset="0"/>
+              </a:rPr>
+              <a:t>+</a:t>
+            </a:r>
+          </a:p>
+          <a:p>
+            <a:pPr marL="342900" indent="-342900">
+              <a:buFont typeface="Arial" panose="020B0604020202020204" pitchFamily="34" charset="0"/>
+              <a:buChar char="•"/>
+            </a:pPr>
+            <a:r>
+              <a:rPr lang="de-AT" sz="2400" dirty="0" smtClean="0">
+                <a:latin typeface="Agency FB" panose="020B0503020202020204" pitchFamily="34" charset="0"/>
+              </a:rPr>
+              <a:t>Mehrsprachigkeit </a:t>
+            </a:r>
+            <a:r>
+              <a:rPr lang="de-AT" sz="2400" b="1" dirty="0" smtClean="0">
+                <a:solidFill>
+                  <a:srgbClr val="00FF00"/>
+                </a:solidFill>
+                <a:latin typeface="Agency FB" panose="020B0503020202020204" pitchFamily="34" charset="0"/>
+              </a:rPr>
+              <a:t>+</a:t>
+            </a:r>
+          </a:p>
+          <a:p>
+            <a:pPr marL="342900" indent="-342900">
+              <a:buFont typeface="Arial" panose="020B0604020202020204" pitchFamily="34" charset="0"/>
+              <a:buChar char="•"/>
+            </a:pPr>
+            <a:r>
+              <a:rPr lang="de-AT" sz="2400" dirty="0" smtClean="0">
+                <a:latin typeface="Agency FB" panose="020B0503020202020204" pitchFamily="34" charset="0"/>
+              </a:rPr>
+              <a:t>Dynamisches Spielbrett </a:t>
+            </a:r>
+            <a:br>
+              <a:rPr lang="de-AT" sz="2400" dirty="0" smtClean="0">
+                <a:latin typeface="Agency FB" panose="020B0503020202020204" pitchFamily="34" charset="0"/>
+              </a:rPr>
+            </a:br>
+            <a:r>
+              <a:rPr lang="de-AT" sz="2400" dirty="0" smtClean="0">
+                <a:latin typeface="Agency FB" panose="020B0503020202020204" pitchFamily="34" charset="0"/>
+              </a:rPr>
+              <a:t>mit Zugunterstützung </a:t>
+            </a:r>
+            <a:r>
+              <a:rPr lang="de-AT" sz="2000" b="1" dirty="0">
+                <a:solidFill>
+                  <a:srgbClr val="00FF00"/>
+                </a:solidFill>
+                <a:latin typeface="Agency FB" panose="020B0503020202020204" pitchFamily="34" charset="0"/>
+              </a:rPr>
+              <a:t>+</a:t>
+            </a:r>
+            <a:r>
+              <a:rPr lang="de-AT" sz="2000" dirty="0" smtClean="0">
+                <a:latin typeface="Agency FB" panose="020B0503020202020204" pitchFamily="34" charset="0"/>
+              </a:rPr>
+              <a:t/>
+            </a:r>
+            <a:br>
+              <a:rPr lang="de-AT" sz="2000" dirty="0" smtClean="0">
+                <a:latin typeface="Agency FB" panose="020B0503020202020204" pitchFamily="34" charset="0"/>
+              </a:rPr>
+            </a:br>
+            <a:endParaRPr lang="de-AT" sz="2000" dirty="0" smtClean="0">
+              <a:latin typeface="Agency FB" panose="020B0503020202020204" pitchFamily="34" charset="0"/>
+            </a:endParaRPr>
+          </a:p>
+          <a:p>
+            <a:pPr marL="342900" indent="-342900">
+              <a:buFont typeface="Arial" panose="020B0604020202020204" pitchFamily="34" charset="0"/>
+              <a:buChar char="•"/>
+            </a:pPr>
+            <a:endParaRPr lang="de-AT" sz="2000" dirty="0" smtClean="0">
+              <a:latin typeface="Agency FB" panose="020B0503020202020204" pitchFamily="34" charset="0"/>
+            </a:endParaRPr>
+          </a:p>
+          <a:p>
+            <a:endParaRPr lang="de-AT" dirty="0">
+              <a:latin typeface="Agency FB" panose="020B0503020202020204" pitchFamily="34" charset="0"/>
+            </a:endParaRPr>
+          </a:p>
+        </p:txBody>
+      </p:sp>
+      <p:sp>
+        <p:nvSpPr>
+          <p:cNvPr id="6" name="Rechteck 5"/>
+          <p:cNvSpPr/>
+          <p:nvPr/>
+        </p:nvSpPr>
+        <p:spPr>
+          <a:xfrm>
+            <a:off x="8244408" y="0"/>
+            <a:ext cx="899592" cy="6858000"/>
+          </a:xfrm>
+          <a:prstGeom prst="rect">
+            <a:avLst/>
+          </a:prstGeom>
+          <a:solidFill>
+            <a:srgbClr val="FFBA00"/>
+          </a:solidFill>
+          <a:ln>
+            <a:solidFill>
+              <a:srgbClr val="FFBA00"/>
+            </a:solidFill>
+          </a:ln>
+        </p:spPr>
+        <p:style>
+          <a:lnRef idx="2">
+            <a:schemeClr val="accent1">
+              <a:shade val="50000"/>
+            </a:schemeClr>
+          </a:lnRef>
+          <a:fillRef idx="1">
+            <a:schemeClr val="accent1"/>
+          </a:fillRef>
+          <a:effectRef idx="0">
+            <a:schemeClr val="accent1"/>
+          </a:effectRef>
+          <a:fontRef idx="minor">
+            <a:schemeClr val="lt1"/>
+          </a:fontRef>
+        </p:style>
+        <p:txBody>
+          <a:bodyPr rtlCol="0" anchor="ctr"/>
+          <a:lstStyle/>
+          <a:p>
+            <a:pPr algn="ctr"/>
+            <a:endParaRPr lang="de-AT">
+              <a:ln>
+                <a:solidFill>
+                  <a:srgbClr val="FFFF00"/>
+                </a:solidFill>
+              </a:ln>
+              <a:solidFill>
+                <a:srgbClr val="FFFF00"/>
+              </a:solidFill>
+            </a:endParaRPr>
           </a:p>
         </p:txBody>
       </p:sp>
     </p:spTree>
     <p:extLst>
       <p:ext uri="{BB962C8B-B14F-4D97-AF65-F5344CB8AC3E}">
-        <p14:creationId xmlns:p14="http://schemas.microsoft.com/office/powerpoint/2010/main" val="2367232157"/>
+        <p14:creationId xmlns:p14="http://schemas.microsoft.com/office/powerpoint/2010/main" val="2639807034"/>
       </p:ext>
     </p:extLst>
   </p:cSld>
@@ -4308,7 +5232,226 @@
   <p:timing>
     <p:tnLst>
       <p:par>
-        <p:cTn id="1" dur="indefinite" restart="never" nodeType="tmRoot"/>
+        <p:cTn id="1" dur="indefinite" restart="never" nodeType="tmRoot">
+          <p:childTnLst>
+            <p:seq concurrent="1" nextAc="seek">
+              <p:cTn id="2" dur="indefinite" nodeType="mainSeq">
+                <p:childTnLst>
+                  <p:par>
+                    <p:cTn id="3" fill="hold">
+                      <p:stCondLst>
+                        <p:cond delay="indefinite"/>
+                      </p:stCondLst>
+                      <p:childTnLst>
+                        <p:par>
+                          <p:cTn id="4" fill="hold">
+                            <p:stCondLst>
+                              <p:cond delay="0"/>
+                            </p:stCondLst>
+                            <p:childTnLst>
+                              <p:par>
+                                <p:cTn id="5" presetID="1" presetClass="entr" presetSubtype="0" fill="hold" nodeType="clickEffect">
+                                  <p:stCondLst>
+                                    <p:cond delay="0"/>
+                                  </p:stCondLst>
+                                  <p:childTnLst>
+                                    <p:set>
+                                      <p:cBhvr>
+                                        <p:cTn id="6" dur="1" fill="hold">
+                                          <p:stCondLst>
+                                            <p:cond delay="0"/>
+                                          </p:stCondLst>
+                                        </p:cTn>
+                                        <p:tgtEl>
+                                          <p:spTgt spid="5">
+                                            <p:txEl>
+                                              <p:pRg st="8" end="8"/>
+                                            </p:txEl>
+                                          </p:spTgt>
+                                        </p:tgtEl>
+                                        <p:attrNameLst>
+                                          <p:attrName>style.visibility</p:attrName>
+                                        </p:attrNameLst>
+                                      </p:cBhvr>
+                                      <p:to>
+                                        <p:strVal val="visible"/>
+                                      </p:to>
+                                    </p:set>
+                                  </p:childTnLst>
+                                </p:cTn>
+                              </p:par>
+                            </p:childTnLst>
+                          </p:cTn>
+                        </p:par>
+                      </p:childTnLst>
+                    </p:cTn>
+                  </p:par>
+                  <p:par>
+                    <p:cTn id="7" fill="hold">
+                      <p:stCondLst>
+                        <p:cond delay="indefinite"/>
+                      </p:stCondLst>
+                      <p:childTnLst>
+                        <p:par>
+                          <p:cTn id="8" fill="hold">
+                            <p:stCondLst>
+                              <p:cond delay="0"/>
+                            </p:stCondLst>
+                            <p:childTnLst>
+                              <p:par>
+                                <p:cTn id="9" presetID="1" presetClass="entr" presetSubtype="0" fill="hold" nodeType="clickEffect">
+                                  <p:stCondLst>
+                                    <p:cond delay="0"/>
+                                  </p:stCondLst>
+                                  <p:childTnLst>
+                                    <p:set>
+                                      <p:cBhvr>
+                                        <p:cTn id="10" dur="1" fill="hold">
+                                          <p:stCondLst>
+                                            <p:cond delay="0"/>
+                                          </p:stCondLst>
+                                        </p:cTn>
+                                        <p:tgtEl>
+                                          <p:spTgt spid="5">
+                                            <p:txEl>
+                                              <p:pRg st="9" end="9"/>
+                                            </p:txEl>
+                                          </p:spTgt>
+                                        </p:tgtEl>
+                                        <p:attrNameLst>
+                                          <p:attrName>style.visibility</p:attrName>
+                                        </p:attrNameLst>
+                                      </p:cBhvr>
+                                      <p:to>
+                                        <p:strVal val="visible"/>
+                                      </p:to>
+                                    </p:set>
+                                  </p:childTnLst>
+                                </p:cTn>
+                              </p:par>
+                            </p:childTnLst>
+                          </p:cTn>
+                        </p:par>
+                      </p:childTnLst>
+                    </p:cTn>
+                  </p:par>
+                  <p:par>
+                    <p:cTn id="11" fill="hold">
+                      <p:stCondLst>
+                        <p:cond delay="indefinite"/>
+                      </p:stCondLst>
+                      <p:childTnLst>
+                        <p:par>
+                          <p:cTn id="12" fill="hold">
+                            <p:stCondLst>
+                              <p:cond delay="0"/>
+                            </p:stCondLst>
+                            <p:childTnLst>
+                              <p:par>
+                                <p:cTn id="13" presetID="1" presetClass="entr" presetSubtype="0" fill="hold" nodeType="clickEffect">
+                                  <p:stCondLst>
+                                    <p:cond delay="0"/>
+                                  </p:stCondLst>
+                                  <p:childTnLst>
+                                    <p:set>
+                                      <p:cBhvr>
+                                        <p:cTn id="14" dur="1" fill="hold">
+                                          <p:stCondLst>
+                                            <p:cond delay="0"/>
+                                          </p:stCondLst>
+                                        </p:cTn>
+                                        <p:tgtEl>
+                                          <p:spTgt spid="5">
+                                            <p:txEl>
+                                              <p:pRg st="10" end="10"/>
+                                            </p:txEl>
+                                          </p:spTgt>
+                                        </p:tgtEl>
+                                        <p:attrNameLst>
+                                          <p:attrName>style.visibility</p:attrName>
+                                        </p:attrNameLst>
+                                      </p:cBhvr>
+                                      <p:to>
+                                        <p:strVal val="visible"/>
+                                      </p:to>
+                                    </p:set>
+                                  </p:childTnLst>
+                                </p:cTn>
+                              </p:par>
+                            </p:childTnLst>
+                          </p:cTn>
+                        </p:par>
+                      </p:childTnLst>
+                    </p:cTn>
+                  </p:par>
+                  <p:par>
+                    <p:cTn id="15" fill="hold">
+                      <p:stCondLst>
+                        <p:cond delay="indefinite"/>
+                      </p:stCondLst>
+                      <p:childTnLst>
+                        <p:par>
+                          <p:cTn id="16" fill="hold">
+                            <p:stCondLst>
+                              <p:cond delay="0"/>
+                            </p:stCondLst>
+                            <p:childTnLst>
+                              <p:par>
+                                <p:cTn id="17" presetID="1" presetClass="entr" presetSubtype="0" fill="hold" nodeType="clickEffect">
+                                  <p:stCondLst>
+                                    <p:cond delay="0"/>
+                                  </p:stCondLst>
+                                  <p:childTnLst>
+                                    <p:set>
+                                      <p:cBhvr>
+                                        <p:cTn id="18" dur="1" fill="hold">
+                                          <p:stCondLst>
+                                            <p:cond delay="0"/>
+                                          </p:stCondLst>
+                                        </p:cTn>
+                                        <p:tgtEl>
+                                          <p:spTgt spid="5">
+                                            <p:txEl>
+                                              <p:pRg st="11" end="11"/>
+                                            </p:txEl>
+                                          </p:spTgt>
+                                        </p:tgtEl>
+                                        <p:attrNameLst>
+                                          <p:attrName>style.visibility</p:attrName>
+                                        </p:attrNameLst>
+                                      </p:cBhvr>
+                                      <p:to>
+                                        <p:strVal val="visible"/>
+                                      </p:to>
+                                    </p:set>
+                                  </p:childTnLst>
+                                </p:cTn>
+                              </p:par>
+                            </p:childTnLst>
+                          </p:cTn>
+                        </p:par>
+                      </p:childTnLst>
+                    </p:cTn>
+                  </p:par>
+                </p:childTnLst>
+              </p:cTn>
+              <p:prevCondLst>
+                <p:cond evt="onPrev" delay="0">
+                  <p:tgtEl>
+                    <p:sldTgt/>
+                  </p:tgtEl>
+                </p:cond>
+              </p:prevCondLst>
+              <p:nextCondLst>
+                <p:cond evt="onNext" delay="0">
+                  <p:tgtEl>
+                    <p:sldTgt/>
+                  </p:tgtEl>
+                </p:cond>
+              </p:nextCondLst>
+            </p:seq>
+          </p:childTnLst>
+        </p:cTn>
       </p:par>
     </p:tnLst>
   </p:timing>
@@ -4334,69 +5477,104 @@
       </p:grpSpPr>
       <p:sp>
         <p:nvSpPr>
-          <p:cNvPr id="2" name="Titel 1"/>
-          <p:cNvSpPr>
-            <a:spLocks noGrp="1"/>
-          </p:cNvSpPr>
-          <p:nvPr>
-            <p:ph type="title"/>
-          </p:nvPr>
-        </p:nvSpPr>
-        <p:spPr/>
-        <p:txBody>
-          <a:bodyPr/>
-          <a:lstStyle/>
-          <a:p>
-            <a:r>
-              <a:rPr lang="de-AT" dirty="0" smtClean="0"/>
-              <a:t>Qualitätssicherung</a:t>
-            </a:r>
-            <a:endParaRPr lang="de-AT" dirty="0"/>
-          </a:p>
-        </p:txBody>
-      </p:sp>
-      <p:sp>
-        <p:nvSpPr>
-          <p:cNvPr id="3" name="Inhaltsplatzhalter 2"/>
-          <p:cNvSpPr>
-            <a:spLocks noGrp="1"/>
-          </p:cNvSpPr>
-          <p:nvPr>
-            <p:ph idx="1"/>
-          </p:nvPr>
-        </p:nvSpPr>
-        <p:spPr/>
-        <p:txBody>
-          <a:bodyPr/>
-          <a:lstStyle/>
-          <a:p>
-            <a:r>
-              <a:rPr lang="de-AT" dirty="0" smtClean="0"/>
-              <a:t>Jenkins</a:t>
-            </a:r>
-          </a:p>
-          <a:p>
-            <a:r>
-              <a:rPr lang="de-AT" dirty="0" err="1" smtClean="0"/>
-              <a:t>SolarCube</a:t>
-            </a:r>
-            <a:endParaRPr lang="de-AT" dirty="0" smtClean="0"/>
-          </a:p>
-          <a:p>
-            <a:r>
-              <a:rPr lang="de-AT" dirty="0" smtClean="0"/>
-              <a:t>J-Unit-Tests</a:t>
-            </a:r>
-          </a:p>
-          <a:p>
-            <a:endParaRPr lang="de-AT" dirty="0"/>
-          </a:p>
-        </p:txBody>
-      </p:sp>
+          <p:cNvPr id="4" name="Rechteck 3"/>
+          <p:cNvSpPr/>
+          <p:nvPr/>
+        </p:nvSpPr>
+        <p:spPr>
+          <a:xfrm>
+            <a:off x="17666" y="554"/>
+            <a:ext cx="899592" cy="6858000"/>
+          </a:xfrm>
+          <a:prstGeom prst="rect">
+            <a:avLst/>
+          </a:prstGeom>
+          <a:solidFill>
+            <a:srgbClr val="FFC000"/>
+          </a:solidFill>
+          <a:ln>
+            <a:solidFill>
+              <a:srgbClr val="FFC000"/>
+            </a:solidFill>
+          </a:ln>
+        </p:spPr>
+        <p:style>
+          <a:lnRef idx="2">
+            <a:schemeClr val="accent1">
+              <a:shade val="50000"/>
+            </a:schemeClr>
+          </a:lnRef>
+          <a:fillRef idx="1">
+            <a:schemeClr val="accent1"/>
+          </a:fillRef>
+          <a:effectRef idx="0">
+            <a:schemeClr val="accent1"/>
+          </a:effectRef>
+          <a:fontRef idx="minor">
+            <a:schemeClr val="lt1"/>
+          </a:fontRef>
+        </p:style>
+        <p:txBody>
+          <a:bodyPr rtlCol="0" anchor="ctr"/>
+          <a:lstStyle/>
+          <a:p>
+            <a:pPr algn="ctr"/>
+            <a:endParaRPr lang="de-AT">
+              <a:ln>
+                <a:solidFill>
+                  <a:srgbClr val="FFFF00"/>
+                </a:solidFill>
+              </a:ln>
+              <a:solidFill>
+                <a:srgbClr val="FFFF00"/>
+              </a:solidFill>
+            </a:endParaRPr>
+          </a:p>
+        </p:txBody>
+      </p:sp>
+      <p:pic>
+        <p:nvPicPr>
+          <p:cNvPr id="3075" name="Picture 3" descr="http://images.slideplayer.com/25/7966201/slides/slide_2.jpg"/>
+          <p:cNvPicPr>
+            <a:picLocks noChangeAspect="1" noChangeArrowheads="1"/>
+          </p:cNvPicPr>
+          <p:nvPr/>
+        </p:nvPicPr>
+        <p:blipFill rotWithShape="1">
+          <a:blip r:embed="rId3">
+            <a:extLst>
+              <a:ext uri="{28A0092B-C50C-407E-A947-70E740481C1C}">
+                <a14:useLocalDpi xmlns:a14="http://schemas.microsoft.com/office/drawing/2010/main" val="0"/>
+              </a:ext>
+            </a:extLst>
+          </a:blip>
+          <a:srcRect l="6730" t="3531" r="5871" b="7010"/>
+          <a:stretch/>
+        </p:blipFill>
+        <p:spPr bwMode="auto">
+          <a:xfrm>
+            <a:off x="1522782" y="620688"/>
+            <a:ext cx="7128792" cy="5472608"/>
+          </a:xfrm>
+          <a:prstGeom prst="rect">
+            <a:avLst/>
+          </a:prstGeom>
+          <a:noFill/>
+          <a:extLst>
+            <a:ext uri="{909E8E84-426E-40DD-AFC4-6F175D3DCCD1}">
+              <a14:hiddenFill xmlns:a14="http://schemas.microsoft.com/office/drawing/2010/main">
+                <a:solidFill>
+                  <a:srgbClr val="FFFFFF"/>
+                </a:solidFill>
+              </a14:hiddenFill>
+            </a:ext>
+          </a:extLst>
+        </p:spPr>
+      </p:pic>
     </p:spTree>
     <p:extLst>
       <p:ext uri="{BB962C8B-B14F-4D97-AF65-F5344CB8AC3E}">
-        <p14:creationId xmlns:p14="http://schemas.microsoft.com/office/powerpoint/2010/main" val="1264383079"/>
+        <p14:creationId xmlns:p14="http://schemas.microsoft.com/office/powerpoint/2010/main" val="2367232157"/>
       </p:ext>
     </p:extLst>
   </p:cSld>
@@ -4447,9 +5625,113 @@
           <a:p>
             <a:r>
               <a:rPr lang="de-AT" dirty="0" smtClean="0"/>
+              <a:t>Qualitätssicherung</a:t>
+            </a:r>
+            <a:endParaRPr lang="de-AT" dirty="0"/>
+          </a:p>
+        </p:txBody>
+      </p:sp>
+      <p:sp>
+        <p:nvSpPr>
+          <p:cNvPr id="3" name="Inhaltsplatzhalter 2"/>
+          <p:cNvSpPr>
+            <a:spLocks noGrp="1"/>
+          </p:cNvSpPr>
+          <p:nvPr>
+            <p:ph idx="1"/>
+          </p:nvPr>
+        </p:nvSpPr>
+        <p:spPr/>
+        <p:txBody>
+          <a:bodyPr/>
+          <a:lstStyle/>
+          <a:p>
+            <a:r>
+              <a:rPr lang="de-AT" dirty="0" smtClean="0"/>
+              <a:t>Jenkins</a:t>
+            </a:r>
+          </a:p>
+          <a:p>
+            <a:r>
+              <a:rPr lang="de-AT" dirty="0" err="1" smtClean="0"/>
+              <a:t>SolarCube</a:t>
+            </a:r>
+            <a:endParaRPr lang="de-AT" dirty="0" smtClean="0"/>
+          </a:p>
+          <a:p>
+            <a:r>
+              <a:rPr lang="de-AT" dirty="0" smtClean="0"/>
+              <a:t>J-Unit-Tests</a:t>
+            </a:r>
+          </a:p>
+          <a:p>
+            <a:endParaRPr lang="de-AT" dirty="0"/>
+          </a:p>
+        </p:txBody>
+      </p:sp>
+    </p:spTree>
+    <p:extLst>
+      <p:ext uri="{BB962C8B-B14F-4D97-AF65-F5344CB8AC3E}">
+        <p14:creationId xmlns:p14="http://schemas.microsoft.com/office/powerpoint/2010/main" val="1264383079"/>
+      </p:ext>
+    </p:extLst>
+  </p:cSld>
+  <p:clrMapOvr>
+    <a:masterClrMapping/>
+  </p:clrMapOvr>
+  <p:timing>
+    <p:tnLst>
+      <p:par>
+        <p:cTn id="1" dur="indefinite" restart="never" nodeType="tmRoot"/>
+      </p:par>
+    </p:tnLst>
+  </p:timing>
+</p:sld>
+</file>
+
+<file path=ppt/slides/slide7.xml><?xml version="1.0" encoding="utf-8"?>
+<p:sld xmlns:a="http://schemas.openxmlformats.org/drawingml/2006/main" xmlns:r="http://schemas.openxmlformats.org/officeDocument/2006/relationships" xmlns:p="http://schemas.openxmlformats.org/presentationml/2006/main">
+  <p:cSld>
+    <p:spTree>
+      <p:nvGrpSpPr>
+        <p:cNvPr id="1" name=""/>
+        <p:cNvGrpSpPr/>
+        <p:nvPr/>
+      </p:nvGrpSpPr>
+      <p:grpSpPr>
+        <a:xfrm>
+          <a:off x="0" y="0"/>
+          <a:ext cx="0" cy="0"/>
+          <a:chOff x="0" y="0"/>
+          <a:chExt cx="0" cy="0"/>
+        </a:xfrm>
+      </p:grpSpPr>
+      <p:sp>
+        <p:nvSpPr>
+          <p:cNvPr id="2" name="Titel 1"/>
+          <p:cNvSpPr>
+            <a:spLocks noGrp="1"/>
+          </p:cNvSpPr>
+          <p:nvPr>
+            <p:ph type="title"/>
+          </p:nvPr>
+        </p:nvSpPr>
+        <p:spPr/>
+        <p:txBody>
+          <a:bodyPr>
+            <a:normAutofit/>
+          </a:bodyPr>
+          <a:lstStyle/>
+          <a:p>
+            <a:r>
+              <a:rPr lang="de-AT" sz="6000" dirty="0" smtClean="0">
+                <a:latin typeface="Agency FB" panose="020B0503020202020204" pitchFamily="34" charset="0"/>
+              </a:rPr>
               <a:t>Schlusswort</a:t>
             </a:r>
-            <a:endParaRPr lang="de-AT" dirty="0"/>
+            <a:endParaRPr lang="de-AT" sz="6000" dirty="0">
+              <a:latin typeface="Agency FB" panose="020B0503020202020204" pitchFamily="34" charset="0"/>
+            </a:endParaRPr>
           </a:p>
         </p:txBody>
       </p:sp>
@@ -4472,6 +5754,95 @@
           </a:p>
         </p:txBody>
       </p:sp>
+      <p:grpSp>
+        <p:nvGrpSpPr>
+          <p:cNvPr id="5" name="Gruppieren 4"/>
+          <p:cNvGrpSpPr/>
+          <p:nvPr/>
+        </p:nvGrpSpPr>
+        <p:grpSpPr>
+          <a:xfrm>
+            <a:off x="4463480" y="1916832"/>
+            <a:ext cx="4680520" cy="4595737"/>
+            <a:chOff x="4788024" y="2304947"/>
+            <a:chExt cx="3744416" cy="3714600"/>
+          </a:xfrm>
+        </p:grpSpPr>
+        <p:pic>
+          <p:nvPicPr>
+            <p:cNvPr id="4097" name="Picture 1" descr="http://www.qrcode-generator.de/phpqrcode/getCode.php?cht=qr&amp;chl=www.medien-labor.at%2Fmalefiz.apk&amp;chs=180x180&amp;choe=UTF-8&amp;chld=L%7C0"/>
+            <p:cNvPicPr>
+              <a:picLocks noChangeAspect="1" noChangeArrowheads="1"/>
+            </p:cNvPicPr>
+            <p:nvPr/>
+          </p:nvPicPr>
+          <p:blipFill rotWithShape="1">
+            <a:blip r:embed="rId3">
+              <a:extLst>
+                <a:ext uri="{28A0092B-C50C-407E-A947-70E740481C1C}">
+                  <a14:useLocalDpi xmlns:a14="http://schemas.microsoft.com/office/drawing/2010/main" val="0"/>
+                </a:ext>
+              </a:extLst>
+            </a:blip>
+            <a:srcRect l="11395" t="11267" r="10733" b="10862"/>
+            <a:stretch/>
+          </p:blipFill>
+          <p:spPr bwMode="auto">
+            <a:xfrm>
+              <a:off x="5184068" y="2304947"/>
+              <a:ext cx="2952328" cy="2952328"/>
+            </a:xfrm>
+            <a:prstGeom prst="rect">
+              <a:avLst/>
+            </a:prstGeom>
+            <a:noFill/>
+            <a:extLst>
+              <a:ext uri="{909E8E84-426E-40DD-AFC4-6F175D3DCCD1}">
+                <a14:hiddenFill xmlns:a14="http://schemas.microsoft.com/office/drawing/2010/main">
+                  <a:solidFill>
+                    <a:srgbClr val="FFFFFF"/>
+                  </a:solidFill>
+                </a14:hiddenFill>
+              </a:ext>
+            </a:extLst>
+          </p:spPr>
+        </p:pic>
+        <p:sp>
+          <p:nvSpPr>
+            <p:cNvPr id="4" name="Textfeld 3"/>
+            <p:cNvSpPr txBox="1"/>
+            <p:nvPr/>
+          </p:nvSpPr>
+          <p:spPr>
+            <a:xfrm>
+              <a:off x="4788024" y="5373216"/>
+              <a:ext cx="3744416" cy="646331"/>
+            </a:xfrm>
+            <a:prstGeom prst="rect">
+              <a:avLst/>
+            </a:prstGeom>
+            <a:noFill/>
+          </p:spPr>
+          <p:txBody>
+            <a:bodyPr wrap="square" rtlCol="0">
+              <a:spAutoFit/>
+            </a:bodyPr>
+            <a:lstStyle/>
+            <a:p>
+              <a:pPr algn="ctr"/>
+              <a:r>
+                <a:rPr lang="de-AT" sz="3600" dirty="0" smtClean="0">
+                  <a:latin typeface="Agency FB" panose="020B0503020202020204" pitchFamily="34" charset="0"/>
+                </a:rPr>
+                <a:t>DOWNLOAD NOW!</a:t>
+              </a:r>
+              <a:endParaRPr lang="de-AT" sz="3600" dirty="0">
+                <a:latin typeface="Agency FB" panose="020B0503020202020204" pitchFamily="34" charset="0"/>
+              </a:endParaRPr>
+            </a:p>
+          </p:txBody>
+        </p:sp>
+      </p:grpSp>
     </p:spTree>
     <p:extLst>
       <p:ext uri="{BB962C8B-B14F-4D97-AF65-F5344CB8AC3E}">
@@ -4482,6 +5853,13 @@
   <p:clrMapOvr>
     <a:masterClrMapping/>
   </p:clrMapOvr>
+  <p:timing>
+    <p:tnLst>
+      <p:par>
+        <p:cTn id="1" dur="indefinite" restart="never" nodeType="tmRoot"/>
+      </p:par>
+    </p:tnLst>
+  </p:timing>
 </p:sld>
 </file>
 

--- a/Endpräsentation_Leitfaden.pptx
+++ b/Endpräsentation_Leitfaden.pptx
@@ -4193,13 +4193,7 @@
               <a:rPr lang="de-AT" b="1" dirty="0" smtClean="0">
                 <a:latin typeface="Agency FB" panose="020B0503020202020204" pitchFamily="34" charset="0"/>
               </a:rPr>
-              <a:t>Mathias </a:t>
-            </a:r>
-            <a:r>
-              <a:rPr lang="de-AT" b="1" dirty="0" smtClean="0">
-                <a:latin typeface="Agency FB" panose="020B0503020202020204" pitchFamily="34" charset="0"/>
-              </a:rPr>
-              <a:t>Jesse</a:t>
+              <a:t>Mathias Jesse</a:t>
             </a:r>
           </a:p>
           <a:p>
@@ -4210,9 +4204,6 @@
               </a:rPr>
               <a:t>Grafiken &amp; GUI</a:t>
             </a:r>
-            <a:endParaRPr lang="de-AT" dirty="0" smtClean="0">
-              <a:latin typeface="Agency FB" panose="020B0503020202020204" pitchFamily="34" charset="0"/>
-            </a:endParaRPr>
           </a:p>
           <a:p>
             <a:r>
@@ -5618,7 +5609,12 @@
             <p:ph type="title"/>
           </p:nvPr>
         </p:nvSpPr>
-        <p:spPr/>
+        <p:spPr>
+          <a:xfrm>
+            <a:off x="457200" y="274638"/>
+            <a:ext cx="7355160" cy="1143000"/>
+          </a:xfrm>
+        </p:spPr>
         <p:txBody>
           <a:bodyPr/>
           <a:lstStyle/>
@@ -5666,6 +5662,63 @@
           </a:p>
           <a:p>
             <a:endParaRPr lang="de-AT" dirty="0"/>
+          </a:p>
+        </p:txBody>
+      </p:sp>
+      <p:sp>
+        <p:nvSpPr>
+          <p:cNvPr id="4" name="Rechteck 3"/>
+          <p:cNvSpPr/>
+          <p:nvPr/>
+        </p:nvSpPr>
+        <p:spPr>
+          <a:xfrm>
+            <a:off x="8231940" y="0"/>
+            <a:ext cx="899592" cy="6858000"/>
+          </a:xfrm>
+          <a:prstGeom prst="rect">
+            <a:avLst/>
+          </a:prstGeom>
+          <a:solidFill>
+            <a:srgbClr val="FFC000"/>
+          </a:solidFill>
+          <a:ln>
+            <a:solidFill>
+              <a:srgbClr val="FFC000"/>
+            </a:solidFill>
+          </a:ln>
+        </p:spPr>
+        <p:style>
+          <a:lnRef idx="2">
+            <a:schemeClr val="accent1">
+              <a:shade val="50000"/>
+            </a:schemeClr>
+          </a:lnRef>
+          <a:fillRef idx="1">
+            <a:schemeClr val="accent1"/>
+          </a:fillRef>
+          <a:effectRef idx="0">
+            <a:schemeClr val="accent1"/>
+          </a:effectRef>
+          <a:fontRef idx="minor">
+            <a:schemeClr val="lt1"/>
+          </a:fontRef>
+        </p:style>
+        <p:txBody>
+          <a:bodyPr rtlCol="0" anchor="ctr"/>
+          <a:lstStyle/>
+          <a:p>
+            <a:pPr algn="ctr"/>
+            <a:endParaRPr lang="de-AT">
+              <a:ln>
+                <a:solidFill>
+                  <a:srgbClr val="FFFF00"/>
+                </a:solidFill>
+              </a:ln>
+              <a:solidFill>
+                <a:srgbClr val="FFFF00"/>
+              </a:solidFill>
+            </a:endParaRPr>
           </a:p>
         </p:txBody>
       </p:sp>
@@ -5716,7 +5769,12 @@
             <p:ph type="title"/>
           </p:nvPr>
         </p:nvSpPr>
-        <p:spPr/>
+        <p:spPr>
+          <a:xfrm>
+            <a:off x="1187624" y="274638"/>
+            <a:ext cx="7499176" cy="1143000"/>
+          </a:xfrm>
+        </p:spPr>
         <p:txBody>
           <a:bodyPr>
             <a:normAutofit/>
@@ -5745,7 +5803,12 @@
             <p:ph idx="1"/>
           </p:nvPr>
         </p:nvSpPr>
-        <p:spPr/>
+        <p:spPr>
+          <a:xfrm>
+            <a:off x="1187624" y="1600200"/>
+            <a:ext cx="7499176" cy="4525963"/>
+          </a:xfrm>
+        </p:spPr>
         <p:txBody>
           <a:bodyPr/>
           <a:lstStyle/>
@@ -5843,6 +5906,63 @@
           </p:txBody>
         </p:sp>
       </p:grpSp>
+      <p:sp>
+        <p:nvSpPr>
+          <p:cNvPr id="7" name="Rechteck 6"/>
+          <p:cNvSpPr/>
+          <p:nvPr/>
+        </p:nvSpPr>
+        <p:spPr>
+          <a:xfrm>
+            <a:off x="7404" y="0"/>
+            <a:ext cx="899592" cy="6858000"/>
+          </a:xfrm>
+          <a:prstGeom prst="rect">
+            <a:avLst/>
+          </a:prstGeom>
+          <a:solidFill>
+            <a:srgbClr val="FFC000"/>
+          </a:solidFill>
+          <a:ln>
+            <a:solidFill>
+              <a:srgbClr val="FFC000"/>
+            </a:solidFill>
+          </a:ln>
+        </p:spPr>
+        <p:style>
+          <a:lnRef idx="2">
+            <a:schemeClr val="accent1">
+              <a:shade val="50000"/>
+            </a:schemeClr>
+          </a:lnRef>
+          <a:fillRef idx="1">
+            <a:schemeClr val="accent1"/>
+          </a:fillRef>
+          <a:effectRef idx="0">
+            <a:schemeClr val="accent1"/>
+          </a:effectRef>
+          <a:fontRef idx="minor">
+            <a:schemeClr val="lt1"/>
+          </a:fontRef>
+        </p:style>
+        <p:txBody>
+          <a:bodyPr rtlCol="0" anchor="ctr"/>
+          <a:lstStyle/>
+          <a:p>
+            <a:pPr algn="ctr"/>
+            <a:endParaRPr lang="de-AT">
+              <a:ln>
+                <a:solidFill>
+                  <a:srgbClr val="FFFF00"/>
+                </a:solidFill>
+              </a:ln>
+              <a:solidFill>
+                <a:srgbClr val="FFFF00"/>
+              </a:solidFill>
+            </a:endParaRPr>
+          </a:p>
+        </p:txBody>
+      </p:sp>
     </p:spTree>
     <p:extLst>
       <p:ext uri="{BB962C8B-B14F-4D97-AF65-F5344CB8AC3E}">

--- a/Endpräsentation_Leitfaden.pptx
+++ b/Endpräsentation_Leitfaden.pptx
@@ -5,7 +5,7 @@
     <p:sldMasterId id="2147483924" r:id="rId1"/>
   </p:sldMasterIdLst>
   <p:notesMasterIdLst>
-    <p:notesMasterId r:id="rId9"/>
+    <p:notesMasterId r:id="rId11"/>
   </p:notesMasterIdLst>
   <p:sldIdLst>
     <p:sldId id="256" r:id="rId2"/>
@@ -13,8 +13,10 @@
     <p:sldId id="258" r:id="rId4"/>
     <p:sldId id="262" r:id="rId5"/>
     <p:sldId id="259" r:id="rId6"/>
-    <p:sldId id="260" r:id="rId7"/>
-    <p:sldId id="261" r:id="rId8"/>
+    <p:sldId id="264" r:id="rId7"/>
+    <p:sldId id="260" r:id="rId8"/>
+    <p:sldId id="263" r:id="rId9"/>
+    <p:sldId id="261" r:id="rId10"/>
   </p:sldIdLst>
   <p:sldSz cx="9144000" cy="6858000" type="screen4x3"/>
   <p:notesSz cx="6858000" cy="9144000"/>
@@ -823,7 +825,7 @@
           <a:p>
             <a:fld id="{7B4EDCE6-2906-4B3A-9C53-8658DC4C5DE1}" type="slidenum">
               <a:rPr lang="de-AT" smtClean="0"/>
-              <a:t>6</a:t>
+              <a:t>7</a:t>
             </a:fld>
             <a:endParaRPr lang="de-AT"/>
           </a:p>
@@ -886,6 +888,94 @@
           <a:bodyPr/>
           <a:lstStyle/>
           <a:p>
+            <a:r>
+              <a:rPr lang="de-AT" dirty="0" smtClean="0"/>
+              <a:t>Spielpräsentation</a:t>
+            </a:r>
+            <a:endParaRPr lang="de-AT" dirty="0"/>
+          </a:p>
+        </p:txBody>
+      </p:sp>
+      <p:sp>
+        <p:nvSpPr>
+          <p:cNvPr id="4" name="Foliennummernplatzhalter 3"/>
+          <p:cNvSpPr>
+            <a:spLocks noGrp="1"/>
+          </p:cNvSpPr>
+          <p:nvPr>
+            <p:ph type="sldNum" sz="quarter" idx="10"/>
+          </p:nvPr>
+        </p:nvSpPr>
+        <p:spPr/>
+        <p:txBody>
+          <a:bodyPr/>
+          <a:lstStyle/>
+          <a:p>
+            <a:fld id="{7B4EDCE6-2906-4B3A-9C53-8658DC4C5DE1}" type="slidenum">
+              <a:rPr lang="de-AT" smtClean="0"/>
+              <a:t>8</a:t>
+            </a:fld>
+            <a:endParaRPr lang="de-AT"/>
+          </a:p>
+        </p:txBody>
+      </p:sp>
+    </p:spTree>
+    <p:extLst>
+      <p:ext uri="{BB962C8B-B14F-4D97-AF65-F5344CB8AC3E}">
+        <p14:creationId xmlns:p14="http://schemas.microsoft.com/office/powerpoint/2010/main" val="3464214234"/>
+      </p:ext>
+    </p:extLst>
+  </p:cSld>
+  <p:clrMapOvr>
+    <a:masterClrMapping/>
+  </p:clrMapOvr>
+</p:notes>
+</file>
+
+<file path=ppt/notesSlides/notesSlide6.xml><?xml version="1.0" encoding="utf-8"?>
+<p:notes xmlns:a="http://schemas.openxmlformats.org/drawingml/2006/main" xmlns:r="http://schemas.openxmlformats.org/officeDocument/2006/relationships" xmlns:p="http://schemas.openxmlformats.org/presentationml/2006/main">
+  <p:cSld>
+    <p:spTree>
+      <p:nvGrpSpPr>
+        <p:cNvPr id="1" name=""/>
+        <p:cNvGrpSpPr/>
+        <p:nvPr/>
+      </p:nvGrpSpPr>
+      <p:grpSpPr>
+        <a:xfrm>
+          <a:off x="0" y="0"/>
+          <a:ext cx="0" cy="0"/>
+          <a:chOff x="0" y="0"/>
+          <a:chExt cx="0" cy="0"/>
+        </a:xfrm>
+      </p:grpSpPr>
+      <p:sp>
+        <p:nvSpPr>
+          <p:cNvPr id="2" name="Folienbildplatzhalter 1"/>
+          <p:cNvSpPr>
+            <a:spLocks noGrp="1" noRot="1" noChangeAspect="1"/>
+          </p:cNvSpPr>
+          <p:nvPr>
+            <p:ph type="sldImg"/>
+          </p:nvPr>
+        </p:nvSpPr>
+        <p:spPr/>
+      </p:sp>
+      <p:sp>
+        <p:nvSpPr>
+          <p:cNvPr id="3" name="Notizenplatzhalter 2"/>
+          <p:cNvSpPr>
+            <a:spLocks noGrp="1"/>
+          </p:cNvSpPr>
+          <p:nvPr>
+            <p:ph type="body" idx="1"/>
+          </p:nvPr>
+        </p:nvSpPr>
+        <p:spPr/>
+        <p:txBody>
+          <a:bodyPr/>
+          <a:lstStyle/>
+          <a:p>
             <a:pPr marL="0" marR="0" indent="0" algn="l" defTabSz="914400" rtl="0" eaLnBrk="1" fontAlgn="auto" latinLnBrk="0" hangingPunct="1">
               <a:lnSpc>
                 <a:spcPct val="100000"/>
@@ -932,7 +1022,7 @@
           <a:p>
             <a:fld id="{7B4EDCE6-2906-4B3A-9C53-8658DC4C5DE1}" type="slidenum">
               <a:rPr lang="de-AT" smtClean="0"/>
-              <a:t>7</a:t>
+              <a:t>9</a:t>
             </a:fld>
             <a:endParaRPr lang="de-AT"/>
           </a:p>
@@ -5609,6 +5699,78 @@
             <p:ph type="title"/>
           </p:nvPr>
         </p:nvSpPr>
+        <p:spPr/>
+        <p:txBody>
+          <a:bodyPr/>
+          <a:lstStyle/>
+          <a:p>
+            <a:r>
+              <a:rPr lang="de-AT" dirty="0" smtClean="0"/>
+              <a:t>QS – Unit-Tests</a:t>
+            </a:r>
+            <a:endParaRPr lang="de-AT" dirty="0"/>
+          </a:p>
+        </p:txBody>
+      </p:sp>
+      <p:sp>
+        <p:nvSpPr>
+          <p:cNvPr id="3" name="Inhaltsplatzhalter 2"/>
+          <p:cNvSpPr>
+            <a:spLocks noGrp="1"/>
+          </p:cNvSpPr>
+          <p:nvPr>
+            <p:ph idx="1"/>
+          </p:nvPr>
+        </p:nvSpPr>
+        <p:spPr/>
+        <p:txBody>
+          <a:bodyPr/>
+          <a:lstStyle/>
+          <a:p>
+            <a:endParaRPr lang="de-AT" dirty="0"/>
+          </a:p>
+        </p:txBody>
+      </p:sp>
+    </p:spTree>
+    <p:extLst>
+      <p:ext uri="{BB962C8B-B14F-4D97-AF65-F5344CB8AC3E}">
+        <p14:creationId xmlns:p14="http://schemas.microsoft.com/office/powerpoint/2010/main" val="1768521745"/>
+      </p:ext>
+    </p:extLst>
+  </p:cSld>
+  <p:clrMapOvr>
+    <a:masterClrMapping/>
+  </p:clrMapOvr>
+</p:sld>
+</file>
+
+<file path=ppt/slides/slide7.xml><?xml version="1.0" encoding="utf-8"?>
+<p:sld xmlns:a="http://schemas.openxmlformats.org/drawingml/2006/main" xmlns:r="http://schemas.openxmlformats.org/officeDocument/2006/relationships" xmlns:p="http://schemas.openxmlformats.org/presentationml/2006/main">
+  <p:cSld>
+    <p:spTree>
+      <p:nvGrpSpPr>
+        <p:cNvPr id="1" name=""/>
+        <p:cNvGrpSpPr/>
+        <p:nvPr/>
+      </p:nvGrpSpPr>
+      <p:grpSpPr>
+        <a:xfrm>
+          <a:off x="0" y="0"/>
+          <a:ext cx="0" cy="0"/>
+          <a:chOff x="0" y="0"/>
+          <a:chExt cx="0" cy="0"/>
+        </a:xfrm>
+      </p:grpSpPr>
+      <p:sp>
+        <p:nvSpPr>
+          <p:cNvPr id="2" name="Titel 1"/>
+          <p:cNvSpPr>
+            <a:spLocks noGrp="1"/>
+          </p:cNvSpPr>
+          <p:nvPr>
+            <p:ph type="title"/>
+          </p:nvPr>
+        </p:nvSpPr>
         <p:spPr>
           <a:xfrm>
             <a:off x="457200" y="274638"/>
@@ -5616,52 +5778,26 @@
           </a:xfrm>
         </p:spPr>
         <p:txBody>
-          <a:bodyPr/>
-          <a:lstStyle/>
-          <a:p>
-            <a:r>
-              <a:rPr lang="de-AT" dirty="0" smtClean="0"/>
-              <a:t>Qualitätssicherung</a:t>
-            </a:r>
-            <a:endParaRPr lang="de-AT" dirty="0"/>
-          </a:p>
-        </p:txBody>
-      </p:sp>
-      <p:sp>
-        <p:nvSpPr>
-          <p:cNvPr id="3" name="Inhaltsplatzhalter 2"/>
-          <p:cNvSpPr>
-            <a:spLocks noGrp="1"/>
-          </p:cNvSpPr>
-          <p:nvPr>
-            <p:ph idx="1"/>
-          </p:nvPr>
-        </p:nvSpPr>
-        <p:spPr/>
-        <p:txBody>
-          <a:bodyPr/>
-          <a:lstStyle/>
-          <a:p>
-            <a:r>
-              <a:rPr lang="de-AT" dirty="0" smtClean="0"/>
-              <a:t>Jenkins</a:t>
-            </a:r>
-          </a:p>
-          <a:p>
-            <a:r>
-              <a:rPr lang="de-AT" dirty="0" err="1" smtClean="0"/>
-              <a:t>SolarCube</a:t>
-            </a:r>
-            <a:endParaRPr lang="de-AT" dirty="0" smtClean="0"/>
-          </a:p>
-          <a:p>
-            <a:r>
-              <a:rPr lang="de-AT" dirty="0" smtClean="0"/>
-              <a:t>J-Unit-Tests</a:t>
-            </a:r>
-          </a:p>
-          <a:p>
-            <a:endParaRPr lang="de-AT" dirty="0"/>
+          <a:bodyPr>
+            <a:normAutofit/>
+          </a:bodyPr>
+          <a:lstStyle/>
+          <a:p>
+            <a:r>
+              <a:rPr lang="de-AT" sz="6000" dirty="0" smtClean="0">
+                <a:latin typeface="Agency FB" panose="020B0503020202020204" pitchFamily="34" charset="0"/>
+              </a:rPr>
+              <a:t>QS - </a:t>
+            </a:r>
+            <a:r>
+              <a:rPr lang="de-AT" sz="6000" dirty="0" err="1" smtClean="0">
+                <a:latin typeface="Agency FB" panose="020B0503020202020204" pitchFamily="34" charset="0"/>
+              </a:rPr>
+              <a:t>Sonarqube</a:t>
+            </a:r>
+            <a:endParaRPr lang="de-AT" sz="6000" dirty="0">
+              <a:latin typeface="Agency FB" panose="020B0503020202020204" pitchFamily="34" charset="0"/>
+            </a:endParaRPr>
           </a:p>
         </p:txBody>
       </p:sp>
@@ -5722,6 +5858,29 @@
           </a:p>
         </p:txBody>
       </p:sp>
+      <p:pic>
+        <p:nvPicPr>
+          <p:cNvPr id="6" name="Grafik 5"/>
+          <p:cNvPicPr>
+            <a:picLocks noChangeAspect="1"/>
+          </p:cNvPicPr>
+          <p:nvPr/>
+        </p:nvPicPr>
+        <p:blipFill rotWithShape="1">
+          <a:blip r:embed="rId3"/>
+          <a:srcRect l="50394" t="17240" r="782" b="3380"/>
+          <a:stretch/>
+        </p:blipFill>
+        <p:spPr>
+          <a:xfrm>
+            <a:off x="346589" y="1988840"/>
+            <a:ext cx="7576382" cy="3849291"/>
+          </a:xfrm>
+          <a:prstGeom prst="rect">
+            <a:avLst/>
+          </a:prstGeom>
+        </p:spPr>
+      </p:pic>
     </p:spTree>
     <p:extLst>
       <p:ext uri="{BB962C8B-B14F-4D97-AF65-F5344CB8AC3E}">
@@ -5742,7 +5901,164 @@
 </p:sld>
 </file>
 
-<file path=ppt/slides/slide7.xml><?xml version="1.0" encoding="utf-8"?>
+<file path=ppt/slides/slide8.xml><?xml version="1.0" encoding="utf-8"?>
+<p:sld xmlns:a="http://schemas.openxmlformats.org/drawingml/2006/main" xmlns:r="http://schemas.openxmlformats.org/officeDocument/2006/relationships" xmlns:p="http://schemas.openxmlformats.org/presentationml/2006/main">
+  <p:cSld>
+    <p:spTree>
+      <p:nvGrpSpPr>
+        <p:cNvPr id="1" name=""/>
+        <p:cNvGrpSpPr/>
+        <p:nvPr/>
+      </p:nvGrpSpPr>
+      <p:grpSpPr>
+        <a:xfrm>
+          <a:off x="0" y="0"/>
+          <a:ext cx="0" cy="0"/>
+          <a:chOff x="0" y="0"/>
+          <a:chExt cx="0" cy="0"/>
+        </a:xfrm>
+      </p:grpSpPr>
+      <p:sp>
+        <p:nvSpPr>
+          <p:cNvPr id="4" name="Rechteck 3"/>
+          <p:cNvSpPr/>
+          <p:nvPr/>
+        </p:nvSpPr>
+        <p:spPr>
+          <a:xfrm>
+            <a:off x="17666" y="554"/>
+            <a:ext cx="899592" cy="6858000"/>
+          </a:xfrm>
+          <a:prstGeom prst="rect">
+            <a:avLst/>
+          </a:prstGeom>
+          <a:solidFill>
+            <a:srgbClr val="FFC000"/>
+          </a:solidFill>
+          <a:ln>
+            <a:solidFill>
+              <a:srgbClr val="FFC000"/>
+            </a:solidFill>
+          </a:ln>
+        </p:spPr>
+        <p:style>
+          <a:lnRef idx="2">
+            <a:schemeClr val="accent1">
+              <a:shade val="50000"/>
+            </a:schemeClr>
+          </a:lnRef>
+          <a:fillRef idx="1">
+            <a:schemeClr val="accent1"/>
+          </a:fillRef>
+          <a:effectRef idx="0">
+            <a:schemeClr val="accent1"/>
+          </a:effectRef>
+          <a:fontRef idx="minor">
+            <a:schemeClr val="lt1"/>
+          </a:fontRef>
+        </p:style>
+        <p:txBody>
+          <a:bodyPr rtlCol="0" anchor="ctr"/>
+          <a:lstStyle/>
+          <a:p>
+            <a:pPr algn="ctr"/>
+            <a:endParaRPr lang="de-AT">
+              <a:ln>
+                <a:solidFill>
+                  <a:srgbClr val="FFFF00"/>
+                </a:solidFill>
+              </a:ln>
+              <a:solidFill>
+                <a:srgbClr val="FFFF00"/>
+              </a:solidFill>
+            </a:endParaRPr>
+          </a:p>
+        </p:txBody>
+      </p:sp>
+      <p:sp>
+        <p:nvSpPr>
+          <p:cNvPr id="5" name="Titel 1"/>
+          <p:cNvSpPr>
+            <a:spLocks noGrp="1"/>
+          </p:cNvSpPr>
+          <p:nvPr>
+            <p:ph type="title"/>
+          </p:nvPr>
+        </p:nvSpPr>
+        <p:spPr>
+          <a:xfrm>
+            <a:off x="1331640" y="404664"/>
+            <a:ext cx="7355160" cy="1143000"/>
+          </a:xfrm>
+        </p:spPr>
+        <p:txBody>
+          <a:bodyPr>
+            <a:normAutofit/>
+          </a:bodyPr>
+          <a:lstStyle/>
+          <a:p>
+            <a:r>
+              <a:rPr lang="de-AT" sz="6000" dirty="0" smtClean="0">
+                <a:latin typeface="Agency FB" panose="020B0503020202020204" pitchFamily="34" charset="0"/>
+              </a:rPr>
+              <a:t>QS - </a:t>
+            </a:r>
+            <a:r>
+              <a:rPr lang="de-AT" sz="6000" dirty="0" err="1" smtClean="0">
+                <a:latin typeface="Agency FB" panose="020B0503020202020204" pitchFamily="34" charset="0"/>
+              </a:rPr>
+              <a:t>Sonarqube</a:t>
+            </a:r>
+            <a:endParaRPr lang="de-AT" sz="6000" dirty="0">
+              <a:latin typeface="Agency FB" panose="020B0503020202020204" pitchFamily="34" charset="0"/>
+            </a:endParaRPr>
+          </a:p>
+        </p:txBody>
+      </p:sp>
+      <p:pic>
+        <p:nvPicPr>
+          <p:cNvPr id="2" name="Grafik 1"/>
+          <p:cNvPicPr>
+            <a:picLocks noChangeAspect="1"/>
+          </p:cNvPicPr>
+          <p:nvPr/>
+        </p:nvPicPr>
+        <p:blipFill rotWithShape="1">
+          <a:blip r:embed="rId3"/>
+          <a:srcRect l="50394" t="18500" r="389" b="2120"/>
+          <a:stretch/>
+        </p:blipFill>
+        <p:spPr>
+          <a:xfrm>
+            <a:off x="1309142" y="2132856"/>
+            <a:ext cx="7429397" cy="3744416"/>
+          </a:xfrm>
+          <a:prstGeom prst="rect">
+            <a:avLst/>
+          </a:prstGeom>
+        </p:spPr>
+      </p:pic>
+    </p:spTree>
+    <p:extLst>
+      <p:ext uri="{BB962C8B-B14F-4D97-AF65-F5344CB8AC3E}">
+        <p14:creationId xmlns:p14="http://schemas.microsoft.com/office/powerpoint/2010/main" val="2703246025"/>
+      </p:ext>
+    </p:extLst>
+  </p:cSld>
+  <p:clrMapOvr>
+    <a:masterClrMapping/>
+  </p:clrMapOvr>
+  <p:timing>
+    <p:tnLst>
+      <p:par>
+        <p:cTn id="1" dur="indefinite" restart="never" nodeType="tmRoot"/>
+      </p:par>
+    </p:tnLst>
+  </p:timing>
+</p:sld>
+</file>
+
+<file path=ppt/slides/slide9.xml><?xml version="1.0" encoding="utf-8"?>
 <p:sld xmlns:a="http://schemas.openxmlformats.org/drawingml/2006/main" xmlns:r="http://schemas.openxmlformats.org/officeDocument/2006/relationships" xmlns:p="http://schemas.openxmlformats.org/presentationml/2006/main">
   <p:cSld>
     <p:spTree>

--- a/Endpräsentation_Leitfaden.pptx
+++ b/Endpräsentation_Leitfaden.pptx
@@ -216,7 +216,7 @@
           <a:p>
             <a:fld id="{0D880967-AD24-4EDE-80DF-76F63081443B}" type="datetimeFigureOut">
               <a:rPr lang="de-AT" smtClean="0"/>
-              <a:t>21.06.2016</a:t>
+              <a:t>22.06.2016</a:t>
             </a:fld>
             <a:endParaRPr lang="de-AT"/>
           </a:p>
@@ -1222,7 +1222,7 @@
           <a:p>
             <a:fld id="{5830B3CD-2892-43C1-B8B8-9EA8017CAC74}" type="datetimeFigureOut">
               <a:rPr lang="de-AT" smtClean="0"/>
-              <a:t>21.06.2016</a:t>
+              <a:t>22.06.2016</a:t>
             </a:fld>
             <a:endParaRPr lang="de-AT"/>
           </a:p>
@@ -1392,7 +1392,7 @@
           <a:p>
             <a:fld id="{5830B3CD-2892-43C1-B8B8-9EA8017CAC74}" type="datetimeFigureOut">
               <a:rPr lang="de-AT" smtClean="0"/>
-              <a:t>21.06.2016</a:t>
+              <a:t>22.06.2016</a:t>
             </a:fld>
             <a:endParaRPr lang="de-AT"/>
           </a:p>
@@ -1572,7 +1572,7 @@
           <a:p>
             <a:fld id="{5830B3CD-2892-43C1-B8B8-9EA8017CAC74}" type="datetimeFigureOut">
               <a:rPr lang="de-AT" smtClean="0"/>
-              <a:t>21.06.2016</a:t>
+              <a:t>22.06.2016</a:t>
             </a:fld>
             <a:endParaRPr lang="de-AT"/>
           </a:p>
@@ -1742,7 +1742,7 @@
           <a:p>
             <a:fld id="{5830B3CD-2892-43C1-B8B8-9EA8017CAC74}" type="datetimeFigureOut">
               <a:rPr lang="de-AT" smtClean="0"/>
-              <a:t>21.06.2016</a:t>
+              <a:t>22.06.2016</a:t>
             </a:fld>
             <a:endParaRPr lang="de-AT"/>
           </a:p>
@@ -1988,7 +1988,7 @@
           <a:p>
             <a:fld id="{5830B3CD-2892-43C1-B8B8-9EA8017CAC74}" type="datetimeFigureOut">
               <a:rPr lang="de-AT" smtClean="0"/>
-              <a:t>21.06.2016</a:t>
+              <a:t>22.06.2016</a:t>
             </a:fld>
             <a:endParaRPr lang="de-AT"/>
           </a:p>
@@ -2276,7 +2276,7 @@
           <a:p>
             <a:fld id="{5830B3CD-2892-43C1-B8B8-9EA8017CAC74}" type="datetimeFigureOut">
               <a:rPr lang="de-AT" smtClean="0"/>
-              <a:t>21.06.2016</a:t>
+              <a:t>22.06.2016</a:t>
             </a:fld>
             <a:endParaRPr lang="de-AT"/>
           </a:p>
@@ -2698,7 +2698,7 @@
           <a:p>
             <a:fld id="{5830B3CD-2892-43C1-B8B8-9EA8017CAC74}" type="datetimeFigureOut">
               <a:rPr lang="de-AT" smtClean="0"/>
-              <a:t>21.06.2016</a:t>
+              <a:t>22.06.2016</a:t>
             </a:fld>
             <a:endParaRPr lang="de-AT"/>
           </a:p>
@@ -2816,7 +2816,7 @@
           <a:p>
             <a:fld id="{5830B3CD-2892-43C1-B8B8-9EA8017CAC74}" type="datetimeFigureOut">
               <a:rPr lang="de-AT" smtClean="0"/>
-              <a:t>21.06.2016</a:t>
+              <a:t>22.06.2016</a:t>
             </a:fld>
             <a:endParaRPr lang="de-AT"/>
           </a:p>
@@ -2911,7 +2911,7 @@
           <a:p>
             <a:fld id="{5830B3CD-2892-43C1-B8B8-9EA8017CAC74}" type="datetimeFigureOut">
               <a:rPr lang="de-AT" smtClean="0"/>
-              <a:t>21.06.2016</a:t>
+              <a:t>22.06.2016</a:t>
             </a:fld>
             <a:endParaRPr lang="de-AT"/>
           </a:p>
@@ -3188,7 +3188,7 @@
           <a:p>
             <a:fld id="{5830B3CD-2892-43C1-B8B8-9EA8017CAC74}" type="datetimeFigureOut">
               <a:rPr lang="de-AT" smtClean="0"/>
-              <a:t>21.06.2016</a:t>
+              <a:t>22.06.2016</a:t>
             </a:fld>
             <a:endParaRPr lang="de-AT"/>
           </a:p>
@@ -3441,7 +3441,7 @@
           <a:p>
             <a:fld id="{5830B3CD-2892-43C1-B8B8-9EA8017CAC74}" type="datetimeFigureOut">
               <a:rPr lang="de-AT" smtClean="0"/>
-              <a:t>21.06.2016</a:t>
+              <a:t>22.06.2016</a:t>
             </a:fld>
             <a:endParaRPr lang="de-AT"/>
           </a:p>
@@ -3657,7 +3657,7 @@
           <a:p>
             <a:fld id="{5830B3CD-2892-43C1-B8B8-9EA8017CAC74}" type="datetimeFigureOut">
               <a:rPr lang="de-AT" smtClean="0"/>
-              <a:t>21.06.2016</a:t>
+              <a:t>22.06.2016</a:t>
             </a:fld>
             <a:endParaRPr lang="de-AT"/>
           </a:p>
@@ -4032,47 +4032,63 @@
           <a:chExt cx="0" cy="0"/>
         </a:xfrm>
       </p:grpSpPr>
-      <p:pic>
-        <p:nvPicPr>
-          <p:cNvPr id="1028" name="Picture 4" descr="https://i.ytimg.com/vi/mvX2ozirOm4/maxresdefault.jpg"/>
-          <p:cNvPicPr>
-            <a:picLocks noChangeAspect="1" noChangeArrowheads="1"/>
-          </p:cNvPicPr>
+      <p:sp>
+        <p:nvSpPr>
+          <p:cNvPr id="5" name="Rechteck 4"/>
+          <p:cNvSpPr/>
           <p:nvPr/>
-        </p:nvPicPr>
-        <p:blipFill>
-          <a:blip r:embed="rId2">
-            <a:extLst>
-              <a:ext uri="{28A0092B-C50C-407E-A947-70E740481C1C}">
-                <a14:useLocalDpi xmlns:a14="http://schemas.microsoft.com/office/drawing/2010/main" val="0"/>
-              </a:ext>
-            </a:extLst>
-          </a:blip>
-          <a:srcRect/>
-          <a:stretch>
-            <a:fillRect/>
-          </a:stretch>
-        </p:blipFill>
-        <p:spPr bwMode="auto">
+        </p:nvSpPr>
+        <p:spPr>
           <a:xfrm>
-            <a:off x="-893577" y="1"/>
-            <a:ext cx="12197817" cy="6858000"/>
+            <a:off x="0" y="0"/>
+            <a:ext cx="9144000" cy="6858000"/>
           </a:xfrm>
           <a:prstGeom prst="rect">
             <a:avLst/>
           </a:prstGeom>
-          <a:noFill/>
-          <a:extLst>
-            <a:ext uri="{909E8E84-426E-40DD-AFC4-6F175D3DCCD1}">
-              <a14:hiddenFill xmlns:a14="http://schemas.microsoft.com/office/drawing/2010/main">
+          <a:solidFill>
+            <a:srgbClr val="FFC000"/>
+          </a:solidFill>
+          <a:ln>
+            <a:solidFill>
+              <a:srgbClr val="FFC000"/>
+            </a:solidFill>
+          </a:ln>
+        </p:spPr>
+        <p:style>
+          <a:lnRef idx="2">
+            <a:schemeClr val="accent1">
+              <a:shade val="50000"/>
+            </a:schemeClr>
+          </a:lnRef>
+          <a:fillRef idx="1">
+            <a:schemeClr val="accent1"/>
+          </a:fillRef>
+          <a:effectRef idx="0">
+            <a:schemeClr val="accent1"/>
+          </a:effectRef>
+          <a:fontRef idx="minor">
+            <a:schemeClr val="lt1"/>
+          </a:fontRef>
+        </p:style>
+        <p:txBody>
+          <a:bodyPr rtlCol="0" anchor="ctr"/>
+          <a:lstStyle/>
+          <a:p>
+            <a:pPr algn="ctr"/>
+            <a:endParaRPr lang="de-AT">
+              <a:ln>
                 <a:solidFill>
-                  <a:srgbClr val="FFFFFF"/>
+                  <a:srgbClr val="FFFF00"/>
                 </a:solidFill>
-              </a14:hiddenFill>
-            </a:ext>
-          </a:extLst>
-        </p:spPr>
-      </p:pic>
+              </a:ln>
+              <a:solidFill>
+                <a:srgbClr val="FFFF00"/>
+              </a:solidFill>
+            </a:endParaRPr>
+          </a:p>
+        </p:txBody>
+      </p:sp>
       <p:sp>
         <p:nvSpPr>
           <p:cNvPr id="2" name="Titel 1"/>
@@ -4132,7 +4148,7 @@
           <p:nvPr/>
         </p:nvPicPr>
         <p:blipFill>
-          <a:blip r:embed="rId3">
+          <a:blip r:embed="rId2">
             <a:clrChange>
               <a:clrFrom>
                 <a:srgbClr val="FFFFFF"/>
@@ -4158,6 +4174,50 @@
           </a:prstGeom>
         </p:spPr>
       </p:pic>
+      <p:sp>
+        <p:nvSpPr>
+          <p:cNvPr id="3" name="Textfeld 2"/>
+          <p:cNvSpPr txBox="1"/>
+          <p:nvPr/>
+        </p:nvSpPr>
+        <p:spPr>
+          <a:xfrm>
+            <a:off x="1619672" y="3570294"/>
+            <a:ext cx="5904656" cy="1754326"/>
+          </a:xfrm>
+          <a:prstGeom prst="rect">
+            <a:avLst/>
+          </a:prstGeom>
+          <a:noFill/>
+        </p:spPr>
+        <p:txBody>
+          <a:bodyPr wrap="square" rtlCol="0">
+            <a:spAutoFit/>
+          </a:bodyPr>
+          <a:lstStyle/>
+          <a:p>
+            <a:pPr algn="ctr"/>
+            <a:r>
+              <a:rPr lang="de-AT" sz="5400" dirty="0" smtClean="0">
+                <a:latin typeface="Agency FB" panose="020B0503020202020204" pitchFamily="34" charset="0"/>
+              </a:rPr>
+              <a:t>Gruppe A</a:t>
+            </a:r>
+          </a:p>
+          <a:p>
+            <a:pPr algn="ctr"/>
+            <a:r>
+              <a:rPr lang="de-AT" sz="5400" dirty="0" smtClean="0">
+                <a:latin typeface="Agency FB" panose="020B0503020202020204" pitchFamily="34" charset="0"/>
+              </a:rPr>
+              <a:t>SS16</a:t>
+            </a:r>
+            <a:endParaRPr lang="de-AT" sz="5400" dirty="0">
+              <a:latin typeface="Agency FB" panose="020B0503020202020204" pitchFamily="34" charset="0"/>
+            </a:endParaRPr>
+          </a:p>
+        </p:txBody>
+      </p:sp>
     </p:spTree>
     <p:extLst>
       <p:ext uri="{BB962C8B-B14F-4D97-AF65-F5344CB8AC3E}">
@@ -5701,32 +5761,41 @@
         </p:nvSpPr>
         <p:spPr/>
         <p:txBody>
+          <a:bodyPr>
+            <a:normAutofit/>
+          </a:bodyPr>
+          <a:lstStyle/>
+          <a:p>
+            <a:r>
+              <a:rPr lang="de-AT" sz="6000" dirty="0" smtClean="0">
+                <a:latin typeface="Agency FB" panose="020B0503020202020204" pitchFamily="34" charset="0"/>
+              </a:rPr>
+              <a:t>Qualitätssicherung</a:t>
+            </a:r>
+            <a:endParaRPr lang="de-AT" sz="6000" dirty="0">
+              <a:latin typeface="Agency FB" panose="020B0503020202020204" pitchFamily="34" charset="0"/>
+            </a:endParaRPr>
+          </a:p>
+        </p:txBody>
+      </p:sp>
+      <p:sp>
+        <p:nvSpPr>
+          <p:cNvPr id="3" name="Inhaltsplatzhalter 2"/>
+          <p:cNvSpPr>
+            <a:spLocks noGrp="1"/>
+          </p:cNvSpPr>
+          <p:nvPr>
+            <p:ph idx="1"/>
+          </p:nvPr>
+        </p:nvSpPr>
+        <p:spPr/>
+        <p:txBody>
           <a:bodyPr/>
           <a:lstStyle/>
           <a:p>
-            <a:r>
-              <a:rPr lang="de-AT" dirty="0" smtClean="0"/>
-              <a:t>QS – Unit-Tests</a:t>
-            </a:r>
-            <a:endParaRPr lang="de-AT" dirty="0"/>
-          </a:p>
-        </p:txBody>
-      </p:sp>
-      <p:sp>
-        <p:nvSpPr>
-          <p:cNvPr id="3" name="Inhaltsplatzhalter 2"/>
-          <p:cNvSpPr>
-            <a:spLocks noGrp="1"/>
-          </p:cNvSpPr>
-          <p:nvPr>
-            <p:ph idx="1"/>
-          </p:nvPr>
-        </p:nvSpPr>
-        <p:spPr/>
-        <p:txBody>
-          <a:bodyPr/>
-          <a:lstStyle/>
-          <a:p>
+            <a:pPr marL="0" indent="0">
+              <a:buNone/>
+            </a:pPr>
             <a:endParaRPr lang="de-AT" dirty="0"/>
           </a:p>
         </p:txBody>
@@ -5741,6 +5810,13 @@
   <p:clrMapOvr>
     <a:masterClrMapping/>
   </p:clrMapOvr>
+  <p:timing>
+    <p:tnLst>
+      <p:par>
+        <p:cTn id="1" dur="indefinite" restart="never" nodeType="tmRoot"/>
+      </p:par>
+    </p:tnLst>
+  </p:timing>
 </p:sld>
 </file>
 
@@ -6111,117 +6187,39 @@
       </p:sp>
       <p:sp>
         <p:nvSpPr>
-          <p:cNvPr id="3" name="Inhaltsplatzhalter 2"/>
-          <p:cNvSpPr>
-            <a:spLocks noGrp="1"/>
-          </p:cNvSpPr>
-          <p:nvPr>
-            <p:ph idx="1"/>
-          </p:nvPr>
+          <p:cNvPr id="4" name="Textfeld 3"/>
+          <p:cNvSpPr txBox="1"/>
+          <p:nvPr/>
         </p:nvSpPr>
         <p:spPr>
           <a:xfrm>
-            <a:off x="1187624" y="1600200"/>
-            <a:ext cx="7499176" cy="4525963"/>
+            <a:off x="2735289" y="1772816"/>
+            <a:ext cx="4680520" cy="799647"/>
           </a:xfrm>
+          <a:prstGeom prst="rect">
+            <a:avLst/>
+          </a:prstGeom>
+          <a:noFill/>
         </p:spPr>
         <p:txBody>
-          <a:bodyPr/>
-          <a:lstStyle/>
-          <a:p>
-            <a:endParaRPr lang="de-AT"/>
-          </a:p>
-        </p:txBody>
-      </p:sp>
-      <p:grpSp>
-        <p:nvGrpSpPr>
-          <p:cNvPr id="5" name="Gruppieren 4"/>
-          <p:cNvGrpSpPr/>
-          <p:nvPr/>
-        </p:nvGrpSpPr>
-        <p:grpSpPr>
-          <a:xfrm>
-            <a:off x="4463480" y="1916832"/>
-            <a:ext cx="4680520" cy="4595737"/>
-            <a:chOff x="4788024" y="2304947"/>
-            <a:chExt cx="3744416" cy="3714600"/>
-          </a:xfrm>
-        </p:grpSpPr>
-        <p:pic>
-          <p:nvPicPr>
-            <p:cNvPr id="4097" name="Picture 1" descr="http://www.qrcode-generator.de/phpqrcode/getCode.php?cht=qr&amp;chl=www.medien-labor.at%2Fmalefiz.apk&amp;chs=180x180&amp;choe=UTF-8&amp;chld=L%7C0"/>
-            <p:cNvPicPr>
-              <a:picLocks noChangeAspect="1" noChangeArrowheads="1"/>
-            </p:cNvPicPr>
-            <p:nvPr/>
-          </p:nvPicPr>
-          <p:blipFill rotWithShape="1">
-            <a:blip r:embed="rId3">
-              <a:extLst>
-                <a:ext uri="{28A0092B-C50C-407E-A947-70E740481C1C}">
-                  <a14:useLocalDpi xmlns:a14="http://schemas.microsoft.com/office/drawing/2010/main" val="0"/>
-                </a:ext>
-              </a:extLst>
-            </a:blip>
-            <a:srcRect l="11395" t="11267" r="10733" b="10862"/>
-            <a:stretch/>
-          </p:blipFill>
-          <p:spPr bwMode="auto">
-            <a:xfrm>
-              <a:off x="5184068" y="2304947"/>
-              <a:ext cx="2952328" cy="2952328"/>
-            </a:xfrm>
-            <a:prstGeom prst="rect">
-              <a:avLst/>
-            </a:prstGeom>
-            <a:noFill/>
-            <a:extLst>
-              <a:ext uri="{909E8E84-426E-40DD-AFC4-6F175D3DCCD1}">
-                <a14:hiddenFill xmlns:a14="http://schemas.microsoft.com/office/drawing/2010/main">
-                  <a:solidFill>
-                    <a:srgbClr val="FFFFFF"/>
-                  </a:solidFill>
-                </a14:hiddenFill>
-              </a:ext>
-            </a:extLst>
-          </p:spPr>
-        </p:pic>
-        <p:sp>
-          <p:nvSpPr>
-            <p:cNvPr id="4" name="Textfeld 3"/>
-            <p:cNvSpPr txBox="1"/>
-            <p:nvPr/>
-          </p:nvSpPr>
-          <p:spPr>
-            <a:xfrm>
-              <a:off x="4788024" y="5373216"/>
-              <a:ext cx="3744416" cy="646331"/>
-            </a:xfrm>
-            <a:prstGeom prst="rect">
-              <a:avLst/>
-            </a:prstGeom>
-            <a:noFill/>
-          </p:spPr>
-          <p:txBody>
-            <a:bodyPr wrap="square" rtlCol="0">
-              <a:spAutoFit/>
-            </a:bodyPr>
-            <a:lstStyle/>
-            <a:p>
-              <a:pPr algn="ctr"/>
-              <a:r>
-                <a:rPr lang="de-AT" sz="3600" dirty="0" smtClean="0">
-                  <a:latin typeface="Agency FB" panose="020B0503020202020204" pitchFamily="34" charset="0"/>
-                </a:rPr>
-                <a:t>DOWNLOAD NOW!</a:t>
-              </a:r>
-              <a:endParaRPr lang="de-AT" sz="3600" dirty="0">
+          <a:bodyPr wrap="square" rtlCol="0">
+            <a:spAutoFit/>
+          </a:bodyPr>
+          <a:lstStyle/>
+          <a:p>
+            <a:pPr algn="ctr"/>
+            <a:r>
+              <a:rPr lang="de-AT" sz="3600" dirty="0" smtClean="0">
                 <a:latin typeface="Agency FB" panose="020B0503020202020204" pitchFamily="34" charset="0"/>
-              </a:endParaRPr>
-            </a:p>
-          </p:txBody>
-        </p:sp>
-      </p:grpSp>
+              </a:rPr>
+              <a:t>DOWNLOAD NOW!</a:t>
+            </a:r>
+            <a:endParaRPr lang="de-AT" sz="3600" dirty="0">
+              <a:latin typeface="Agency FB" panose="020B0503020202020204" pitchFamily="34" charset="0"/>
+            </a:endParaRPr>
+          </a:p>
+        </p:txBody>
+      </p:sp>
       <p:sp>
         <p:nvSpPr>
           <p:cNvPr id="7" name="Rechteck 6"/>
@@ -6275,6 +6273,94 @@
               <a:solidFill>
                 <a:srgbClr val="FFFF00"/>
               </a:solidFill>
+            </a:endParaRPr>
+          </a:p>
+        </p:txBody>
+      </p:sp>
+      <p:pic>
+        <p:nvPicPr>
+          <p:cNvPr id="1026" name="Picture 2" descr="http://www.qrcode-generator.de/phpqrcode/getCode.php?cht=qr&amp;chl=www.medien-labor.at%2FMalefiz.apk&amp;chs=180x180&amp;choe=UTF-8&amp;chld=L%7C0"/>
+          <p:cNvPicPr>
+            <a:picLocks noGrp="1" noChangeAspect="1" noChangeArrowheads="1"/>
+          </p:cNvPicPr>
+          <p:nvPr>
+            <p:ph idx="1"/>
+          </p:nvPr>
+        </p:nvPicPr>
+        <p:blipFill rotWithShape="1">
+          <a:blip r:embed="rId3">
+            <a:extLst>
+              <a:ext uri="{28A0092B-C50C-407E-A947-70E740481C1C}">
+                <a14:useLocalDpi xmlns:a14="http://schemas.microsoft.com/office/drawing/2010/main" val="0"/>
+              </a:ext>
+            </a:extLst>
+          </a:blip>
+          <a:srcRect l="8781" t="9163" r="8748" b="10656"/>
+          <a:stretch/>
+        </p:blipFill>
+        <p:spPr bwMode="auto">
+          <a:xfrm>
+            <a:off x="3347864" y="2394231"/>
+            <a:ext cx="3456384" cy="3360372"/>
+          </a:xfrm>
+          <a:prstGeom prst="rect">
+            <a:avLst/>
+          </a:prstGeom>
+          <a:noFill/>
+          <a:extLst>
+            <a:ext uri="{909E8E84-426E-40DD-AFC4-6F175D3DCCD1}">
+              <a14:hiddenFill xmlns:a14="http://schemas.microsoft.com/office/drawing/2010/main">
+                <a:solidFill>
+                  <a:srgbClr val="FFFFFF"/>
+                </a:solidFill>
+              </a14:hiddenFill>
+            </a:ext>
+          </a:extLst>
+        </p:spPr>
+      </p:pic>
+      <p:sp>
+        <p:nvSpPr>
+          <p:cNvPr id="10" name="Textfeld 9"/>
+          <p:cNvSpPr txBox="1"/>
+          <p:nvPr/>
+        </p:nvSpPr>
+        <p:spPr>
+          <a:xfrm>
+            <a:off x="2735289" y="5733256"/>
+            <a:ext cx="4680520" cy="646331"/>
+          </a:xfrm>
+          <a:prstGeom prst="rect">
+            <a:avLst/>
+          </a:prstGeom>
+          <a:noFill/>
+        </p:spPr>
+        <p:txBody>
+          <a:bodyPr wrap="square" rtlCol="0">
+            <a:spAutoFit/>
+          </a:bodyPr>
+          <a:lstStyle/>
+          <a:p>
+            <a:pPr algn="ctr"/>
+            <a:r>
+              <a:rPr lang="de-AT" sz="3600" dirty="0">
+                <a:latin typeface="Agency FB" panose="020B0503020202020204" pitchFamily="34" charset="0"/>
+              </a:rPr>
+              <a:t>m</a:t>
+            </a:r>
+            <a:r>
+              <a:rPr lang="de-AT" sz="3600" dirty="0" smtClean="0">
+                <a:latin typeface="Agency FB" panose="020B0503020202020204" pitchFamily="34" charset="0"/>
+              </a:rPr>
+              <a:t>edien-labor.at/</a:t>
+            </a:r>
+            <a:r>
+              <a:rPr lang="de-AT" sz="3600" dirty="0" err="1" smtClean="0">
+                <a:latin typeface="Agency FB" panose="020B0503020202020204" pitchFamily="34" charset="0"/>
+              </a:rPr>
+              <a:t>Malefiz.apk</a:t>
+            </a:r>
+            <a:endParaRPr lang="de-AT" sz="3600" dirty="0">
+              <a:latin typeface="Agency FB" panose="020B0503020202020204" pitchFamily="34" charset="0"/>
             </a:endParaRPr>
           </a:p>
         </p:txBody>

--- a/Endpräsentation_Leitfaden.pptx
+++ b/Endpräsentation_Leitfaden.pptx
@@ -5,18 +5,20 @@
     <p:sldMasterId id="2147483924" r:id="rId1"/>
   </p:sldMasterIdLst>
   <p:notesMasterIdLst>
-    <p:notesMasterId r:id="rId11"/>
+    <p:notesMasterId r:id="rId13"/>
   </p:notesMasterIdLst>
   <p:sldIdLst>
     <p:sldId id="256" r:id="rId2"/>
     <p:sldId id="257" r:id="rId3"/>
     <p:sldId id="258" r:id="rId4"/>
     <p:sldId id="262" r:id="rId5"/>
-    <p:sldId id="259" r:id="rId6"/>
-    <p:sldId id="264" r:id="rId7"/>
-    <p:sldId id="260" r:id="rId8"/>
+    <p:sldId id="264" r:id="rId6"/>
+    <p:sldId id="259" r:id="rId7"/>
+    <p:sldId id="261" r:id="rId8"/>
     <p:sldId id="263" r:id="rId9"/>
-    <p:sldId id="261" r:id="rId10"/>
+    <p:sldId id="265" r:id="rId10"/>
+    <p:sldId id="266" r:id="rId11"/>
+    <p:sldId id="267" r:id="rId12"/>
   </p:sldIdLst>
   <p:sldSz cx="9144000" cy="6858000" type="screen4x3"/>
   <p:notesSz cx="6858000" cy="9144000"/>
@@ -733,7 +735,7 @@
           <a:p>
             <a:fld id="{7B4EDCE6-2906-4B3A-9C53-8658DC4C5DE1}" type="slidenum">
               <a:rPr lang="de-AT" smtClean="0"/>
-              <a:t>5</a:t>
+              <a:t>6</a:t>
             </a:fld>
             <a:endParaRPr lang="de-AT"/>
           </a:p>
@@ -796,15 +798,32 @@
           <a:bodyPr/>
           <a:lstStyle/>
           <a:p>
+            <a:pPr marL="0" marR="0" indent="0" algn="l" defTabSz="914400" rtl="0" eaLnBrk="1" fontAlgn="auto" latinLnBrk="0" hangingPunct="1">
+              <a:lnSpc>
+                <a:spcPct val="100000"/>
+              </a:lnSpc>
+              <a:spcBef>
+                <a:spcPts val="0"/>
+              </a:spcBef>
+              <a:spcAft>
+                <a:spcPts val="0"/>
+              </a:spcAft>
+              <a:buClrTx/>
+              <a:buSzTx/>
+              <a:buFontTx/>
+              <a:buNone/>
+              <a:tabLst/>
+              <a:defRPr/>
+            </a:pPr>
             <a:r>
               <a:rPr lang="de-AT" dirty="0" smtClean="0"/>
-              <a:t>zeige</a:t>
+              <a:t>Überzeuge den Kunden – Zeig</a:t>
             </a:r>
             <a:r>
               <a:rPr lang="de-AT" baseline="0" dirty="0" smtClean="0"/>
-              <a:t> die positiven Seiten unserer App</a:t>
-            </a:r>
-            <a:endParaRPr lang="de-AT" dirty="0"/>
+              <a:t> etwas Haut :P</a:t>
+            </a:r>
+            <a:endParaRPr lang="de-AT" dirty="0" smtClean="0"/>
           </a:p>
         </p:txBody>
       </p:sp>
@@ -834,7 +853,7 @@
     </p:spTree>
     <p:extLst>
       <p:ext uri="{BB962C8B-B14F-4D97-AF65-F5344CB8AC3E}">
-        <p14:creationId xmlns:p14="http://schemas.microsoft.com/office/powerpoint/2010/main" val="1742633394"/>
+        <p14:creationId xmlns:p14="http://schemas.microsoft.com/office/powerpoint/2010/main" val="1747884473"/>
       </p:ext>
     </p:extLst>
   </p:cSld>
@@ -976,32 +995,11 @@
           <a:bodyPr/>
           <a:lstStyle/>
           <a:p>
-            <a:pPr marL="0" marR="0" indent="0" algn="l" defTabSz="914400" rtl="0" eaLnBrk="1" fontAlgn="auto" latinLnBrk="0" hangingPunct="1">
-              <a:lnSpc>
-                <a:spcPct val="100000"/>
-              </a:lnSpc>
-              <a:spcBef>
-                <a:spcPts val="0"/>
-              </a:spcBef>
-              <a:spcAft>
-                <a:spcPts val="0"/>
-              </a:spcAft>
-              <a:buClrTx/>
-              <a:buSzTx/>
-              <a:buFontTx/>
-              <a:buNone/>
-              <a:tabLst/>
-              <a:defRPr/>
-            </a:pPr>
             <a:r>
               <a:rPr lang="de-AT" dirty="0" smtClean="0"/>
-              <a:t>Überzeuge den Kunden – Zeig</a:t>
-            </a:r>
-            <a:r>
-              <a:rPr lang="de-AT" baseline="0" dirty="0" smtClean="0"/>
-              <a:t> etwas Haut :P</a:t>
-            </a:r>
-            <a:endParaRPr lang="de-AT" dirty="0" smtClean="0"/>
+              <a:t>Spielpräsentation</a:t>
+            </a:r>
+            <a:endParaRPr lang="de-AT" dirty="0"/>
           </a:p>
         </p:txBody>
       </p:sp>
@@ -1031,7 +1029,183 @@
     </p:spTree>
     <p:extLst>
       <p:ext uri="{BB962C8B-B14F-4D97-AF65-F5344CB8AC3E}">
-        <p14:creationId xmlns:p14="http://schemas.microsoft.com/office/powerpoint/2010/main" val="1747884473"/>
+        <p14:creationId xmlns:p14="http://schemas.microsoft.com/office/powerpoint/2010/main" val="3797794497"/>
+      </p:ext>
+    </p:extLst>
+  </p:cSld>
+  <p:clrMapOvr>
+    <a:masterClrMapping/>
+  </p:clrMapOvr>
+</p:notes>
+</file>
+
+<file path=ppt/notesSlides/notesSlide7.xml><?xml version="1.0" encoding="utf-8"?>
+<p:notes xmlns:a="http://schemas.openxmlformats.org/drawingml/2006/main" xmlns:r="http://schemas.openxmlformats.org/officeDocument/2006/relationships" xmlns:p="http://schemas.openxmlformats.org/presentationml/2006/main">
+  <p:cSld>
+    <p:spTree>
+      <p:nvGrpSpPr>
+        <p:cNvPr id="1" name=""/>
+        <p:cNvGrpSpPr/>
+        <p:nvPr/>
+      </p:nvGrpSpPr>
+      <p:grpSpPr>
+        <a:xfrm>
+          <a:off x="0" y="0"/>
+          <a:ext cx="0" cy="0"/>
+          <a:chOff x="0" y="0"/>
+          <a:chExt cx="0" cy="0"/>
+        </a:xfrm>
+      </p:grpSpPr>
+      <p:sp>
+        <p:nvSpPr>
+          <p:cNvPr id="2" name="Folienbildplatzhalter 1"/>
+          <p:cNvSpPr>
+            <a:spLocks noGrp="1" noRot="1" noChangeAspect="1"/>
+          </p:cNvSpPr>
+          <p:nvPr>
+            <p:ph type="sldImg"/>
+          </p:nvPr>
+        </p:nvSpPr>
+        <p:spPr/>
+      </p:sp>
+      <p:sp>
+        <p:nvSpPr>
+          <p:cNvPr id="3" name="Notizenplatzhalter 2"/>
+          <p:cNvSpPr>
+            <a:spLocks noGrp="1"/>
+          </p:cNvSpPr>
+          <p:nvPr>
+            <p:ph type="body" idx="1"/>
+          </p:nvPr>
+        </p:nvSpPr>
+        <p:spPr/>
+        <p:txBody>
+          <a:bodyPr/>
+          <a:lstStyle/>
+          <a:p>
+            <a:r>
+              <a:rPr lang="de-AT" dirty="0" smtClean="0"/>
+              <a:t>Spielpräsentation</a:t>
+            </a:r>
+            <a:endParaRPr lang="de-AT" dirty="0"/>
+          </a:p>
+        </p:txBody>
+      </p:sp>
+      <p:sp>
+        <p:nvSpPr>
+          <p:cNvPr id="4" name="Foliennummernplatzhalter 3"/>
+          <p:cNvSpPr>
+            <a:spLocks noGrp="1"/>
+          </p:cNvSpPr>
+          <p:nvPr>
+            <p:ph type="sldNum" sz="quarter" idx="10"/>
+          </p:nvPr>
+        </p:nvSpPr>
+        <p:spPr/>
+        <p:txBody>
+          <a:bodyPr/>
+          <a:lstStyle/>
+          <a:p>
+            <a:fld id="{7B4EDCE6-2906-4B3A-9C53-8658DC4C5DE1}" type="slidenum">
+              <a:rPr lang="de-AT" smtClean="0"/>
+              <a:t>10</a:t>
+            </a:fld>
+            <a:endParaRPr lang="de-AT"/>
+          </a:p>
+        </p:txBody>
+      </p:sp>
+    </p:spTree>
+    <p:extLst>
+      <p:ext uri="{BB962C8B-B14F-4D97-AF65-F5344CB8AC3E}">
+        <p14:creationId xmlns:p14="http://schemas.microsoft.com/office/powerpoint/2010/main" val="2213779747"/>
+      </p:ext>
+    </p:extLst>
+  </p:cSld>
+  <p:clrMapOvr>
+    <a:masterClrMapping/>
+  </p:clrMapOvr>
+</p:notes>
+</file>
+
+<file path=ppt/notesSlides/notesSlide8.xml><?xml version="1.0" encoding="utf-8"?>
+<p:notes xmlns:a="http://schemas.openxmlformats.org/drawingml/2006/main" xmlns:r="http://schemas.openxmlformats.org/officeDocument/2006/relationships" xmlns:p="http://schemas.openxmlformats.org/presentationml/2006/main">
+  <p:cSld>
+    <p:spTree>
+      <p:nvGrpSpPr>
+        <p:cNvPr id="1" name=""/>
+        <p:cNvGrpSpPr/>
+        <p:nvPr/>
+      </p:nvGrpSpPr>
+      <p:grpSpPr>
+        <a:xfrm>
+          <a:off x="0" y="0"/>
+          <a:ext cx="0" cy="0"/>
+          <a:chOff x="0" y="0"/>
+          <a:chExt cx="0" cy="0"/>
+        </a:xfrm>
+      </p:grpSpPr>
+      <p:sp>
+        <p:nvSpPr>
+          <p:cNvPr id="2" name="Folienbildplatzhalter 1"/>
+          <p:cNvSpPr>
+            <a:spLocks noGrp="1" noRot="1" noChangeAspect="1"/>
+          </p:cNvSpPr>
+          <p:nvPr>
+            <p:ph type="sldImg"/>
+          </p:nvPr>
+        </p:nvSpPr>
+        <p:spPr/>
+      </p:sp>
+      <p:sp>
+        <p:nvSpPr>
+          <p:cNvPr id="3" name="Notizenplatzhalter 2"/>
+          <p:cNvSpPr>
+            <a:spLocks noGrp="1"/>
+          </p:cNvSpPr>
+          <p:nvPr>
+            <p:ph type="body" idx="1"/>
+          </p:nvPr>
+        </p:nvSpPr>
+        <p:spPr/>
+        <p:txBody>
+          <a:bodyPr/>
+          <a:lstStyle/>
+          <a:p>
+            <a:r>
+              <a:rPr lang="de-AT" dirty="0" smtClean="0"/>
+              <a:t>Spielpräsentation</a:t>
+            </a:r>
+            <a:endParaRPr lang="de-AT" dirty="0"/>
+          </a:p>
+        </p:txBody>
+      </p:sp>
+      <p:sp>
+        <p:nvSpPr>
+          <p:cNvPr id="4" name="Foliennummernplatzhalter 3"/>
+          <p:cNvSpPr>
+            <a:spLocks noGrp="1"/>
+          </p:cNvSpPr>
+          <p:nvPr>
+            <p:ph type="sldNum" sz="quarter" idx="10"/>
+          </p:nvPr>
+        </p:nvSpPr>
+        <p:spPr/>
+        <p:txBody>
+          <a:bodyPr/>
+          <a:lstStyle/>
+          <a:p>
+            <a:fld id="{7B4EDCE6-2906-4B3A-9C53-8658DC4C5DE1}" type="slidenum">
+              <a:rPr lang="de-AT" smtClean="0"/>
+              <a:t>11</a:t>
+            </a:fld>
+            <a:endParaRPr lang="de-AT"/>
+          </a:p>
+        </p:txBody>
+      </p:sp>
+    </p:spTree>
+    <p:extLst>
+      <p:ext uri="{BB962C8B-B14F-4D97-AF65-F5344CB8AC3E}">
+        <p14:creationId xmlns:p14="http://schemas.microsoft.com/office/powerpoint/2010/main" val="3827352285"/>
       </p:ext>
     </p:extLst>
   </p:cSld>
@@ -4238,6 +4412,636 @@
 </p:sld>
 </file>
 
+<file path=ppt/slides/slide10.xml><?xml version="1.0" encoding="utf-8"?>
+<p:sld xmlns:a="http://schemas.openxmlformats.org/drawingml/2006/main" xmlns:r="http://schemas.openxmlformats.org/officeDocument/2006/relationships" xmlns:p="http://schemas.openxmlformats.org/presentationml/2006/main">
+  <p:cSld>
+    <p:spTree>
+      <p:nvGrpSpPr>
+        <p:cNvPr id="1" name=""/>
+        <p:cNvGrpSpPr/>
+        <p:nvPr/>
+      </p:nvGrpSpPr>
+      <p:grpSpPr>
+        <a:xfrm>
+          <a:off x="0" y="0"/>
+          <a:ext cx="0" cy="0"/>
+          <a:chOff x="0" y="0"/>
+          <a:chExt cx="0" cy="0"/>
+        </a:xfrm>
+      </p:grpSpPr>
+      <p:sp>
+        <p:nvSpPr>
+          <p:cNvPr id="4" name="Rechteck 3"/>
+          <p:cNvSpPr/>
+          <p:nvPr/>
+        </p:nvSpPr>
+        <p:spPr>
+          <a:xfrm>
+            <a:off x="17666" y="554"/>
+            <a:ext cx="899592" cy="6858000"/>
+          </a:xfrm>
+          <a:prstGeom prst="rect">
+            <a:avLst/>
+          </a:prstGeom>
+          <a:solidFill>
+            <a:srgbClr val="FFC000"/>
+          </a:solidFill>
+          <a:ln>
+            <a:solidFill>
+              <a:srgbClr val="FFC000"/>
+            </a:solidFill>
+          </a:ln>
+        </p:spPr>
+        <p:style>
+          <a:lnRef idx="2">
+            <a:schemeClr val="accent1">
+              <a:shade val="50000"/>
+            </a:schemeClr>
+          </a:lnRef>
+          <a:fillRef idx="1">
+            <a:schemeClr val="accent1"/>
+          </a:fillRef>
+          <a:effectRef idx="0">
+            <a:schemeClr val="accent1"/>
+          </a:effectRef>
+          <a:fontRef idx="minor">
+            <a:schemeClr val="lt1"/>
+          </a:fontRef>
+        </p:style>
+        <p:txBody>
+          <a:bodyPr rtlCol="0" anchor="ctr"/>
+          <a:lstStyle/>
+          <a:p>
+            <a:pPr algn="ctr"/>
+            <a:endParaRPr lang="de-AT">
+              <a:ln>
+                <a:solidFill>
+                  <a:srgbClr val="FFFF00"/>
+                </a:solidFill>
+              </a:ln>
+              <a:solidFill>
+                <a:srgbClr val="FFFF00"/>
+              </a:solidFill>
+            </a:endParaRPr>
+          </a:p>
+        </p:txBody>
+      </p:sp>
+      <p:sp>
+        <p:nvSpPr>
+          <p:cNvPr id="5" name="Titel 1"/>
+          <p:cNvSpPr>
+            <a:spLocks noGrp="1"/>
+          </p:cNvSpPr>
+          <p:nvPr>
+            <p:ph type="title"/>
+          </p:nvPr>
+        </p:nvSpPr>
+        <p:spPr>
+          <a:xfrm>
+            <a:off x="1331640" y="404664"/>
+            <a:ext cx="7355160" cy="1143000"/>
+          </a:xfrm>
+        </p:spPr>
+        <p:txBody>
+          <a:bodyPr>
+            <a:normAutofit/>
+          </a:bodyPr>
+          <a:lstStyle/>
+          <a:p>
+            <a:r>
+              <a:rPr lang="de-AT" sz="4800" dirty="0" smtClean="0">
+                <a:latin typeface="Agency FB" panose="020B0503020202020204" pitchFamily="34" charset="0"/>
+              </a:rPr>
+              <a:t>QS - </a:t>
+            </a:r>
+            <a:r>
+              <a:rPr lang="de-AT" sz="4800" dirty="0" err="1" smtClean="0">
+                <a:latin typeface="Agency FB" panose="020B0503020202020204" pitchFamily="34" charset="0"/>
+              </a:rPr>
+              <a:t>Sonarqube</a:t>
+            </a:r>
+            <a:endParaRPr lang="de-AT" sz="4800" dirty="0">
+              <a:latin typeface="Agency FB" panose="020B0503020202020204" pitchFamily="34" charset="0"/>
+            </a:endParaRPr>
+          </a:p>
+        </p:txBody>
+      </p:sp>
+      <p:sp>
+        <p:nvSpPr>
+          <p:cNvPr id="3" name="Textfeld 2"/>
+          <p:cNvSpPr txBox="1"/>
+          <p:nvPr/>
+        </p:nvSpPr>
+        <p:spPr>
+          <a:xfrm>
+            <a:off x="1331640" y="1482958"/>
+            <a:ext cx="7211144" cy="584775"/>
+          </a:xfrm>
+          <a:prstGeom prst="rect">
+            <a:avLst/>
+          </a:prstGeom>
+          <a:noFill/>
+        </p:spPr>
+        <p:txBody>
+          <a:bodyPr wrap="square" rtlCol="0">
+            <a:spAutoFit/>
+          </a:bodyPr>
+          <a:lstStyle/>
+          <a:p>
+            <a:r>
+              <a:rPr lang="de-AT" sz="3200" dirty="0" err="1" smtClean="0">
+                <a:latin typeface="Agency FB" panose="020B0503020202020204" pitchFamily="34" charset="0"/>
+              </a:rPr>
+              <a:t>Duplications</a:t>
+            </a:r>
+            <a:endParaRPr lang="de-AT" sz="3200" dirty="0">
+              <a:latin typeface="Agency FB" panose="020B0503020202020204" pitchFamily="34" charset="0"/>
+            </a:endParaRPr>
+          </a:p>
+        </p:txBody>
+      </p:sp>
+      <p:pic>
+        <p:nvPicPr>
+          <p:cNvPr id="6" name="Grafik 5"/>
+          <p:cNvPicPr>
+            <a:picLocks noChangeAspect="1"/>
+          </p:cNvPicPr>
+          <p:nvPr/>
+        </p:nvPicPr>
+        <p:blipFill>
+          <a:blip r:embed="rId3"/>
+          <a:stretch>
+            <a:fillRect/>
+          </a:stretch>
+        </p:blipFill>
+        <p:spPr>
+          <a:xfrm>
+            <a:off x="1573424" y="2128137"/>
+            <a:ext cx="6871592" cy="1756204"/>
+          </a:xfrm>
+          <a:prstGeom prst="rect">
+            <a:avLst/>
+          </a:prstGeom>
+        </p:spPr>
+      </p:pic>
+      <p:pic>
+        <p:nvPicPr>
+          <p:cNvPr id="9" name="Grafik 8"/>
+          <p:cNvPicPr>
+            <a:picLocks noChangeAspect="1"/>
+          </p:cNvPicPr>
+          <p:nvPr/>
+        </p:nvPicPr>
+        <p:blipFill>
+          <a:blip r:embed="rId4"/>
+          <a:stretch>
+            <a:fillRect/>
+          </a:stretch>
+        </p:blipFill>
+        <p:spPr>
+          <a:xfrm>
+            <a:off x="3275856" y="4509120"/>
+            <a:ext cx="5462563" cy="1591176"/>
+          </a:xfrm>
+          <a:prstGeom prst="rect">
+            <a:avLst/>
+          </a:prstGeom>
+        </p:spPr>
+      </p:pic>
+      <p:pic>
+        <p:nvPicPr>
+          <p:cNvPr id="8" name="Grafik 7"/>
+          <p:cNvPicPr>
+            <a:picLocks noChangeAspect="1"/>
+          </p:cNvPicPr>
+          <p:nvPr/>
+        </p:nvPicPr>
+        <p:blipFill>
+          <a:blip r:embed="rId5"/>
+          <a:stretch>
+            <a:fillRect/>
+          </a:stretch>
+        </p:blipFill>
+        <p:spPr>
+          <a:xfrm>
+            <a:off x="1084784" y="5013176"/>
+            <a:ext cx="2381303" cy="750628"/>
+          </a:xfrm>
+          <a:prstGeom prst="rect">
+            <a:avLst/>
+          </a:prstGeom>
+        </p:spPr>
+      </p:pic>
+      <p:sp>
+        <p:nvSpPr>
+          <p:cNvPr id="10" name="Textfeld 9"/>
+          <p:cNvSpPr txBox="1"/>
+          <p:nvPr/>
+        </p:nvSpPr>
+        <p:spPr>
+          <a:xfrm>
+            <a:off x="5148065" y="6100296"/>
+            <a:ext cx="1653672" cy="338554"/>
+          </a:xfrm>
+          <a:prstGeom prst="rect">
+            <a:avLst/>
+          </a:prstGeom>
+          <a:noFill/>
+        </p:spPr>
+        <p:txBody>
+          <a:bodyPr wrap="square" rtlCol="0">
+            <a:spAutoFit/>
+          </a:bodyPr>
+          <a:lstStyle/>
+          <a:p>
+            <a:r>
+              <a:rPr lang="de-AT" sz="1600" b="1" dirty="0" smtClean="0">
+                <a:latin typeface="Agency FB" panose="020B0503020202020204" pitchFamily="34" charset="0"/>
+              </a:rPr>
+              <a:t>% </a:t>
+            </a:r>
+            <a:r>
+              <a:rPr lang="de-AT" sz="1600" b="1" dirty="0" err="1" smtClean="0">
+                <a:latin typeface="Agency FB" panose="020B0503020202020204" pitchFamily="34" charset="0"/>
+              </a:rPr>
+              <a:t>of</a:t>
+            </a:r>
+            <a:r>
+              <a:rPr lang="de-AT" sz="1600" b="1" dirty="0" smtClean="0">
+                <a:latin typeface="Agency FB" panose="020B0503020202020204" pitchFamily="34" charset="0"/>
+              </a:rPr>
+              <a:t> </a:t>
+            </a:r>
+            <a:r>
+              <a:rPr lang="de-AT" sz="1600" b="1" dirty="0" err="1" smtClean="0">
+                <a:latin typeface="Agency FB" panose="020B0503020202020204" pitchFamily="34" charset="0"/>
+              </a:rPr>
+              <a:t>duplicated</a:t>
+            </a:r>
+            <a:r>
+              <a:rPr lang="de-AT" sz="1600" b="1" dirty="0" smtClean="0">
+                <a:latin typeface="Agency FB" panose="020B0503020202020204" pitchFamily="34" charset="0"/>
+              </a:rPr>
+              <a:t> </a:t>
+            </a:r>
+            <a:r>
+              <a:rPr lang="de-AT" sz="1600" b="1" dirty="0" err="1" smtClean="0">
+                <a:latin typeface="Agency FB" panose="020B0503020202020204" pitchFamily="34" charset="0"/>
+              </a:rPr>
+              <a:t>code</a:t>
+            </a:r>
+            <a:endParaRPr lang="de-AT" sz="1600" b="1" dirty="0">
+              <a:latin typeface="Agency FB" panose="020B0503020202020204" pitchFamily="34" charset="0"/>
+            </a:endParaRPr>
+          </a:p>
+        </p:txBody>
+      </p:sp>
+      <p:sp>
+        <p:nvSpPr>
+          <p:cNvPr id="11" name="Textfeld 10"/>
+          <p:cNvSpPr txBox="1"/>
+          <p:nvPr/>
+        </p:nvSpPr>
+        <p:spPr>
+          <a:xfrm>
+            <a:off x="4073116" y="3884341"/>
+            <a:ext cx="1872208" cy="338554"/>
+          </a:xfrm>
+          <a:prstGeom prst="rect">
+            <a:avLst/>
+          </a:prstGeom>
+          <a:noFill/>
+        </p:spPr>
+        <p:txBody>
+          <a:bodyPr wrap="square" rtlCol="0">
+            <a:spAutoFit/>
+          </a:bodyPr>
+          <a:lstStyle/>
+          <a:p>
+            <a:r>
+              <a:rPr lang="de-AT" sz="1600" dirty="0" err="1" smtClean="0">
+                <a:latin typeface="Agency FB" panose="020B0503020202020204" pitchFamily="34" charset="0"/>
+              </a:rPr>
+              <a:t>Duplicated</a:t>
+            </a:r>
+            <a:r>
+              <a:rPr lang="de-AT" sz="1600" dirty="0" smtClean="0">
+                <a:latin typeface="Agency FB" panose="020B0503020202020204" pitchFamily="34" charset="0"/>
+              </a:rPr>
+              <a:t> </a:t>
+            </a:r>
+            <a:r>
+              <a:rPr lang="de-AT" sz="1600" dirty="0" err="1" smtClean="0">
+                <a:latin typeface="Agency FB" panose="020B0503020202020204" pitchFamily="34" charset="0"/>
+              </a:rPr>
+              <a:t>lines</a:t>
+            </a:r>
+            <a:r>
+              <a:rPr lang="de-AT" sz="1600" dirty="0" smtClean="0">
+                <a:latin typeface="Agency FB" panose="020B0503020202020204" pitchFamily="34" charset="0"/>
+              </a:rPr>
+              <a:t> per </a:t>
+            </a:r>
+            <a:r>
+              <a:rPr lang="de-AT" sz="1600" dirty="0" err="1" smtClean="0">
+                <a:latin typeface="Agency FB" panose="020B0503020202020204" pitchFamily="34" charset="0"/>
+              </a:rPr>
+              <a:t>class</a:t>
+            </a:r>
+            <a:endParaRPr lang="de-AT" sz="1600" dirty="0">
+              <a:latin typeface="Agency FB" panose="020B0503020202020204" pitchFamily="34" charset="0"/>
+            </a:endParaRPr>
+          </a:p>
+        </p:txBody>
+      </p:sp>
+    </p:spTree>
+    <p:extLst>
+      <p:ext uri="{BB962C8B-B14F-4D97-AF65-F5344CB8AC3E}">
+        <p14:creationId xmlns:p14="http://schemas.microsoft.com/office/powerpoint/2010/main" val="3383453094"/>
+      </p:ext>
+    </p:extLst>
+  </p:cSld>
+  <p:clrMapOvr>
+    <a:masterClrMapping/>
+  </p:clrMapOvr>
+  <p:timing>
+    <p:tnLst>
+      <p:par>
+        <p:cTn id="1" dur="indefinite" restart="never" nodeType="tmRoot"/>
+      </p:par>
+    </p:tnLst>
+  </p:timing>
+</p:sld>
+</file>
+
+<file path=ppt/slides/slide11.xml><?xml version="1.0" encoding="utf-8"?>
+<p:sld xmlns:a="http://schemas.openxmlformats.org/drawingml/2006/main" xmlns:r="http://schemas.openxmlformats.org/officeDocument/2006/relationships" xmlns:p="http://schemas.openxmlformats.org/presentationml/2006/main">
+  <p:cSld>
+    <p:spTree>
+      <p:nvGrpSpPr>
+        <p:cNvPr id="1" name=""/>
+        <p:cNvGrpSpPr/>
+        <p:nvPr/>
+      </p:nvGrpSpPr>
+      <p:grpSpPr>
+        <a:xfrm>
+          <a:off x="0" y="0"/>
+          <a:ext cx="0" cy="0"/>
+          <a:chOff x="0" y="0"/>
+          <a:chExt cx="0" cy="0"/>
+        </a:xfrm>
+      </p:grpSpPr>
+      <p:sp>
+        <p:nvSpPr>
+          <p:cNvPr id="4" name="Rechteck 3"/>
+          <p:cNvSpPr/>
+          <p:nvPr/>
+        </p:nvSpPr>
+        <p:spPr>
+          <a:xfrm>
+            <a:off x="17666" y="554"/>
+            <a:ext cx="899592" cy="6858000"/>
+          </a:xfrm>
+          <a:prstGeom prst="rect">
+            <a:avLst/>
+          </a:prstGeom>
+          <a:solidFill>
+            <a:srgbClr val="FFC000"/>
+          </a:solidFill>
+          <a:ln>
+            <a:solidFill>
+              <a:srgbClr val="FFC000"/>
+            </a:solidFill>
+          </a:ln>
+        </p:spPr>
+        <p:style>
+          <a:lnRef idx="2">
+            <a:schemeClr val="accent1">
+              <a:shade val="50000"/>
+            </a:schemeClr>
+          </a:lnRef>
+          <a:fillRef idx="1">
+            <a:schemeClr val="accent1"/>
+          </a:fillRef>
+          <a:effectRef idx="0">
+            <a:schemeClr val="accent1"/>
+          </a:effectRef>
+          <a:fontRef idx="minor">
+            <a:schemeClr val="lt1"/>
+          </a:fontRef>
+        </p:style>
+        <p:txBody>
+          <a:bodyPr rtlCol="0" anchor="ctr"/>
+          <a:lstStyle/>
+          <a:p>
+            <a:pPr algn="ctr"/>
+            <a:endParaRPr lang="de-AT">
+              <a:ln>
+                <a:solidFill>
+                  <a:srgbClr val="FFFF00"/>
+                </a:solidFill>
+              </a:ln>
+              <a:solidFill>
+                <a:srgbClr val="FFFF00"/>
+              </a:solidFill>
+            </a:endParaRPr>
+          </a:p>
+        </p:txBody>
+      </p:sp>
+      <p:sp>
+        <p:nvSpPr>
+          <p:cNvPr id="5" name="Titel 1"/>
+          <p:cNvSpPr>
+            <a:spLocks noGrp="1"/>
+          </p:cNvSpPr>
+          <p:nvPr>
+            <p:ph type="title"/>
+          </p:nvPr>
+        </p:nvSpPr>
+        <p:spPr>
+          <a:xfrm>
+            <a:off x="1331640" y="404664"/>
+            <a:ext cx="7355160" cy="1143000"/>
+          </a:xfrm>
+        </p:spPr>
+        <p:txBody>
+          <a:bodyPr>
+            <a:normAutofit/>
+          </a:bodyPr>
+          <a:lstStyle/>
+          <a:p>
+            <a:r>
+              <a:rPr lang="de-AT" sz="4800" dirty="0" smtClean="0">
+                <a:latin typeface="Agency FB" panose="020B0503020202020204" pitchFamily="34" charset="0"/>
+              </a:rPr>
+              <a:t>Aufwand - Kosten</a:t>
+            </a:r>
+            <a:endParaRPr lang="de-AT" sz="4800" dirty="0">
+              <a:latin typeface="Agency FB" panose="020B0503020202020204" pitchFamily="34" charset="0"/>
+            </a:endParaRPr>
+          </a:p>
+        </p:txBody>
+      </p:sp>
+      <p:sp>
+        <p:nvSpPr>
+          <p:cNvPr id="2" name="Textfeld 1"/>
+          <p:cNvSpPr txBox="1"/>
+          <p:nvPr/>
+        </p:nvSpPr>
+        <p:spPr>
+          <a:xfrm>
+            <a:off x="1331640" y="1844824"/>
+            <a:ext cx="7355160" cy="4401205"/>
+          </a:xfrm>
+          <a:prstGeom prst="rect">
+            <a:avLst/>
+          </a:prstGeom>
+          <a:noFill/>
+        </p:spPr>
+        <p:txBody>
+          <a:bodyPr wrap="square" rtlCol="0">
+            <a:spAutoFit/>
+          </a:bodyPr>
+          <a:lstStyle/>
+          <a:p>
+            <a:r>
+              <a:rPr lang="de-AT" sz="3200" dirty="0" smtClean="0">
+                <a:latin typeface="Agency FB" panose="020B0503020202020204" pitchFamily="34" charset="0"/>
+              </a:rPr>
+              <a:t>Entwicklungszeitraum: 6. März 2016 – 21. Juni </a:t>
+            </a:r>
+            <a:r>
+              <a:rPr lang="de-AT" sz="3200" dirty="0" smtClean="0">
+                <a:latin typeface="Agency FB" panose="020B0503020202020204" pitchFamily="34" charset="0"/>
+              </a:rPr>
+              <a:t>2016</a:t>
+            </a:r>
+          </a:p>
+          <a:p>
+            <a:r>
+              <a:rPr lang="de-AT" sz="3200" dirty="0" smtClean="0">
+                <a:latin typeface="Agency FB" panose="020B0503020202020204" pitchFamily="34" charset="0"/>
+              </a:rPr>
+              <a:t>Stundensatz</a:t>
+            </a:r>
+            <a:r>
+              <a:rPr lang="de-AT" sz="3200" dirty="0">
+                <a:latin typeface="Agency FB" panose="020B0503020202020204" pitchFamily="34" charset="0"/>
+              </a:rPr>
+              <a:t>: 120€/h</a:t>
+            </a:r>
+          </a:p>
+          <a:p>
+            <a:endParaRPr lang="de-AT" sz="3200" dirty="0" smtClean="0">
+              <a:latin typeface="Agency FB" panose="020B0503020202020204" pitchFamily="34" charset="0"/>
+            </a:endParaRPr>
+          </a:p>
+          <a:p>
+            <a:pPr marL="285750" indent="-285750">
+              <a:buFont typeface="Arial" panose="020B0604020202020204" pitchFamily="34" charset="0"/>
+              <a:buChar char="•"/>
+            </a:pPr>
+            <a:r>
+              <a:rPr lang="de-AT" sz="3600" dirty="0" smtClean="0">
+                <a:latin typeface="Agency FB" panose="020B0503020202020204" pitchFamily="34" charset="0"/>
+              </a:rPr>
+              <a:t>Geplanter Aufwand: 500h</a:t>
+            </a:r>
+          </a:p>
+          <a:p>
+            <a:pPr marL="285750" indent="-285750">
+              <a:buFont typeface="Arial" panose="020B0604020202020204" pitchFamily="34" charset="0"/>
+              <a:buChar char="•"/>
+            </a:pPr>
+            <a:r>
+              <a:rPr lang="de-AT" sz="3600" dirty="0" smtClean="0">
+                <a:latin typeface="Agency FB" panose="020B0503020202020204" pitchFamily="34" charset="0"/>
+              </a:rPr>
+              <a:t>Geplante Kosten: 60 000€</a:t>
+            </a:r>
+          </a:p>
+          <a:p>
+            <a:pPr marL="285750" indent="-285750">
+              <a:buFont typeface="Arial" panose="020B0604020202020204" pitchFamily="34" charset="0"/>
+              <a:buChar char="•"/>
+            </a:pPr>
+            <a:endParaRPr lang="de-AT" sz="4000" dirty="0">
+              <a:latin typeface="Agency FB" panose="020B0503020202020204" pitchFamily="34" charset="0"/>
+            </a:endParaRPr>
+          </a:p>
+          <a:p>
+            <a:pPr marL="285750" indent="-285750">
+              <a:buFont typeface="Arial" panose="020B0604020202020204" pitchFamily="34" charset="0"/>
+              <a:buChar char="•"/>
+            </a:pPr>
+            <a:r>
+              <a:rPr lang="de-AT" sz="3600" dirty="0" smtClean="0">
+                <a:latin typeface="Agency FB" panose="020B0503020202020204" pitchFamily="34" charset="0"/>
+              </a:rPr>
+              <a:t>Realer Aufwand</a:t>
+            </a:r>
+            <a:r>
+              <a:rPr lang="de-AT" sz="3600" dirty="0" smtClean="0">
+                <a:latin typeface="Agency FB" panose="020B0503020202020204" pitchFamily="34" charset="0"/>
+              </a:rPr>
+              <a:t>: 328h</a:t>
+            </a:r>
+          </a:p>
+          <a:p>
+            <a:pPr marL="285750" indent="-285750">
+              <a:buFont typeface="Arial" panose="020B0604020202020204" pitchFamily="34" charset="0"/>
+              <a:buChar char="•"/>
+            </a:pPr>
+            <a:r>
+              <a:rPr lang="de-AT" sz="3600" dirty="0" smtClean="0">
+                <a:latin typeface="Agency FB" panose="020B0503020202020204" pitchFamily="34" charset="0"/>
+              </a:rPr>
+              <a:t>Reale Kosten</a:t>
+            </a:r>
+            <a:r>
+              <a:rPr lang="de-AT" sz="3600" dirty="0" smtClean="0">
+                <a:latin typeface="Agency FB" panose="020B0503020202020204" pitchFamily="34" charset="0"/>
+              </a:rPr>
+              <a:t>: </a:t>
+            </a:r>
+            <a:r>
+              <a:rPr lang="de-AT" sz="3600" dirty="0" smtClean="0">
+                <a:latin typeface="Agency FB" panose="020B0503020202020204" pitchFamily="34" charset="0"/>
+              </a:rPr>
+              <a:t>39 960</a:t>
+            </a:r>
+            <a:r>
+              <a:rPr lang="de-AT" sz="3600" dirty="0" smtClean="0">
+                <a:latin typeface="Agency FB" panose="020B0503020202020204" pitchFamily="34" charset="0"/>
+              </a:rPr>
+              <a:t>€</a:t>
+            </a:r>
+            <a:endParaRPr lang="de-AT" sz="3600" dirty="0">
+              <a:latin typeface="Agency FB" panose="020B0503020202020204" pitchFamily="34" charset="0"/>
+            </a:endParaRPr>
+          </a:p>
+        </p:txBody>
+      </p:sp>
+    </p:spTree>
+    <p:extLst>
+      <p:ext uri="{BB962C8B-B14F-4D97-AF65-F5344CB8AC3E}">
+        <p14:creationId xmlns:p14="http://schemas.microsoft.com/office/powerpoint/2010/main" val="597199777"/>
+      </p:ext>
+    </p:extLst>
+  </p:cSld>
+  <p:clrMapOvr>
+    <a:masterClrMapping/>
+  </p:clrMapOvr>
+  <p:timing>
+    <p:tnLst>
+      <p:par>
+        <p:cTn id="1" dur="indefinite" restart="never" nodeType="tmRoot"/>
+      </p:par>
+    </p:tnLst>
+  </p:timing>
+</p:sld>
+</file>
+
 <file path=ppt/slides/slide2.xml><?xml version="1.0" encoding="utf-8"?>
 <p:sld xmlns:a="http://schemas.openxmlformats.org/drawingml/2006/main" xmlns:r="http://schemas.openxmlformats.org/officeDocument/2006/relationships" xmlns:p="http://schemas.openxmlformats.org/presentationml/2006/main">
   <p:cSld>
@@ -5618,6 +6422,704 @@
       </p:grpSpPr>
       <p:sp>
         <p:nvSpPr>
+          <p:cNvPr id="2" name="Titel 1"/>
+          <p:cNvSpPr>
+            <a:spLocks noGrp="1"/>
+          </p:cNvSpPr>
+          <p:nvPr>
+            <p:ph type="title"/>
+          </p:nvPr>
+        </p:nvSpPr>
+        <p:spPr>
+          <a:xfrm>
+            <a:off x="2051720" y="274638"/>
+            <a:ext cx="5688632" cy="1143000"/>
+          </a:xfrm>
+        </p:spPr>
+        <p:txBody>
+          <a:bodyPr>
+            <a:normAutofit/>
+          </a:bodyPr>
+          <a:lstStyle/>
+          <a:p>
+            <a:r>
+              <a:rPr lang="de-AT" sz="6000" dirty="0" smtClean="0">
+                <a:latin typeface="Agency FB" panose="020B0503020202020204" pitchFamily="34" charset="0"/>
+              </a:rPr>
+              <a:t>Qualitätssicherung</a:t>
+            </a:r>
+            <a:endParaRPr lang="de-AT" sz="6000" dirty="0">
+              <a:latin typeface="Agency FB" panose="020B0503020202020204" pitchFamily="34" charset="0"/>
+            </a:endParaRPr>
+          </a:p>
+        </p:txBody>
+      </p:sp>
+      <p:sp>
+        <p:nvSpPr>
+          <p:cNvPr id="3" name="Inhaltsplatzhalter 2"/>
+          <p:cNvSpPr>
+            <a:spLocks noGrp="1"/>
+          </p:cNvSpPr>
+          <p:nvPr>
+            <p:ph idx="1"/>
+          </p:nvPr>
+        </p:nvSpPr>
+        <p:spPr>
+          <a:xfrm>
+            <a:off x="1331640" y="1600200"/>
+            <a:ext cx="7344816" cy="4525963"/>
+          </a:xfrm>
+        </p:spPr>
+        <p:txBody>
+          <a:bodyPr>
+            <a:normAutofit/>
+          </a:bodyPr>
+          <a:lstStyle/>
+          <a:p>
+            <a:r>
+              <a:rPr lang="de-AT" sz="3600" dirty="0" smtClean="0">
+                <a:latin typeface="Agency FB" panose="020B0503020202020204" pitchFamily="34" charset="0"/>
+              </a:rPr>
+              <a:t>Unit-Tests + Jenkins</a:t>
+            </a:r>
+          </a:p>
+          <a:p>
+            <a:r>
+              <a:rPr lang="de-AT" sz="3600" dirty="0" err="1" smtClean="0">
+                <a:latin typeface="Agency FB" panose="020B0503020202020204" pitchFamily="34" charset="0"/>
+              </a:rPr>
+              <a:t>Sonarqube</a:t>
+            </a:r>
+            <a:endParaRPr lang="de-AT" sz="3600" dirty="0" smtClean="0">
+              <a:latin typeface="Agency FB" panose="020B0503020202020204" pitchFamily="34" charset="0"/>
+            </a:endParaRPr>
+          </a:p>
+          <a:p>
+            <a:r>
+              <a:rPr lang="de-AT" sz="3600" dirty="0" smtClean="0">
+                <a:latin typeface="Agency FB" panose="020B0503020202020204" pitchFamily="34" charset="0"/>
+              </a:rPr>
+              <a:t>Anwendertests</a:t>
+            </a:r>
+            <a:endParaRPr lang="de-AT" sz="3600" dirty="0">
+              <a:latin typeface="Agency FB" panose="020B0503020202020204" pitchFamily="34" charset="0"/>
+            </a:endParaRPr>
+          </a:p>
+        </p:txBody>
+      </p:sp>
+      <p:sp>
+        <p:nvSpPr>
+          <p:cNvPr id="5" name="Rechteck 4"/>
+          <p:cNvSpPr/>
+          <p:nvPr/>
+        </p:nvSpPr>
+        <p:spPr>
+          <a:xfrm>
+            <a:off x="0" y="0"/>
+            <a:ext cx="899592" cy="6858000"/>
+          </a:xfrm>
+          <a:prstGeom prst="rect">
+            <a:avLst/>
+          </a:prstGeom>
+          <a:solidFill>
+            <a:srgbClr val="FFC000"/>
+          </a:solidFill>
+          <a:ln>
+            <a:solidFill>
+              <a:srgbClr val="FFC000"/>
+            </a:solidFill>
+          </a:ln>
+        </p:spPr>
+        <p:style>
+          <a:lnRef idx="2">
+            <a:schemeClr val="accent1">
+              <a:shade val="50000"/>
+            </a:schemeClr>
+          </a:lnRef>
+          <a:fillRef idx="1">
+            <a:schemeClr val="accent1"/>
+          </a:fillRef>
+          <a:effectRef idx="0">
+            <a:schemeClr val="accent1"/>
+          </a:effectRef>
+          <a:fontRef idx="minor">
+            <a:schemeClr val="lt1"/>
+          </a:fontRef>
+        </p:style>
+        <p:txBody>
+          <a:bodyPr rtlCol="0" anchor="ctr"/>
+          <a:lstStyle/>
+          <a:p>
+            <a:pPr algn="ctr"/>
+            <a:endParaRPr lang="de-AT">
+              <a:ln>
+                <a:solidFill>
+                  <a:srgbClr val="FFFF00"/>
+                </a:solidFill>
+              </a:ln>
+              <a:solidFill>
+                <a:srgbClr val="FFFF00"/>
+              </a:solidFill>
+            </a:endParaRPr>
+          </a:p>
+        </p:txBody>
+      </p:sp>
+      <p:pic>
+        <p:nvPicPr>
+          <p:cNvPr id="6" name="Grafik 5"/>
+          <p:cNvPicPr>
+            <a:picLocks noChangeAspect="1"/>
+          </p:cNvPicPr>
+          <p:nvPr/>
+        </p:nvPicPr>
+        <p:blipFill>
+          <a:blip r:embed="rId2"/>
+          <a:stretch>
+            <a:fillRect/>
+          </a:stretch>
+        </p:blipFill>
+        <p:spPr>
+          <a:xfrm>
+            <a:off x="1331640" y="3645024"/>
+            <a:ext cx="7416824" cy="2823862"/>
+          </a:xfrm>
+          <a:prstGeom prst="rect">
+            <a:avLst/>
+          </a:prstGeom>
+        </p:spPr>
+      </p:pic>
+    </p:spTree>
+    <p:extLst>
+      <p:ext uri="{BB962C8B-B14F-4D97-AF65-F5344CB8AC3E}">
+        <p14:creationId xmlns:p14="http://schemas.microsoft.com/office/powerpoint/2010/main" val="1768521745"/>
+      </p:ext>
+    </p:extLst>
+  </p:cSld>
+  <p:clrMapOvr>
+    <a:masterClrMapping/>
+  </p:clrMapOvr>
+  <p:timing>
+    <p:tnLst>
+      <p:par>
+        <p:cTn id="1" dur="indefinite" restart="never" nodeType="tmRoot">
+          <p:childTnLst>
+            <p:seq concurrent="1" nextAc="seek">
+              <p:cTn id="2" dur="indefinite" nodeType="mainSeq">
+                <p:childTnLst>
+                  <p:par>
+                    <p:cTn id="3" fill="hold">
+                      <p:stCondLst>
+                        <p:cond delay="indefinite"/>
+                      </p:stCondLst>
+                      <p:childTnLst>
+                        <p:par>
+                          <p:cTn id="4" fill="hold">
+                            <p:stCondLst>
+                              <p:cond delay="0"/>
+                            </p:stCondLst>
+                            <p:childTnLst>
+                              <p:par>
+                                <p:cTn id="5" presetID="1" presetClass="entr" presetSubtype="0" fill="hold" nodeType="clickEffect">
+                                  <p:stCondLst>
+                                    <p:cond delay="0"/>
+                                  </p:stCondLst>
+                                  <p:childTnLst>
+                                    <p:set>
+                                      <p:cBhvr>
+                                        <p:cTn id="6" dur="1" fill="hold">
+                                          <p:stCondLst>
+                                            <p:cond delay="0"/>
+                                          </p:stCondLst>
+                                        </p:cTn>
+                                        <p:tgtEl>
+                                          <p:spTgt spid="6"/>
+                                        </p:tgtEl>
+                                        <p:attrNameLst>
+                                          <p:attrName>style.visibility</p:attrName>
+                                        </p:attrNameLst>
+                                      </p:cBhvr>
+                                      <p:to>
+                                        <p:strVal val="visible"/>
+                                      </p:to>
+                                    </p:set>
+                                  </p:childTnLst>
+                                </p:cTn>
+                              </p:par>
+                            </p:childTnLst>
+                          </p:cTn>
+                        </p:par>
+                      </p:childTnLst>
+                    </p:cTn>
+                  </p:par>
+                  <p:par>
+                    <p:cTn id="7" fill="hold">
+                      <p:stCondLst>
+                        <p:cond delay="indefinite"/>
+                      </p:stCondLst>
+                      <p:childTnLst>
+                        <p:par>
+                          <p:cTn id="8" fill="hold">
+                            <p:stCondLst>
+                              <p:cond delay="0"/>
+                            </p:stCondLst>
+                            <p:childTnLst>
+                              <p:par>
+                                <p:cTn id="9" presetID="1" presetClass="exit" presetSubtype="0" fill="hold" nodeType="clickEffect">
+                                  <p:stCondLst>
+                                    <p:cond delay="0"/>
+                                  </p:stCondLst>
+                                  <p:childTnLst>
+                                    <p:set>
+                                      <p:cBhvr>
+                                        <p:cTn id="10" dur="1" fill="hold">
+                                          <p:stCondLst>
+                                            <p:cond delay="0"/>
+                                          </p:stCondLst>
+                                        </p:cTn>
+                                        <p:tgtEl>
+                                          <p:spTgt spid="6"/>
+                                        </p:tgtEl>
+                                        <p:attrNameLst>
+                                          <p:attrName>style.visibility</p:attrName>
+                                        </p:attrNameLst>
+                                      </p:cBhvr>
+                                      <p:to>
+                                        <p:strVal val="hidden"/>
+                                      </p:to>
+                                    </p:set>
+                                  </p:childTnLst>
+                                </p:cTn>
+                              </p:par>
+                            </p:childTnLst>
+                          </p:cTn>
+                        </p:par>
+                      </p:childTnLst>
+                    </p:cTn>
+                  </p:par>
+                </p:childTnLst>
+              </p:cTn>
+              <p:prevCondLst>
+                <p:cond evt="onPrev" delay="0">
+                  <p:tgtEl>
+                    <p:sldTgt/>
+                  </p:tgtEl>
+                </p:cond>
+              </p:prevCondLst>
+              <p:nextCondLst>
+                <p:cond evt="onNext" delay="0">
+                  <p:tgtEl>
+                    <p:sldTgt/>
+                  </p:tgtEl>
+                </p:cond>
+              </p:nextCondLst>
+            </p:seq>
+          </p:childTnLst>
+        </p:cTn>
+      </p:par>
+    </p:tnLst>
+  </p:timing>
+</p:sld>
+</file>
+
+<file path=ppt/slides/slide6.xml><?xml version="1.0" encoding="utf-8"?>
+<p:sld xmlns:a="http://schemas.openxmlformats.org/drawingml/2006/main" xmlns:r="http://schemas.openxmlformats.org/officeDocument/2006/relationships" xmlns:p="http://schemas.openxmlformats.org/presentationml/2006/main">
+  <p:cSld>
+    <p:spTree>
+      <p:nvGrpSpPr>
+        <p:cNvPr id="1" name=""/>
+        <p:cNvGrpSpPr/>
+        <p:nvPr/>
+      </p:nvGrpSpPr>
+      <p:grpSpPr>
+        <a:xfrm>
+          <a:off x="0" y="0"/>
+          <a:ext cx="0" cy="0"/>
+          <a:chOff x="0" y="0"/>
+          <a:chExt cx="0" cy="0"/>
+        </a:xfrm>
+      </p:grpSpPr>
+      <p:pic>
+        <p:nvPicPr>
+          <p:cNvPr id="3075" name="Picture 3" descr="http://images.slideplayer.com/25/7966201/slides/slide_2.jpg"/>
+          <p:cNvPicPr>
+            <a:picLocks noChangeAspect="1" noChangeArrowheads="1"/>
+          </p:cNvPicPr>
+          <p:nvPr/>
+        </p:nvPicPr>
+        <p:blipFill rotWithShape="1">
+          <a:blip r:embed="rId3">
+            <a:extLst>
+              <a:ext uri="{28A0092B-C50C-407E-A947-70E740481C1C}">
+                <a14:useLocalDpi xmlns:a14="http://schemas.microsoft.com/office/drawing/2010/main" val="0"/>
+              </a:ext>
+            </a:extLst>
+          </a:blip>
+          <a:srcRect l="6730" t="3531" r="5871" b="7010"/>
+          <a:stretch/>
+        </p:blipFill>
+        <p:spPr bwMode="auto">
+          <a:xfrm>
+            <a:off x="611560" y="692696"/>
+            <a:ext cx="7128792" cy="5472608"/>
+          </a:xfrm>
+          <a:prstGeom prst="rect">
+            <a:avLst/>
+          </a:prstGeom>
+          <a:noFill/>
+          <a:extLst>
+            <a:ext uri="{909E8E84-426E-40DD-AFC4-6F175D3DCCD1}">
+              <a14:hiddenFill xmlns:a14="http://schemas.microsoft.com/office/drawing/2010/main">
+                <a:solidFill>
+                  <a:srgbClr val="FFFFFF"/>
+                </a:solidFill>
+              </a14:hiddenFill>
+            </a:ext>
+          </a:extLst>
+        </p:spPr>
+      </p:pic>
+      <p:sp>
+        <p:nvSpPr>
+          <p:cNvPr id="5" name="Rechteck 4"/>
+          <p:cNvSpPr/>
+          <p:nvPr/>
+        </p:nvSpPr>
+        <p:spPr>
+          <a:xfrm>
+            <a:off x="8244408" y="0"/>
+            <a:ext cx="899592" cy="6858000"/>
+          </a:xfrm>
+          <a:prstGeom prst="rect">
+            <a:avLst/>
+          </a:prstGeom>
+          <a:solidFill>
+            <a:srgbClr val="FFC000"/>
+          </a:solidFill>
+          <a:ln>
+            <a:solidFill>
+              <a:srgbClr val="FFC000"/>
+            </a:solidFill>
+          </a:ln>
+        </p:spPr>
+        <p:style>
+          <a:lnRef idx="2">
+            <a:schemeClr val="accent1">
+              <a:shade val="50000"/>
+            </a:schemeClr>
+          </a:lnRef>
+          <a:fillRef idx="1">
+            <a:schemeClr val="accent1"/>
+          </a:fillRef>
+          <a:effectRef idx="0">
+            <a:schemeClr val="accent1"/>
+          </a:effectRef>
+          <a:fontRef idx="minor">
+            <a:schemeClr val="lt1"/>
+          </a:fontRef>
+        </p:style>
+        <p:txBody>
+          <a:bodyPr rtlCol="0" anchor="ctr"/>
+          <a:lstStyle/>
+          <a:p>
+            <a:pPr algn="ctr"/>
+            <a:endParaRPr lang="de-AT">
+              <a:ln>
+                <a:solidFill>
+                  <a:srgbClr val="FFFF00"/>
+                </a:solidFill>
+              </a:ln>
+              <a:solidFill>
+                <a:srgbClr val="FFFF00"/>
+              </a:solidFill>
+            </a:endParaRPr>
+          </a:p>
+        </p:txBody>
+      </p:sp>
+    </p:spTree>
+    <p:extLst>
+      <p:ext uri="{BB962C8B-B14F-4D97-AF65-F5344CB8AC3E}">
+        <p14:creationId xmlns:p14="http://schemas.microsoft.com/office/powerpoint/2010/main" val="2367232157"/>
+      </p:ext>
+    </p:extLst>
+  </p:cSld>
+  <p:clrMapOvr>
+    <a:masterClrMapping/>
+  </p:clrMapOvr>
+  <p:timing>
+    <p:tnLst>
+      <p:par>
+        <p:cTn id="1" dur="indefinite" restart="never" nodeType="tmRoot"/>
+      </p:par>
+    </p:tnLst>
+  </p:timing>
+</p:sld>
+</file>
+
+<file path=ppt/slides/slide7.xml><?xml version="1.0" encoding="utf-8"?>
+<p:sld xmlns:a="http://schemas.openxmlformats.org/drawingml/2006/main" xmlns:r="http://schemas.openxmlformats.org/officeDocument/2006/relationships" xmlns:p="http://schemas.openxmlformats.org/presentationml/2006/main">
+  <p:cSld>
+    <p:spTree>
+      <p:nvGrpSpPr>
+        <p:cNvPr id="1" name=""/>
+        <p:cNvGrpSpPr/>
+        <p:nvPr/>
+      </p:nvGrpSpPr>
+      <p:grpSpPr>
+        <a:xfrm>
+          <a:off x="0" y="0"/>
+          <a:ext cx="0" cy="0"/>
+          <a:chOff x="0" y="0"/>
+          <a:chExt cx="0" cy="0"/>
+        </a:xfrm>
+      </p:grpSpPr>
+      <p:sp>
+        <p:nvSpPr>
+          <p:cNvPr id="7" name="Rechteck 6"/>
+          <p:cNvSpPr/>
+          <p:nvPr/>
+        </p:nvSpPr>
+        <p:spPr>
+          <a:xfrm>
+            <a:off x="7404" y="0"/>
+            <a:ext cx="899592" cy="6858000"/>
+          </a:xfrm>
+          <a:prstGeom prst="rect">
+            <a:avLst/>
+          </a:prstGeom>
+          <a:solidFill>
+            <a:srgbClr val="FFC000"/>
+          </a:solidFill>
+          <a:ln>
+            <a:solidFill>
+              <a:srgbClr val="FFC000"/>
+            </a:solidFill>
+          </a:ln>
+        </p:spPr>
+        <p:style>
+          <a:lnRef idx="2">
+            <a:schemeClr val="accent1">
+              <a:shade val="50000"/>
+            </a:schemeClr>
+          </a:lnRef>
+          <a:fillRef idx="1">
+            <a:schemeClr val="accent1"/>
+          </a:fillRef>
+          <a:effectRef idx="0">
+            <a:schemeClr val="accent1"/>
+          </a:effectRef>
+          <a:fontRef idx="minor">
+            <a:schemeClr val="lt1"/>
+          </a:fontRef>
+        </p:style>
+        <p:txBody>
+          <a:bodyPr rtlCol="0" anchor="ctr"/>
+          <a:lstStyle/>
+          <a:p>
+            <a:pPr algn="ctr"/>
+            <a:endParaRPr lang="de-AT">
+              <a:ln>
+                <a:solidFill>
+                  <a:srgbClr val="FFFF00"/>
+                </a:solidFill>
+              </a:ln>
+              <a:solidFill>
+                <a:srgbClr val="FFFF00"/>
+              </a:solidFill>
+            </a:endParaRPr>
+          </a:p>
+        </p:txBody>
+      </p:sp>
+      <p:pic>
+        <p:nvPicPr>
+          <p:cNvPr id="1026" name="Picture 2" descr="http://www.qrcode-generator.de/phpqrcode/getCode.php?cht=qr&amp;chl=www.medien-labor.at%2FMalefiz.apk&amp;chs=180x180&amp;choe=UTF-8&amp;chld=L%7C0"/>
+          <p:cNvPicPr>
+            <a:picLocks noGrp="1" noChangeAspect="1" noChangeArrowheads="1"/>
+          </p:cNvPicPr>
+          <p:nvPr>
+            <p:ph idx="1"/>
+          </p:nvPr>
+        </p:nvPicPr>
+        <p:blipFill rotWithShape="1">
+          <a:blip r:embed="rId3">
+            <a:extLst>
+              <a:ext uri="{28A0092B-C50C-407E-A947-70E740481C1C}">
+                <a14:useLocalDpi xmlns:a14="http://schemas.microsoft.com/office/drawing/2010/main" val="0"/>
+              </a:ext>
+            </a:extLst>
+          </a:blip>
+          <a:srcRect l="8781" t="9163" r="8748" b="10656"/>
+          <a:stretch/>
+        </p:blipFill>
+        <p:spPr bwMode="auto">
+          <a:xfrm>
+            <a:off x="3419872" y="2492896"/>
+            <a:ext cx="3456384" cy="3360372"/>
+          </a:xfrm>
+          <a:prstGeom prst="rect">
+            <a:avLst/>
+          </a:prstGeom>
+          <a:noFill/>
+          <a:extLst>
+            <a:ext uri="{909E8E84-426E-40DD-AFC4-6F175D3DCCD1}">
+              <a14:hiddenFill xmlns:a14="http://schemas.microsoft.com/office/drawing/2010/main">
+                <a:solidFill>
+                  <a:srgbClr val="FFFFFF"/>
+                </a:solidFill>
+              </a14:hiddenFill>
+            </a:ext>
+          </a:extLst>
+        </p:spPr>
+      </p:pic>
+      <p:sp>
+        <p:nvSpPr>
+          <p:cNvPr id="10" name="Textfeld 9"/>
+          <p:cNvSpPr txBox="1"/>
+          <p:nvPr/>
+        </p:nvSpPr>
+        <p:spPr>
+          <a:xfrm>
+            <a:off x="2807297" y="5831921"/>
+            <a:ext cx="4680520" cy="646331"/>
+          </a:xfrm>
+          <a:prstGeom prst="rect">
+            <a:avLst/>
+          </a:prstGeom>
+          <a:noFill/>
+        </p:spPr>
+        <p:txBody>
+          <a:bodyPr wrap="square" rtlCol="0">
+            <a:spAutoFit/>
+          </a:bodyPr>
+          <a:lstStyle/>
+          <a:p>
+            <a:pPr algn="ctr"/>
+            <a:r>
+              <a:rPr lang="de-AT" sz="3600" dirty="0">
+                <a:latin typeface="Agency FB" panose="020B0503020202020204" pitchFamily="34" charset="0"/>
+              </a:rPr>
+              <a:t>m</a:t>
+            </a:r>
+            <a:r>
+              <a:rPr lang="de-AT" sz="3600" dirty="0" smtClean="0">
+                <a:latin typeface="Agency FB" panose="020B0503020202020204" pitchFamily="34" charset="0"/>
+              </a:rPr>
+              <a:t>edien-labor.at/</a:t>
+            </a:r>
+            <a:r>
+              <a:rPr lang="de-AT" sz="3600" dirty="0" err="1" smtClean="0">
+                <a:latin typeface="Agency FB" panose="020B0503020202020204" pitchFamily="34" charset="0"/>
+              </a:rPr>
+              <a:t>Malefiz.apk</a:t>
+            </a:r>
+            <a:endParaRPr lang="de-AT" sz="3600" dirty="0">
+              <a:latin typeface="Agency FB" panose="020B0503020202020204" pitchFamily="34" charset="0"/>
+            </a:endParaRPr>
+          </a:p>
+        </p:txBody>
+      </p:sp>
+      <p:pic>
+        <p:nvPicPr>
+          <p:cNvPr id="5" name="Grafik 4"/>
+          <p:cNvPicPr>
+            <a:picLocks noChangeAspect="1"/>
+          </p:cNvPicPr>
+          <p:nvPr/>
+        </p:nvPicPr>
+        <p:blipFill>
+          <a:blip r:embed="rId4" cstate="print">
+            <a:extLst>
+              <a:ext uri="{28A0092B-C50C-407E-A947-70E740481C1C}">
+                <a14:useLocalDpi xmlns:a14="http://schemas.microsoft.com/office/drawing/2010/main" val="0"/>
+              </a:ext>
+            </a:extLst>
+          </a:blip>
+          <a:stretch>
+            <a:fillRect/>
+          </a:stretch>
+        </p:blipFill>
+        <p:spPr>
+          <a:xfrm>
+            <a:off x="3275349" y="332656"/>
+            <a:ext cx="3744415" cy="1872208"/>
+          </a:xfrm>
+          <a:prstGeom prst="rect">
+            <a:avLst/>
+          </a:prstGeom>
+        </p:spPr>
+      </p:pic>
+      <p:sp>
+        <p:nvSpPr>
+          <p:cNvPr id="4" name="Textfeld 3"/>
+          <p:cNvSpPr txBox="1"/>
+          <p:nvPr/>
+        </p:nvSpPr>
+        <p:spPr>
+          <a:xfrm>
+            <a:off x="129770" y="222618"/>
+            <a:ext cx="654859" cy="6255634"/>
+          </a:xfrm>
+          <a:prstGeom prst="rect">
+            <a:avLst/>
+          </a:prstGeom>
+          <a:noFill/>
+        </p:spPr>
+        <p:txBody>
+          <a:bodyPr vert="wordArtVert" wrap="square" rtlCol="0">
+            <a:spAutoFit/>
+          </a:bodyPr>
+          <a:lstStyle/>
+          <a:p>
+            <a:pPr algn="ctr"/>
+            <a:r>
+              <a:rPr lang="de-AT" sz="2800" dirty="0" smtClean="0">
+                <a:latin typeface="Agency FB" panose="020B0503020202020204" pitchFamily="34" charset="0"/>
+              </a:rPr>
+              <a:t>DOWNLOAD NOW!</a:t>
+            </a:r>
+            <a:endParaRPr lang="de-AT" sz="2800" dirty="0">
+              <a:latin typeface="Agency FB" panose="020B0503020202020204" pitchFamily="34" charset="0"/>
+            </a:endParaRPr>
+          </a:p>
+        </p:txBody>
+      </p:sp>
+    </p:spTree>
+    <p:extLst>
+      <p:ext uri="{BB962C8B-B14F-4D97-AF65-F5344CB8AC3E}">
+        <p14:creationId xmlns:p14="http://schemas.microsoft.com/office/powerpoint/2010/main" val="3339401647"/>
+      </p:ext>
+    </p:extLst>
+  </p:cSld>
+  <p:clrMapOvr>
+    <a:masterClrMapping/>
+  </p:clrMapOvr>
+  <p:timing>
+    <p:tnLst>
+      <p:par>
+        <p:cTn id="1" dur="indefinite" restart="never" nodeType="tmRoot"/>
+      </p:par>
+    </p:tnLst>
+  </p:timing>
+</p:sld>
+</file>
+
+<file path=ppt/slides/slide8.xml><?xml version="1.0" encoding="utf-8"?>
+<p:sld xmlns:a="http://schemas.openxmlformats.org/drawingml/2006/main" xmlns:r="http://schemas.openxmlformats.org/officeDocument/2006/relationships" xmlns:p="http://schemas.openxmlformats.org/presentationml/2006/main">
+  <p:cSld>
+    <p:spTree>
+      <p:nvGrpSpPr>
+        <p:cNvPr id="1" name=""/>
+        <p:cNvGrpSpPr/>
+        <p:nvPr/>
+      </p:nvGrpSpPr>
+      <p:grpSpPr>
+        <a:xfrm>
+          <a:off x="0" y="0"/>
+          <a:ext cx="0" cy="0"/>
+          <a:chOff x="0" y="0"/>
+          <a:chExt cx="0" cy="0"/>
+        </a:xfrm>
+      </p:grpSpPr>
+      <p:sp>
+        <p:nvSpPr>
           <p:cNvPr id="4" name="Rechteck 3"/>
           <p:cNvSpPr/>
           <p:nvPr/>
@@ -5673,447 +7175,300 @@
           </a:p>
         </p:txBody>
       </p:sp>
-      <p:pic>
-        <p:nvPicPr>
-          <p:cNvPr id="3075" name="Picture 3" descr="http://images.slideplayer.com/25/7966201/slides/slide_2.jpg"/>
-          <p:cNvPicPr>
-            <a:picLocks noChangeAspect="1" noChangeArrowheads="1"/>
-          </p:cNvPicPr>
+      <p:sp>
+        <p:nvSpPr>
+          <p:cNvPr id="5" name="Titel 1"/>
+          <p:cNvSpPr>
+            <a:spLocks noGrp="1"/>
+          </p:cNvSpPr>
+          <p:nvPr>
+            <p:ph type="title"/>
+          </p:nvPr>
+        </p:nvSpPr>
+        <p:spPr>
+          <a:xfrm>
+            <a:off x="1331640" y="404664"/>
+            <a:ext cx="7355160" cy="1143000"/>
+          </a:xfrm>
+        </p:spPr>
+        <p:txBody>
+          <a:bodyPr>
+            <a:normAutofit/>
+          </a:bodyPr>
+          <a:lstStyle/>
+          <a:p>
+            <a:r>
+              <a:rPr lang="de-AT" sz="4800" dirty="0" smtClean="0">
+                <a:latin typeface="Agency FB" panose="020B0503020202020204" pitchFamily="34" charset="0"/>
+              </a:rPr>
+              <a:t>QS - </a:t>
+            </a:r>
+            <a:r>
+              <a:rPr lang="de-AT" sz="4800" dirty="0" err="1" smtClean="0">
+                <a:latin typeface="Agency FB" panose="020B0503020202020204" pitchFamily="34" charset="0"/>
+              </a:rPr>
+              <a:t>Sonarqube</a:t>
+            </a:r>
+            <a:endParaRPr lang="de-AT" sz="4800" dirty="0">
+              <a:latin typeface="Agency FB" panose="020B0503020202020204" pitchFamily="34" charset="0"/>
+            </a:endParaRPr>
+          </a:p>
+        </p:txBody>
+      </p:sp>
+      <p:sp>
+        <p:nvSpPr>
+          <p:cNvPr id="3" name="Textfeld 2"/>
+          <p:cNvSpPr txBox="1"/>
           <p:nvPr/>
-        </p:nvPicPr>
-        <p:blipFill rotWithShape="1">
-          <a:blip r:embed="rId3">
-            <a:extLst>
-              <a:ext uri="{28A0092B-C50C-407E-A947-70E740481C1C}">
-                <a14:useLocalDpi xmlns:a14="http://schemas.microsoft.com/office/drawing/2010/main" val="0"/>
-              </a:ext>
-            </a:extLst>
-          </a:blip>
-          <a:srcRect l="6730" t="3531" r="5871" b="7010"/>
-          <a:stretch/>
-        </p:blipFill>
-        <p:spPr bwMode="auto">
+        </p:nvSpPr>
+        <p:spPr>
           <a:xfrm>
-            <a:off x="1522782" y="620688"/>
-            <a:ext cx="7128792" cy="5472608"/>
+            <a:off x="1331640" y="1482958"/>
+            <a:ext cx="7211144" cy="584775"/>
           </a:xfrm>
           <a:prstGeom prst="rect">
             <a:avLst/>
           </a:prstGeom>
           <a:noFill/>
-          <a:extLst>
-            <a:ext uri="{909E8E84-426E-40DD-AFC4-6F175D3DCCD1}">
-              <a14:hiddenFill xmlns:a14="http://schemas.microsoft.com/office/drawing/2010/main">
-                <a:solidFill>
-                  <a:srgbClr val="FFFFFF"/>
-                </a:solidFill>
-              </a14:hiddenFill>
-            </a:ext>
-          </a:extLst>
         </p:spPr>
-      </p:pic>
-    </p:spTree>
-    <p:extLst>
-      <p:ext uri="{BB962C8B-B14F-4D97-AF65-F5344CB8AC3E}">
-        <p14:creationId xmlns:p14="http://schemas.microsoft.com/office/powerpoint/2010/main" val="2367232157"/>
-      </p:ext>
-    </p:extLst>
-  </p:cSld>
-  <p:clrMapOvr>
-    <a:masterClrMapping/>
-  </p:clrMapOvr>
-  <p:timing>
-    <p:tnLst>
-      <p:par>
-        <p:cTn id="1" dur="indefinite" restart="never" nodeType="tmRoot"/>
-      </p:par>
-    </p:tnLst>
-  </p:timing>
-</p:sld>
-</file>
-
-<file path=ppt/slides/slide6.xml><?xml version="1.0" encoding="utf-8"?>
-<p:sld xmlns:a="http://schemas.openxmlformats.org/drawingml/2006/main" xmlns:r="http://schemas.openxmlformats.org/officeDocument/2006/relationships" xmlns:p="http://schemas.openxmlformats.org/presentationml/2006/main">
-  <p:cSld>
-    <p:spTree>
-      <p:nvGrpSpPr>
-        <p:cNvPr id="1" name=""/>
-        <p:cNvGrpSpPr/>
-        <p:nvPr/>
-      </p:nvGrpSpPr>
-      <p:grpSpPr>
-        <a:xfrm>
-          <a:off x="0" y="0"/>
-          <a:ext cx="0" cy="0"/>
-          <a:chOff x="0" y="0"/>
-          <a:chExt cx="0" cy="0"/>
-        </a:xfrm>
-      </p:grpSpPr>
-      <p:sp>
-        <p:nvSpPr>
-          <p:cNvPr id="2" name="Titel 1"/>
-          <p:cNvSpPr>
-            <a:spLocks noGrp="1"/>
-          </p:cNvSpPr>
-          <p:nvPr>
-            <p:ph type="title"/>
-          </p:nvPr>
-        </p:nvSpPr>
-        <p:spPr/>
-        <p:txBody>
-          <a:bodyPr>
-            <a:normAutofit/>
+        <p:txBody>
+          <a:bodyPr wrap="square" rtlCol="0">
+            <a:spAutoFit/>
           </a:bodyPr>
           <a:lstStyle/>
           <a:p>
             <a:r>
-              <a:rPr lang="de-AT" sz="6000" dirty="0" smtClean="0">
-                <a:latin typeface="Agency FB" panose="020B0503020202020204" pitchFamily="34" charset="0"/>
-              </a:rPr>
-              <a:t>Qualitätssicherung</a:t>
-            </a:r>
-            <a:endParaRPr lang="de-AT" sz="6000" dirty="0">
+              <a:rPr lang="de-AT" sz="3200" dirty="0" err="1" smtClean="0">
+                <a:latin typeface="Agency FB" panose="020B0503020202020204" pitchFamily="34" charset="0"/>
+              </a:rPr>
+              <a:t>Structure</a:t>
+            </a:r>
+            <a:endParaRPr lang="de-AT" sz="3200" dirty="0">
               <a:latin typeface="Agency FB" panose="020B0503020202020204" pitchFamily="34" charset="0"/>
             </a:endParaRPr>
           </a:p>
         </p:txBody>
       </p:sp>
-      <p:sp>
-        <p:nvSpPr>
-          <p:cNvPr id="3" name="Inhaltsplatzhalter 2"/>
-          <p:cNvSpPr>
-            <a:spLocks noGrp="1"/>
-          </p:cNvSpPr>
-          <p:nvPr>
-            <p:ph idx="1"/>
-          </p:nvPr>
-        </p:nvSpPr>
-        <p:spPr/>
-        <p:txBody>
-          <a:bodyPr/>
-          <a:lstStyle/>
-          <a:p>
-            <a:pPr marL="0" indent="0">
-              <a:buNone/>
-            </a:pPr>
-            <a:endParaRPr lang="de-AT" dirty="0"/>
-          </a:p>
-        </p:txBody>
-      </p:sp>
-    </p:spTree>
-    <p:extLst>
-      <p:ext uri="{BB962C8B-B14F-4D97-AF65-F5344CB8AC3E}">
-        <p14:creationId xmlns:p14="http://schemas.microsoft.com/office/powerpoint/2010/main" val="1768521745"/>
-      </p:ext>
-    </p:extLst>
-  </p:cSld>
-  <p:clrMapOvr>
-    <a:masterClrMapping/>
-  </p:clrMapOvr>
-  <p:timing>
-    <p:tnLst>
-      <p:par>
-        <p:cTn id="1" dur="indefinite" restart="never" nodeType="tmRoot"/>
-      </p:par>
-    </p:tnLst>
-  </p:timing>
-</p:sld>
-</file>
-
-<file path=ppt/slides/slide7.xml><?xml version="1.0" encoding="utf-8"?>
-<p:sld xmlns:a="http://schemas.openxmlformats.org/drawingml/2006/main" xmlns:r="http://schemas.openxmlformats.org/officeDocument/2006/relationships" xmlns:p="http://schemas.openxmlformats.org/presentationml/2006/main">
-  <p:cSld>
-    <p:spTree>
-      <p:nvGrpSpPr>
-        <p:cNvPr id="1" name=""/>
-        <p:cNvGrpSpPr/>
-        <p:nvPr/>
-      </p:nvGrpSpPr>
-      <p:grpSpPr>
-        <a:xfrm>
-          <a:off x="0" y="0"/>
-          <a:ext cx="0" cy="0"/>
-          <a:chOff x="0" y="0"/>
-          <a:chExt cx="0" cy="0"/>
-        </a:xfrm>
-      </p:grpSpPr>
-      <p:sp>
-        <p:nvSpPr>
-          <p:cNvPr id="2" name="Titel 1"/>
-          <p:cNvSpPr>
-            <a:spLocks noGrp="1"/>
-          </p:cNvSpPr>
-          <p:nvPr>
-            <p:ph type="title"/>
-          </p:nvPr>
-        </p:nvSpPr>
-        <p:spPr>
-          <a:xfrm>
-            <a:off x="457200" y="274638"/>
-            <a:ext cx="7355160" cy="1143000"/>
-          </a:xfrm>
-        </p:spPr>
-        <p:txBody>
-          <a:bodyPr>
-            <a:normAutofit/>
-          </a:bodyPr>
-          <a:lstStyle/>
-          <a:p>
-            <a:r>
-              <a:rPr lang="de-AT" sz="6000" dirty="0" smtClean="0">
-                <a:latin typeface="Agency FB" panose="020B0503020202020204" pitchFamily="34" charset="0"/>
-              </a:rPr>
-              <a:t>QS - </a:t>
-            </a:r>
-            <a:r>
-              <a:rPr lang="de-AT" sz="6000" dirty="0" err="1" smtClean="0">
-                <a:latin typeface="Agency FB" panose="020B0503020202020204" pitchFamily="34" charset="0"/>
-              </a:rPr>
-              <a:t>Sonarqube</a:t>
-            </a:r>
-            <a:endParaRPr lang="de-AT" sz="6000" dirty="0">
-              <a:latin typeface="Agency FB" panose="020B0503020202020204" pitchFamily="34" charset="0"/>
-            </a:endParaRPr>
-          </a:p>
-        </p:txBody>
-      </p:sp>
-      <p:sp>
-        <p:nvSpPr>
-          <p:cNvPr id="4" name="Rechteck 3"/>
-          <p:cNvSpPr/>
-          <p:nvPr/>
-        </p:nvSpPr>
-        <p:spPr>
-          <a:xfrm>
-            <a:off x="8231940" y="0"/>
-            <a:ext cx="899592" cy="6858000"/>
-          </a:xfrm>
-          <a:prstGeom prst="rect">
-            <a:avLst/>
-          </a:prstGeom>
-          <a:solidFill>
-            <a:srgbClr val="FFC000"/>
-          </a:solidFill>
-          <a:ln>
-            <a:solidFill>
-              <a:srgbClr val="FFC000"/>
-            </a:solidFill>
-          </a:ln>
-        </p:spPr>
-        <p:style>
-          <a:lnRef idx="2">
-            <a:schemeClr val="accent1">
-              <a:shade val="50000"/>
-            </a:schemeClr>
-          </a:lnRef>
-          <a:fillRef idx="1">
-            <a:schemeClr val="accent1"/>
-          </a:fillRef>
-          <a:effectRef idx="0">
-            <a:schemeClr val="accent1"/>
-          </a:effectRef>
-          <a:fontRef idx="minor">
-            <a:schemeClr val="lt1"/>
-          </a:fontRef>
-        </p:style>
-        <p:txBody>
-          <a:bodyPr rtlCol="0" anchor="ctr"/>
-          <a:lstStyle/>
-          <a:p>
-            <a:pPr algn="ctr"/>
-            <a:endParaRPr lang="de-AT">
-              <a:ln>
-                <a:solidFill>
-                  <a:srgbClr val="FFFF00"/>
-                </a:solidFill>
-              </a:ln>
-              <a:solidFill>
-                <a:srgbClr val="FFFF00"/>
-              </a:solidFill>
-            </a:endParaRPr>
-          </a:p>
-        </p:txBody>
-      </p:sp>
       <p:pic>
         <p:nvPicPr>
-          <p:cNvPr id="6" name="Grafik 5"/>
+          <p:cNvPr id="8" name="Grafik 7"/>
           <p:cNvPicPr>
             <a:picLocks noChangeAspect="1"/>
           </p:cNvPicPr>
           <p:nvPr/>
         </p:nvPicPr>
-        <p:blipFill rotWithShape="1">
+        <p:blipFill>
           <a:blip r:embed="rId3"/>
-          <a:srcRect l="50394" t="17240" r="782" b="3380"/>
-          <a:stretch/>
+          <a:stretch>
+            <a:fillRect/>
+          </a:stretch>
         </p:blipFill>
         <p:spPr>
           <a:xfrm>
-            <a:off x="346589" y="1988840"/>
-            <a:ext cx="7576382" cy="3849291"/>
+            <a:off x="1409349" y="2354100"/>
+            <a:ext cx="3686247" cy="1929184"/>
           </a:xfrm>
           <a:prstGeom prst="rect">
             <a:avLst/>
           </a:prstGeom>
         </p:spPr>
       </p:pic>
-    </p:spTree>
-    <p:extLst>
-      <p:ext uri="{BB962C8B-B14F-4D97-AF65-F5344CB8AC3E}">
-        <p14:creationId xmlns:p14="http://schemas.microsoft.com/office/powerpoint/2010/main" val="1264383079"/>
-      </p:ext>
-    </p:extLst>
-  </p:cSld>
-  <p:clrMapOvr>
-    <a:masterClrMapping/>
-  </p:clrMapOvr>
-  <p:timing>
-    <p:tnLst>
-      <p:par>
-        <p:cTn id="1" dur="indefinite" restart="never" nodeType="tmRoot"/>
-      </p:par>
-    </p:tnLst>
-  </p:timing>
-</p:sld>
-</file>
-
-<file path=ppt/slides/slide8.xml><?xml version="1.0" encoding="utf-8"?>
-<p:sld xmlns:a="http://schemas.openxmlformats.org/drawingml/2006/main" xmlns:r="http://schemas.openxmlformats.org/officeDocument/2006/relationships" xmlns:p="http://schemas.openxmlformats.org/presentationml/2006/main">
-  <p:cSld>
-    <p:spTree>
-      <p:nvGrpSpPr>
-        <p:cNvPr id="1" name=""/>
-        <p:cNvGrpSpPr/>
-        <p:nvPr/>
-      </p:nvGrpSpPr>
-      <p:grpSpPr>
-        <a:xfrm>
-          <a:off x="0" y="0"/>
-          <a:ext cx="0" cy="0"/>
-          <a:chOff x="0" y="0"/>
-          <a:chExt cx="0" cy="0"/>
-        </a:xfrm>
-      </p:grpSpPr>
-      <p:sp>
-        <p:nvSpPr>
-          <p:cNvPr id="4" name="Rechteck 3"/>
-          <p:cNvSpPr/>
-          <p:nvPr/>
-        </p:nvSpPr>
-        <p:spPr>
-          <a:xfrm>
-            <a:off x="17666" y="554"/>
-            <a:ext cx="899592" cy="6858000"/>
-          </a:xfrm>
-          <a:prstGeom prst="rect">
-            <a:avLst/>
-          </a:prstGeom>
-          <a:solidFill>
-            <a:srgbClr val="FFC000"/>
-          </a:solidFill>
-          <a:ln>
-            <a:solidFill>
-              <a:srgbClr val="FFC000"/>
-            </a:solidFill>
-          </a:ln>
-        </p:spPr>
-        <p:style>
-          <a:lnRef idx="2">
-            <a:schemeClr val="accent1">
-              <a:shade val="50000"/>
-            </a:schemeClr>
-          </a:lnRef>
-          <a:fillRef idx="1">
-            <a:schemeClr val="accent1"/>
-          </a:fillRef>
-          <a:effectRef idx="0">
-            <a:schemeClr val="accent1"/>
-          </a:effectRef>
-          <a:fontRef idx="minor">
-            <a:schemeClr val="lt1"/>
-          </a:fontRef>
-        </p:style>
-        <p:txBody>
-          <a:bodyPr rtlCol="0" anchor="ctr"/>
-          <a:lstStyle/>
-          <a:p>
-            <a:pPr algn="ctr"/>
-            <a:endParaRPr lang="de-AT">
-              <a:ln>
-                <a:solidFill>
-                  <a:srgbClr val="FFFF00"/>
-                </a:solidFill>
-              </a:ln>
-              <a:solidFill>
-                <a:srgbClr val="FFFF00"/>
-              </a:solidFill>
-            </a:endParaRPr>
-          </a:p>
-        </p:txBody>
-      </p:sp>
-      <p:sp>
-        <p:nvSpPr>
-          <p:cNvPr id="5" name="Titel 1"/>
-          <p:cNvSpPr>
-            <a:spLocks noGrp="1"/>
-          </p:cNvSpPr>
-          <p:nvPr>
-            <p:ph type="title"/>
-          </p:nvPr>
-        </p:nvSpPr>
-        <p:spPr>
-          <a:xfrm>
-            <a:off x="1331640" y="404664"/>
-            <a:ext cx="7355160" cy="1143000"/>
-          </a:xfrm>
-        </p:spPr>
-        <p:txBody>
-          <a:bodyPr>
-            <a:normAutofit/>
-          </a:bodyPr>
-          <a:lstStyle/>
-          <a:p>
-            <a:r>
-              <a:rPr lang="de-AT" sz="6000" dirty="0" smtClean="0">
-                <a:latin typeface="Agency FB" panose="020B0503020202020204" pitchFamily="34" charset="0"/>
-              </a:rPr>
-              <a:t>QS - </a:t>
-            </a:r>
-            <a:r>
-              <a:rPr lang="de-AT" sz="6000" dirty="0" err="1" smtClean="0">
-                <a:latin typeface="Agency FB" panose="020B0503020202020204" pitchFamily="34" charset="0"/>
-              </a:rPr>
-              <a:t>Sonarqube</a:t>
-            </a:r>
-            <a:endParaRPr lang="de-AT" sz="6000" dirty="0">
-              <a:latin typeface="Agency FB" panose="020B0503020202020204" pitchFamily="34" charset="0"/>
-            </a:endParaRPr>
-          </a:p>
-        </p:txBody>
-      </p:sp>
       <p:pic>
         <p:nvPicPr>
-          <p:cNvPr id="2" name="Grafik 1"/>
+          <p:cNvPr id="9" name="Grafik 8"/>
           <p:cNvPicPr>
             <a:picLocks noChangeAspect="1"/>
           </p:cNvPicPr>
           <p:nvPr/>
         </p:nvPicPr>
-        <p:blipFill rotWithShape="1">
-          <a:blip r:embed="rId3"/>
-          <a:srcRect l="50394" t="18500" r="389" b="2120"/>
-          <a:stretch/>
+        <p:blipFill>
+          <a:blip r:embed="rId4"/>
+          <a:stretch>
+            <a:fillRect/>
+          </a:stretch>
         </p:blipFill>
         <p:spPr>
           <a:xfrm>
-            <a:off x="1309142" y="2132856"/>
-            <a:ext cx="7429397" cy="3744416"/>
+            <a:off x="5465486" y="2354100"/>
+            <a:ext cx="3077298" cy="1927017"/>
           </a:xfrm>
           <a:prstGeom prst="rect">
             <a:avLst/>
           </a:prstGeom>
         </p:spPr>
       </p:pic>
+      <p:pic>
+        <p:nvPicPr>
+          <p:cNvPr id="10" name="Grafik 9"/>
+          <p:cNvPicPr>
+            <a:picLocks noChangeAspect="1"/>
+          </p:cNvPicPr>
+          <p:nvPr/>
+        </p:nvPicPr>
+        <p:blipFill>
+          <a:blip r:embed="rId5"/>
+          <a:stretch>
+            <a:fillRect/>
+          </a:stretch>
+        </p:blipFill>
+        <p:spPr>
+          <a:xfrm>
+            <a:off x="4222304" y="4437112"/>
+            <a:ext cx="4464496" cy="2019352"/>
+          </a:xfrm>
+          <a:prstGeom prst="rect">
+            <a:avLst/>
+          </a:prstGeom>
+        </p:spPr>
+      </p:pic>
+      <p:pic>
+        <p:nvPicPr>
+          <p:cNvPr id="11" name="Grafik 10"/>
+          <p:cNvPicPr>
+            <a:picLocks noChangeAspect="1"/>
+          </p:cNvPicPr>
+          <p:nvPr/>
+        </p:nvPicPr>
+        <p:blipFill>
+          <a:blip r:embed="rId6"/>
+          <a:stretch>
+            <a:fillRect/>
+          </a:stretch>
+        </p:blipFill>
+        <p:spPr>
+          <a:xfrm>
+            <a:off x="1081005" y="4798716"/>
+            <a:ext cx="4001519" cy="1296144"/>
+          </a:xfrm>
+          <a:prstGeom prst="rect">
+            <a:avLst/>
+          </a:prstGeom>
+        </p:spPr>
+      </p:pic>
+      <p:sp>
+        <p:nvSpPr>
+          <p:cNvPr id="12" name="Textfeld 11"/>
+          <p:cNvSpPr txBox="1"/>
+          <p:nvPr/>
+        </p:nvSpPr>
+        <p:spPr>
+          <a:xfrm>
+            <a:off x="4883206" y="6432965"/>
+            <a:ext cx="3142692" cy="338554"/>
+          </a:xfrm>
+          <a:prstGeom prst="rect">
+            <a:avLst/>
+          </a:prstGeom>
+          <a:noFill/>
+        </p:spPr>
+        <p:txBody>
+          <a:bodyPr wrap="square" rtlCol="0">
+            <a:spAutoFit/>
+          </a:bodyPr>
+          <a:lstStyle/>
+          <a:p>
+            <a:r>
+              <a:rPr lang="de-AT" sz="1600" b="1" dirty="0" smtClean="0">
+                <a:latin typeface="Agency FB" panose="020B0503020202020204" pitchFamily="34" charset="0"/>
+              </a:rPr>
+              <a:t>Abs. </a:t>
+            </a:r>
+            <a:r>
+              <a:rPr lang="de-AT" sz="1600" b="1" dirty="0" err="1" smtClean="0">
+                <a:latin typeface="Agency FB" panose="020B0503020202020204" pitchFamily="34" charset="0"/>
+              </a:rPr>
+              <a:t>lines</a:t>
+            </a:r>
+            <a:r>
+              <a:rPr lang="de-AT" sz="1600" b="1" dirty="0" smtClean="0">
+                <a:latin typeface="Agency FB" panose="020B0503020202020204" pitchFamily="34" charset="0"/>
+              </a:rPr>
+              <a:t> </a:t>
+            </a:r>
+            <a:r>
+              <a:rPr lang="de-AT" sz="1600" b="1" dirty="0" err="1" smtClean="0">
+                <a:latin typeface="Agency FB" panose="020B0503020202020204" pitchFamily="34" charset="0"/>
+              </a:rPr>
+              <a:t>of</a:t>
+            </a:r>
+            <a:r>
+              <a:rPr lang="de-AT" sz="1600" b="1" dirty="0" smtClean="0">
+                <a:latin typeface="Agency FB" panose="020B0503020202020204" pitchFamily="34" charset="0"/>
+              </a:rPr>
+              <a:t> </a:t>
+            </a:r>
+            <a:r>
+              <a:rPr lang="de-AT" sz="1600" b="1" dirty="0" err="1" smtClean="0">
+                <a:latin typeface="Agency FB" panose="020B0503020202020204" pitchFamily="34" charset="0"/>
+              </a:rPr>
+              <a:t>code</a:t>
+            </a:r>
+            <a:r>
+              <a:rPr lang="de-AT" sz="1600" b="1" dirty="0" smtClean="0">
+                <a:latin typeface="Agency FB" panose="020B0503020202020204" pitchFamily="34" charset="0"/>
+              </a:rPr>
+              <a:t> </a:t>
+            </a:r>
+            <a:r>
+              <a:rPr lang="de-AT" sz="1200" dirty="0" smtClean="0">
+                <a:latin typeface="Agency FB" panose="020B0503020202020204" pitchFamily="34" charset="0"/>
+              </a:rPr>
+              <a:t>vs.</a:t>
+            </a:r>
+            <a:r>
+              <a:rPr lang="de-AT" sz="1600" dirty="0" smtClean="0">
+                <a:latin typeface="Agency FB" panose="020B0503020202020204" pitchFamily="34" charset="0"/>
+              </a:rPr>
+              <a:t> </a:t>
+            </a:r>
+            <a:r>
+              <a:rPr lang="de-AT" sz="1600" b="1" dirty="0" smtClean="0">
+                <a:latin typeface="Agency FB" panose="020B0503020202020204" pitchFamily="34" charset="0"/>
+              </a:rPr>
+              <a:t>% </a:t>
+            </a:r>
+            <a:r>
+              <a:rPr lang="de-AT" sz="1600" b="1" dirty="0" err="1" smtClean="0">
+                <a:latin typeface="Agency FB" panose="020B0503020202020204" pitchFamily="34" charset="0"/>
+              </a:rPr>
+              <a:t>of</a:t>
+            </a:r>
+            <a:r>
+              <a:rPr lang="de-AT" sz="1600" b="1" dirty="0" smtClean="0">
+                <a:latin typeface="Agency FB" panose="020B0503020202020204" pitchFamily="34" charset="0"/>
+              </a:rPr>
+              <a:t> </a:t>
+            </a:r>
+            <a:r>
+              <a:rPr lang="de-AT" sz="1600" b="1" dirty="0" err="1" smtClean="0">
+                <a:latin typeface="Agency FB" panose="020B0503020202020204" pitchFamily="34" charset="0"/>
+              </a:rPr>
+              <a:t>comment</a:t>
+            </a:r>
+            <a:r>
+              <a:rPr lang="de-AT" sz="1600" b="1" dirty="0" smtClean="0">
+                <a:latin typeface="Agency FB" panose="020B0503020202020204" pitchFamily="34" charset="0"/>
+              </a:rPr>
+              <a:t> </a:t>
+            </a:r>
+            <a:r>
+              <a:rPr lang="de-AT" sz="1600" b="1" dirty="0" err="1" smtClean="0">
+                <a:latin typeface="Agency FB" panose="020B0503020202020204" pitchFamily="34" charset="0"/>
+              </a:rPr>
+              <a:t>lines</a:t>
+            </a:r>
+            <a:r>
+              <a:rPr lang="de-AT" sz="1600" b="1" dirty="0" smtClean="0">
+                <a:latin typeface="Agency FB" panose="020B0503020202020204" pitchFamily="34" charset="0"/>
+              </a:rPr>
+              <a:t> </a:t>
+            </a:r>
+            <a:endParaRPr lang="de-AT" sz="1600" b="1" dirty="0">
+              <a:latin typeface="Agency FB" panose="020B0503020202020204" pitchFamily="34" charset="0"/>
+            </a:endParaRPr>
+          </a:p>
+        </p:txBody>
+      </p:sp>
     </p:spTree>
     <p:extLst>
       <p:ext uri="{BB962C8B-B14F-4D97-AF65-F5344CB8AC3E}">
@@ -6153,82 +7508,13 @@
       </p:grpSpPr>
       <p:sp>
         <p:nvSpPr>
-          <p:cNvPr id="2" name="Titel 1"/>
-          <p:cNvSpPr>
-            <a:spLocks noGrp="1"/>
-          </p:cNvSpPr>
-          <p:nvPr>
-            <p:ph type="title"/>
-          </p:nvPr>
+          <p:cNvPr id="4" name="Rechteck 3"/>
+          <p:cNvSpPr/>
+          <p:nvPr/>
         </p:nvSpPr>
         <p:spPr>
           <a:xfrm>
-            <a:off x="1187624" y="274638"/>
-            <a:ext cx="7499176" cy="1143000"/>
-          </a:xfrm>
-        </p:spPr>
-        <p:txBody>
-          <a:bodyPr>
-            <a:normAutofit/>
-          </a:bodyPr>
-          <a:lstStyle/>
-          <a:p>
-            <a:r>
-              <a:rPr lang="de-AT" sz="6000" dirty="0" smtClean="0">
-                <a:latin typeface="Agency FB" panose="020B0503020202020204" pitchFamily="34" charset="0"/>
-              </a:rPr>
-              <a:t>Schlusswort</a:t>
-            </a:r>
-            <a:endParaRPr lang="de-AT" sz="6000" dirty="0">
-              <a:latin typeface="Agency FB" panose="020B0503020202020204" pitchFamily="34" charset="0"/>
-            </a:endParaRPr>
-          </a:p>
-        </p:txBody>
-      </p:sp>
-      <p:sp>
-        <p:nvSpPr>
-          <p:cNvPr id="4" name="Textfeld 3"/>
-          <p:cNvSpPr txBox="1"/>
-          <p:nvPr/>
-        </p:nvSpPr>
-        <p:spPr>
-          <a:xfrm>
-            <a:off x="2735289" y="1772816"/>
-            <a:ext cx="4680520" cy="799647"/>
-          </a:xfrm>
-          <a:prstGeom prst="rect">
-            <a:avLst/>
-          </a:prstGeom>
-          <a:noFill/>
-        </p:spPr>
-        <p:txBody>
-          <a:bodyPr wrap="square" rtlCol="0">
-            <a:spAutoFit/>
-          </a:bodyPr>
-          <a:lstStyle/>
-          <a:p>
-            <a:pPr algn="ctr"/>
-            <a:r>
-              <a:rPr lang="de-AT" sz="3600" dirty="0" smtClean="0">
-                <a:latin typeface="Agency FB" panose="020B0503020202020204" pitchFamily="34" charset="0"/>
-              </a:rPr>
-              <a:t>DOWNLOAD NOW!</a:t>
-            </a:r>
-            <a:endParaRPr lang="de-AT" sz="3600" dirty="0">
-              <a:latin typeface="Agency FB" panose="020B0503020202020204" pitchFamily="34" charset="0"/>
-            </a:endParaRPr>
-          </a:p>
-        </p:txBody>
-      </p:sp>
-      <p:sp>
-        <p:nvSpPr>
-          <p:cNvPr id="7" name="Rechteck 6"/>
-          <p:cNvSpPr/>
-          <p:nvPr/>
-        </p:nvSpPr>
-        <p:spPr>
-          <a:xfrm>
-            <a:off x="7404" y="0"/>
+            <a:off x="17666" y="554"/>
             <a:ext cx="899592" cy="6858000"/>
           </a:xfrm>
           <a:prstGeom prst="rect">
@@ -6277,57 +7563,56 @@
           </a:p>
         </p:txBody>
       </p:sp>
-      <p:pic>
-        <p:nvPicPr>
-          <p:cNvPr id="1026" name="Picture 2" descr="http://www.qrcode-generator.de/phpqrcode/getCode.php?cht=qr&amp;chl=www.medien-labor.at%2FMalefiz.apk&amp;chs=180x180&amp;choe=UTF-8&amp;chld=L%7C0"/>
-          <p:cNvPicPr>
-            <a:picLocks noGrp="1" noChangeAspect="1" noChangeArrowheads="1"/>
-          </p:cNvPicPr>
-          <p:nvPr>
-            <p:ph idx="1"/>
-          </p:nvPr>
-        </p:nvPicPr>
-        <p:blipFill rotWithShape="1">
-          <a:blip r:embed="rId3">
-            <a:extLst>
-              <a:ext uri="{28A0092B-C50C-407E-A947-70E740481C1C}">
-                <a14:useLocalDpi xmlns:a14="http://schemas.microsoft.com/office/drawing/2010/main" val="0"/>
-              </a:ext>
-            </a:extLst>
-          </a:blip>
-          <a:srcRect l="8781" t="9163" r="8748" b="10656"/>
-          <a:stretch/>
-        </p:blipFill>
-        <p:spPr bwMode="auto">
+      <p:sp>
+        <p:nvSpPr>
+          <p:cNvPr id="5" name="Titel 1"/>
+          <p:cNvSpPr>
+            <a:spLocks noGrp="1"/>
+          </p:cNvSpPr>
+          <p:nvPr>
+            <p:ph type="title"/>
+          </p:nvPr>
+        </p:nvSpPr>
+        <p:spPr>
           <a:xfrm>
-            <a:off x="3347864" y="2394231"/>
-            <a:ext cx="3456384" cy="3360372"/>
+            <a:off x="1331640" y="404664"/>
+            <a:ext cx="7355160" cy="1143000"/>
           </a:xfrm>
-          <a:prstGeom prst="rect">
-            <a:avLst/>
-          </a:prstGeom>
-          <a:noFill/>
-          <a:extLst>
-            <a:ext uri="{909E8E84-426E-40DD-AFC4-6F175D3DCCD1}">
-              <a14:hiddenFill xmlns:a14="http://schemas.microsoft.com/office/drawing/2010/main">
-                <a:solidFill>
-                  <a:srgbClr val="FFFFFF"/>
-                </a:solidFill>
-              </a14:hiddenFill>
-            </a:ext>
-          </a:extLst>
         </p:spPr>
-      </p:pic>
-      <p:sp>
-        <p:nvSpPr>
-          <p:cNvPr id="10" name="Textfeld 9"/>
+        <p:txBody>
+          <a:bodyPr>
+            <a:normAutofit/>
+          </a:bodyPr>
+          <a:lstStyle/>
+          <a:p>
+            <a:r>
+              <a:rPr lang="de-AT" sz="4800" dirty="0" smtClean="0">
+                <a:latin typeface="Agency FB" panose="020B0503020202020204" pitchFamily="34" charset="0"/>
+              </a:rPr>
+              <a:t>QS - </a:t>
+            </a:r>
+            <a:r>
+              <a:rPr lang="de-AT" sz="4800" dirty="0" err="1" smtClean="0">
+                <a:latin typeface="Agency FB" panose="020B0503020202020204" pitchFamily="34" charset="0"/>
+              </a:rPr>
+              <a:t>Sonarqube</a:t>
+            </a:r>
+            <a:endParaRPr lang="de-AT" sz="4800" dirty="0">
+              <a:latin typeface="Agency FB" panose="020B0503020202020204" pitchFamily="34" charset="0"/>
+            </a:endParaRPr>
+          </a:p>
+        </p:txBody>
+      </p:sp>
+      <p:sp>
+        <p:nvSpPr>
+          <p:cNvPr id="3" name="Textfeld 2"/>
           <p:cNvSpPr txBox="1"/>
           <p:nvPr/>
         </p:nvSpPr>
         <p:spPr>
           <a:xfrm>
-            <a:off x="2735289" y="5733256"/>
-            <a:ext cx="4680520" cy="646331"/>
+            <a:off x="1331640" y="1482958"/>
+            <a:ext cx="7211144" cy="584775"/>
           </a:xfrm>
           <a:prstGeom prst="rect">
             <a:avLst/>
@@ -6340,26 +7625,107 @@
           </a:bodyPr>
           <a:lstStyle/>
           <a:p>
-            <a:pPr algn="ctr"/>
-            <a:r>
-              <a:rPr lang="de-AT" sz="3600" dirty="0">
-                <a:latin typeface="Agency FB" panose="020B0503020202020204" pitchFamily="34" charset="0"/>
-              </a:rPr>
-              <a:t>m</a:t>
-            </a:r>
-            <a:r>
-              <a:rPr lang="de-AT" sz="3600" dirty="0" smtClean="0">
-                <a:latin typeface="Agency FB" panose="020B0503020202020204" pitchFamily="34" charset="0"/>
-              </a:rPr>
-              <a:t>edien-labor.at/</a:t>
-            </a:r>
-            <a:r>
-              <a:rPr lang="de-AT" sz="3600" dirty="0" err="1" smtClean="0">
-                <a:latin typeface="Agency FB" panose="020B0503020202020204" pitchFamily="34" charset="0"/>
-              </a:rPr>
-              <a:t>Malefiz.apk</a:t>
-            </a:r>
-            <a:endParaRPr lang="de-AT" sz="3600" dirty="0">
+            <a:r>
+              <a:rPr lang="de-AT" sz="3200" dirty="0" smtClean="0">
+                <a:latin typeface="Agency FB" panose="020B0503020202020204" pitchFamily="34" charset="0"/>
+              </a:rPr>
+              <a:t>Technical </a:t>
+            </a:r>
+            <a:r>
+              <a:rPr lang="de-AT" sz="3200" dirty="0" err="1" smtClean="0">
+                <a:latin typeface="Agency FB" panose="020B0503020202020204" pitchFamily="34" charset="0"/>
+              </a:rPr>
+              <a:t>Debt</a:t>
+            </a:r>
+            <a:endParaRPr lang="de-AT" sz="3200" dirty="0">
+              <a:latin typeface="Agency FB" panose="020B0503020202020204" pitchFamily="34" charset="0"/>
+            </a:endParaRPr>
+          </a:p>
+        </p:txBody>
+      </p:sp>
+      <p:pic>
+        <p:nvPicPr>
+          <p:cNvPr id="2" name="Grafik 1"/>
+          <p:cNvPicPr>
+            <a:picLocks noChangeAspect="1"/>
+          </p:cNvPicPr>
+          <p:nvPr/>
+        </p:nvPicPr>
+        <p:blipFill>
+          <a:blip r:embed="rId3"/>
+          <a:stretch>
+            <a:fillRect/>
+          </a:stretch>
+        </p:blipFill>
+        <p:spPr>
+          <a:xfrm>
+            <a:off x="3354887" y="2072935"/>
+            <a:ext cx="3308666" cy="1810122"/>
+          </a:xfrm>
+          <a:prstGeom prst="rect">
+            <a:avLst/>
+          </a:prstGeom>
+        </p:spPr>
+      </p:pic>
+      <p:pic>
+        <p:nvPicPr>
+          <p:cNvPr id="7" name="Grafik 6"/>
+          <p:cNvPicPr>
+            <a:picLocks noChangeAspect="1"/>
+          </p:cNvPicPr>
+          <p:nvPr/>
+        </p:nvPicPr>
+        <p:blipFill>
+          <a:blip r:embed="rId4"/>
+          <a:stretch>
+            <a:fillRect/>
+          </a:stretch>
+        </p:blipFill>
+        <p:spPr>
+          <a:xfrm>
+            <a:off x="2195736" y="4005064"/>
+            <a:ext cx="5750709" cy="2301602"/>
+          </a:xfrm>
+          <a:prstGeom prst="rect">
+            <a:avLst/>
+          </a:prstGeom>
+        </p:spPr>
+      </p:pic>
+      <p:sp>
+        <p:nvSpPr>
+          <p:cNvPr id="12" name="Textfeld 11"/>
+          <p:cNvSpPr txBox="1"/>
+          <p:nvPr/>
+        </p:nvSpPr>
+        <p:spPr>
+          <a:xfrm>
+            <a:off x="4520682" y="6317129"/>
+            <a:ext cx="1059429" cy="338554"/>
+          </a:xfrm>
+          <a:prstGeom prst="rect">
+            <a:avLst/>
+          </a:prstGeom>
+          <a:noFill/>
+        </p:spPr>
+        <p:txBody>
+          <a:bodyPr wrap="square" rtlCol="0">
+            <a:spAutoFit/>
+          </a:bodyPr>
+          <a:lstStyle/>
+          <a:p>
+            <a:r>
+              <a:rPr lang="de-AT" sz="1600" b="1" dirty="0" smtClean="0">
+                <a:latin typeface="Agency FB" panose="020B0503020202020204" pitchFamily="34" charset="0"/>
+              </a:rPr>
+              <a:t>Open </a:t>
+            </a:r>
+            <a:r>
+              <a:rPr lang="de-AT" sz="1600" b="1" dirty="0" err="1" smtClean="0">
+                <a:latin typeface="Agency FB" panose="020B0503020202020204" pitchFamily="34" charset="0"/>
+              </a:rPr>
+              <a:t>Issues</a:t>
+            </a:r>
+            <a:endParaRPr lang="de-AT" sz="1600" b="1" dirty="0">
               <a:latin typeface="Agency FB" panose="020B0503020202020204" pitchFamily="34" charset="0"/>
             </a:endParaRPr>
           </a:p>
@@ -6368,7 +7734,7 @@
     </p:spTree>
     <p:extLst>
       <p:ext uri="{BB962C8B-B14F-4D97-AF65-F5344CB8AC3E}">
-        <p14:creationId xmlns:p14="http://schemas.microsoft.com/office/powerpoint/2010/main" val="3339401647"/>
+        <p14:creationId xmlns:p14="http://schemas.microsoft.com/office/powerpoint/2010/main" val="253232789"/>
       </p:ext>
     </p:extLst>
   </p:cSld>
